--- a/materials/slides/ch06.pptx
+++ b/materials/slides/ch06.pptx
@@ -5,67 +5,68 @@
     <p:sldMasterId id="2147483648" r:id="rId1"/>
   </p:sldMasterIdLst>
   <p:notesMasterIdLst>
-    <p:notesMasterId r:id="rId6"/>
+    <p:notesMasterId r:id="rId5"/>
   </p:notesMasterIdLst>
   <p:sldIdLst>
     <p:sldId id="256" r:id="rId3"/>
-    <p:sldId id="561" r:id="rId4"/>
-    <p:sldId id="562" r:id="rId5"/>
-    <p:sldId id="563" r:id="rId7"/>
-    <p:sldId id="564" r:id="rId8"/>
-    <p:sldId id="263" r:id="rId9"/>
-    <p:sldId id="384" r:id="rId10"/>
-    <p:sldId id="531" r:id="rId11"/>
-    <p:sldId id="532" r:id="rId12"/>
-    <p:sldId id="533" r:id="rId13"/>
-    <p:sldId id="534" r:id="rId14"/>
-    <p:sldId id="535" r:id="rId15"/>
-    <p:sldId id="536" r:id="rId16"/>
-    <p:sldId id="537" r:id="rId17"/>
-    <p:sldId id="425" r:id="rId18"/>
-    <p:sldId id="538" r:id="rId19"/>
-    <p:sldId id="539" r:id="rId20"/>
-    <p:sldId id="540" r:id="rId21"/>
-    <p:sldId id="541" r:id="rId22"/>
-    <p:sldId id="542" r:id="rId23"/>
-    <p:sldId id="543" r:id="rId24"/>
-    <p:sldId id="544" r:id="rId25"/>
-    <p:sldId id="545" r:id="rId26"/>
-    <p:sldId id="546" r:id="rId27"/>
-    <p:sldId id="547" r:id="rId28"/>
-    <p:sldId id="549" r:id="rId29"/>
-    <p:sldId id="550" r:id="rId30"/>
-    <p:sldId id="551" r:id="rId31"/>
-    <p:sldId id="552" r:id="rId32"/>
-    <p:sldId id="436" r:id="rId33"/>
-    <p:sldId id="553" r:id="rId34"/>
-    <p:sldId id="554" r:id="rId35"/>
-    <p:sldId id="555" r:id="rId36"/>
-    <p:sldId id="556" r:id="rId37"/>
-    <p:sldId id="557" r:id="rId38"/>
-    <p:sldId id="558" r:id="rId39"/>
-    <p:sldId id="559" r:id="rId40"/>
-    <p:sldId id="560" r:id="rId41"/>
-    <p:sldId id="379" r:id="rId42"/>
+    <p:sldId id="599" r:id="rId4"/>
+    <p:sldId id="561" r:id="rId6"/>
+    <p:sldId id="562" r:id="rId7"/>
+    <p:sldId id="563" r:id="rId8"/>
+    <p:sldId id="564" r:id="rId9"/>
+    <p:sldId id="263" r:id="rId10"/>
+    <p:sldId id="384" r:id="rId11"/>
+    <p:sldId id="531" r:id="rId12"/>
+    <p:sldId id="532" r:id="rId13"/>
+    <p:sldId id="533" r:id="rId14"/>
+    <p:sldId id="534" r:id="rId15"/>
+    <p:sldId id="535" r:id="rId16"/>
+    <p:sldId id="536" r:id="rId17"/>
+    <p:sldId id="537" r:id="rId18"/>
+    <p:sldId id="425" r:id="rId19"/>
+    <p:sldId id="538" r:id="rId20"/>
+    <p:sldId id="539" r:id="rId21"/>
+    <p:sldId id="540" r:id="rId22"/>
+    <p:sldId id="541" r:id="rId23"/>
+    <p:sldId id="542" r:id="rId24"/>
+    <p:sldId id="543" r:id="rId25"/>
+    <p:sldId id="544" r:id="rId26"/>
+    <p:sldId id="545" r:id="rId27"/>
+    <p:sldId id="546" r:id="rId28"/>
+    <p:sldId id="547" r:id="rId29"/>
+    <p:sldId id="549" r:id="rId30"/>
+    <p:sldId id="550" r:id="rId31"/>
+    <p:sldId id="551" r:id="rId32"/>
+    <p:sldId id="552" r:id="rId33"/>
+    <p:sldId id="436" r:id="rId34"/>
+    <p:sldId id="553" r:id="rId35"/>
+    <p:sldId id="554" r:id="rId36"/>
+    <p:sldId id="555" r:id="rId37"/>
+    <p:sldId id="556" r:id="rId38"/>
+    <p:sldId id="557" r:id="rId39"/>
+    <p:sldId id="558" r:id="rId40"/>
+    <p:sldId id="559" r:id="rId41"/>
+    <p:sldId id="560" r:id="rId42"/>
+    <p:sldId id="379" r:id="rId43"/>
   </p:sldIdLst>
   <p:sldSz cx="12192000" cy="6858000"/>
   <p:notesSz cx="6858000" cy="9144000"/>
   <p:embeddedFontLst>
     <p:embeddedFont>
       <p:font typeface="微软雅黑" panose="020B0503020204020204" pitchFamily="34" charset="-122"/>
-      <p:regular r:id="rId46"/>
+      <p:regular r:id="rId47"/>
     </p:embeddedFont>
     <p:embeddedFont>
       <p:font typeface="Calibri" panose="020F0502020204030204" charset="0"/>
-      <p:regular r:id="rId47"/>
-      <p:bold r:id="rId48"/>
-      <p:italic r:id="rId49"/>
-      <p:boldItalic r:id="rId50"/>
+      <p:regular r:id="rId48"/>
+      <p:bold r:id="rId49"/>
+      <p:italic r:id="rId50"/>
+      <p:boldItalic r:id="rId51"/>
     </p:embeddedFont>
     <p:embeddedFont>
       <p:font typeface="Calibri Light" panose="020F0302020204030204" charset="0"/>
-      <p:regular r:id="rId51"/>
-      <p:italic r:id="rId52"/>
+      <p:regular r:id="rId52"/>
+      <p:italic r:id="rId53"/>
     </p:embeddedFont>
   </p:embeddedFontLst>
   <p:defaultTextStyle>
@@ -559,9 +560,6 @@
           </a:bodyPr>
           <a:lstStyle/>
           <a:p>
-            <a:br>
-              <a:rPr lang="en-US" altLang="zh-CN" sz="1200" dirty="0"/>
-            </a:br>
             <a:endParaRPr lang="zh-CN" altLang="en-US" dirty="0"/>
           </a:p>
         </p:txBody>
@@ -638,616 +636,13 @@
         <p:spPr/>
         <p:txBody>
           <a:bodyPr>
-            <a:normAutofit fontScale="77500" lnSpcReduction="20000"/>
+            <a:normAutofit/>
           </a:bodyPr>
           <a:lstStyle/>
           <a:p>
-            <a:pPr marL="0" marR="0" indent="0" algn="l" defTabSz="914400" rtl="0" eaLnBrk="0" fontAlgn="base" latinLnBrk="0" hangingPunct="0">
-              <a:lnSpc>
-                <a:spcPct val="100000"/>
-              </a:lnSpc>
-              <a:spcBef>
-                <a:spcPct val="30000"/>
-              </a:spcBef>
-              <a:spcAft>
-                <a:spcPct val="0"/>
-              </a:spcAft>
-              <a:buClrTx/>
-              <a:buSzTx/>
-              <a:buFontTx/>
-              <a:buNone/>
-              <a:defRPr/>
-            </a:pPr>
-            <a:r>
-              <a:rPr lang="zh-CN" altLang="en-US" sz="1200" b="1" kern="1200" dirty="0">
-                <a:solidFill>
-                  <a:schemeClr val="tx1"/>
-                </a:solidFill>
-                <a:latin typeface="Calibri" panose="020F0502020204030204" charset="0"/>
-                <a:ea typeface="+mn-ea"/>
-                <a:cs typeface="+mn-cs"/>
-              </a:rPr>
-              <a:t>第一步：直接把用例文本拷贝到图上</a:t>
-            </a:r>
-            <a:endParaRPr lang="en-US" altLang="zh-CN" sz="1200" b="1" kern="1200" dirty="0">
-              <a:solidFill>
-                <a:schemeClr val="tx1"/>
-              </a:solidFill>
-              <a:latin typeface="Calibri" panose="020F0502020204030204" charset="0"/>
-              <a:ea typeface="+mn-ea"/>
-              <a:cs typeface="+mn-cs"/>
-            </a:endParaRPr>
-          </a:p>
-          <a:p>
-            <a:r>
-              <a:rPr lang="zh-CN" altLang="en-US" sz="1200" kern="1200" dirty="0">
-                <a:solidFill>
-                  <a:schemeClr val="tx1"/>
-                </a:solidFill>
-                <a:latin typeface="Calibri" panose="020F0502020204030204" charset="0"/>
-                <a:ea typeface="+mn-ea"/>
-                <a:cs typeface="+mn-cs"/>
-              </a:rPr>
-              <a:t>到了这个阶段，用例文本应该毫无问题了，直接将用例文本放在图上是有意义的，将帮助我们聚焦于两段描述。</a:t>
-            </a:r>
-            <a:endParaRPr lang="zh-CN" altLang="en-US" sz="1200" kern="1200" dirty="0">
-              <a:solidFill>
-                <a:schemeClr val="tx1"/>
-              </a:solidFill>
-              <a:latin typeface="Calibri" panose="020F0502020204030204" charset="0"/>
-              <a:ea typeface="+mn-ea"/>
-              <a:cs typeface="+mn-cs"/>
-            </a:endParaRPr>
-          </a:p>
-          <a:p>
-            <a:r>
-              <a:rPr lang="zh-CN" altLang="en-US" sz="1200" kern="1200" dirty="0">
-                <a:solidFill>
-                  <a:schemeClr val="tx1"/>
-                </a:solidFill>
-                <a:latin typeface="Calibri" panose="020F0502020204030204" charset="0"/>
-                <a:ea typeface="+mn-ea"/>
-                <a:cs typeface="+mn-cs"/>
-              </a:rPr>
-              <a:t>因为，我们直接从用例文本开始设计，如果用例文本不详细，没有体现所有分支流程，在详细设计时，就会丢失一些对象的方法。</a:t>
-            </a:r>
-            <a:endParaRPr lang="zh-CN" altLang="en-US" sz="1200" kern="1200" dirty="0">
-              <a:solidFill>
-                <a:schemeClr val="tx1"/>
-              </a:solidFill>
-              <a:latin typeface="Calibri" panose="020F0502020204030204" charset="0"/>
-              <a:ea typeface="+mn-ea"/>
-              <a:cs typeface="+mn-cs"/>
-            </a:endParaRPr>
-          </a:p>
-          <a:p>
-            <a:r>
-              <a:rPr lang="zh-CN" altLang="en-US" sz="1200" b="1" kern="1200" dirty="0">
-                <a:solidFill>
-                  <a:schemeClr val="tx1"/>
-                </a:solidFill>
-                <a:latin typeface="Calibri" panose="020F0502020204030204" charset="0"/>
-                <a:ea typeface="+mn-ea"/>
-                <a:cs typeface="+mn-cs"/>
-              </a:rPr>
-              <a:t>第二步 从健壮性图中拷贝实体对象</a:t>
-            </a:r>
-            <a:endParaRPr lang="en-US" altLang="zh-CN" sz="1200" b="1" kern="1200" dirty="0">
-              <a:solidFill>
-                <a:schemeClr val="tx1"/>
-              </a:solidFill>
-              <a:latin typeface="Calibri" panose="020F0502020204030204" charset="0"/>
-              <a:ea typeface="+mn-ea"/>
-              <a:cs typeface="+mn-cs"/>
-            </a:endParaRPr>
-          </a:p>
-          <a:p>
-            <a:r>
-              <a:rPr lang="zh-CN" altLang="en-US" sz="1200" kern="1200" dirty="0">
-                <a:solidFill>
-                  <a:schemeClr val="tx1"/>
-                </a:solidFill>
-                <a:latin typeface="Calibri" panose="020F0502020204030204" charset="0"/>
-                <a:ea typeface="+mn-ea"/>
-                <a:cs typeface="+mn-cs"/>
-              </a:rPr>
-              <a:t>在健壮性分析时更新了静态模型，实体对象就相当于类图上的类。到现在为止，实体对象拥有大部分属性但没有任何方法。</a:t>
-            </a:r>
-            <a:endParaRPr lang="en-US" altLang="zh-CN" sz="1200" kern="1200" dirty="0">
-              <a:solidFill>
-                <a:schemeClr val="tx1"/>
-              </a:solidFill>
-              <a:latin typeface="Calibri" panose="020F0502020204030204" charset="0"/>
-              <a:ea typeface="+mn-ea"/>
-              <a:cs typeface="+mn-cs"/>
-            </a:endParaRPr>
-          </a:p>
-          <a:p>
-            <a:r>
-              <a:rPr lang="zh-CN" altLang="en-US" sz="1200" kern="1200" dirty="0">
-                <a:solidFill>
-                  <a:schemeClr val="tx1"/>
-                </a:solidFill>
-                <a:latin typeface="Calibri" panose="020F0502020204030204" charset="0"/>
-                <a:ea typeface="+mn-ea"/>
-                <a:cs typeface="+mn-cs"/>
-              </a:rPr>
-              <a:t>那么在时序图时，我们将完成方法的分配，但在开始之前，我们需要把边界对象和参与者放在图上。</a:t>
-            </a:r>
-            <a:endParaRPr lang="en-US" altLang="zh-CN" sz="1200" b="1" kern="1200" dirty="0">
-              <a:solidFill>
-                <a:schemeClr val="tx1"/>
-              </a:solidFill>
-              <a:latin typeface="Calibri" panose="020F0502020204030204" charset="0"/>
-              <a:ea typeface="+mn-ea"/>
-              <a:cs typeface="+mn-cs"/>
-            </a:endParaRPr>
-          </a:p>
-          <a:p>
-            <a:pPr marL="0" marR="0" indent="0" algn="l" defTabSz="914400" rtl="0" eaLnBrk="0" fontAlgn="base" latinLnBrk="0" hangingPunct="0">
-              <a:lnSpc>
-                <a:spcPct val="100000"/>
-              </a:lnSpc>
-              <a:spcBef>
-                <a:spcPct val="30000"/>
-              </a:spcBef>
-              <a:spcAft>
-                <a:spcPct val="0"/>
-              </a:spcAft>
-              <a:buClrTx/>
-              <a:buSzTx/>
-              <a:buFontTx/>
-              <a:buNone/>
-              <a:defRPr/>
-            </a:pPr>
-            <a:r>
-              <a:rPr lang="zh-CN" altLang="en-US" sz="1200" b="1" kern="1200" dirty="0">
-                <a:solidFill>
-                  <a:schemeClr val="tx1"/>
-                </a:solidFill>
-                <a:latin typeface="Calibri" panose="020F0502020204030204" charset="0"/>
-                <a:ea typeface="+mn-ea"/>
-                <a:cs typeface="+mn-cs"/>
-              </a:rPr>
-              <a:t>第三步 从健壮性图中拷贝边界对象和参与者</a:t>
-            </a:r>
-            <a:endParaRPr lang="en-US" altLang="zh-CN" sz="1200" b="1" kern="1200" dirty="0">
-              <a:solidFill>
-                <a:schemeClr val="tx1"/>
-              </a:solidFill>
-              <a:latin typeface="Calibri" panose="020F0502020204030204" charset="0"/>
-              <a:ea typeface="+mn-ea"/>
-              <a:cs typeface="+mn-cs"/>
-            </a:endParaRPr>
-          </a:p>
-          <a:p>
-            <a:r>
-              <a:rPr lang="zh-CN" altLang="en-US" sz="1200" kern="1200" dirty="0">
-                <a:solidFill>
-                  <a:schemeClr val="tx1"/>
-                </a:solidFill>
-                <a:latin typeface="Calibri" panose="020F0502020204030204" charset="0"/>
-                <a:ea typeface="+mn-ea"/>
-                <a:cs typeface="+mn-cs"/>
-              </a:rPr>
-              <a:t>有可能会在一个时序图中出现多个参与者，但一般只有一个，通常放置在图的左边。</a:t>
-            </a:r>
-            <a:endParaRPr lang="zh-CN" altLang="en-US" sz="1200" kern="1200" dirty="0">
-              <a:solidFill>
-                <a:schemeClr val="tx1"/>
-              </a:solidFill>
-              <a:latin typeface="Calibri" panose="020F0502020204030204" charset="0"/>
-              <a:ea typeface="+mn-ea"/>
-              <a:cs typeface="+mn-cs"/>
-            </a:endParaRPr>
-          </a:p>
-          <a:p>
-            <a:r>
-              <a:rPr lang="zh-CN" altLang="en-US" sz="1200" kern="1200" dirty="0">
-                <a:solidFill>
-                  <a:schemeClr val="tx1"/>
-                </a:solidFill>
-                <a:latin typeface="Calibri" panose="020F0502020204030204" charset="0"/>
-                <a:ea typeface="+mn-ea"/>
-                <a:cs typeface="+mn-cs"/>
-              </a:rPr>
-              <a:t>依赖于我们将要创建的</a:t>
-            </a:r>
-            <a:r>
-              <a:rPr lang="en-US" sz="1200" kern="1200" dirty="0">
-                <a:solidFill>
-                  <a:schemeClr val="tx1"/>
-                </a:solidFill>
-                <a:latin typeface="Calibri" panose="020F0502020204030204" charset="0"/>
-                <a:ea typeface="+mn-ea"/>
-                <a:cs typeface="+mn-cs"/>
-              </a:rPr>
-              <a:t>GUI</a:t>
-            </a:r>
-            <a:r>
-              <a:rPr lang="zh-CN" altLang="en-US" sz="1200" kern="1200" dirty="0">
-                <a:solidFill>
-                  <a:schemeClr val="tx1"/>
-                </a:solidFill>
-                <a:latin typeface="Calibri" panose="020F0502020204030204" charset="0"/>
-                <a:ea typeface="+mn-ea"/>
-                <a:cs typeface="+mn-cs"/>
-              </a:rPr>
-              <a:t>的类型，边界对象通常会转化为</a:t>
-            </a:r>
-            <a:r>
-              <a:rPr lang="en-US" sz="1200" kern="1200" dirty="0">
-                <a:solidFill>
-                  <a:schemeClr val="tx1"/>
-                </a:solidFill>
-                <a:latin typeface="Calibri" panose="020F0502020204030204" charset="0"/>
-                <a:ea typeface="+mn-ea"/>
-                <a:cs typeface="+mn-cs"/>
-              </a:rPr>
-              <a:t>JSP</a:t>
-            </a:r>
-            <a:r>
-              <a:rPr lang="zh-CN" altLang="en-US" sz="1200" kern="1200" dirty="0">
-                <a:solidFill>
-                  <a:schemeClr val="tx1"/>
-                </a:solidFill>
-                <a:latin typeface="Calibri" panose="020F0502020204030204" charset="0"/>
-                <a:ea typeface="+mn-ea"/>
-                <a:cs typeface="+mn-cs"/>
-              </a:rPr>
-              <a:t>或</a:t>
-            </a:r>
-            <a:r>
-              <a:rPr lang="en-US" sz="1200" kern="1200" dirty="0">
-                <a:solidFill>
-                  <a:schemeClr val="tx1"/>
-                </a:solidFill>
-                <a:latin typeface="Calibri" panose="020F0502020204030204" charset="0"/>
-                <a:ea typeface="+mn-ea"/>
-                <a:cs typeface="+mn-cs"/>
-              </a:rPr>
-              <a:t>ASP</a:t>
-            </a:r>
-            <a:r>
-              <a:rPr lang="zh-CN" altLang="en-US" sz="1200" kern="1200" dirty="0">
-                <a:solidFill>
-                  <a:schemeClr val="tx1"/>
-                </a:solidFill>
-                <a:latin typeface="Calibri" panose="020F0502020204030204" charset="0"/>
-                <a:ea typeface="+mn-ea"/>
-                <a:cs typeface="+mn-cs"/>
-              </a:rPr>
-              <a:t>页面。因此我们可确定边界对象不作为一个真实的类，不分配行为给它们。如何制作</a:t>
-            </a:r>
-            <a:r>
-              <a:rPr lang="en-US" sz="1200" kern="1200" dirty="0">
-                <a:solidFill>
-                  <a:schemeClr val="tx1"/>
-                </a:solidFill>
-                <a:latin typeface="Calibri" panose="020F0502020204030204" charset="0"/>
-                <a:ea typeface="+mn-ea"/>
-                <a:cs typeface="+mn-cs"/>
-              </a:rPr>
-              <a:t>GUI</a:t>
-            </a:r>
-            <a:r>
-              <a:rPr lang="zh-CN" altLang="en-US" sz="1200" kern="1200" dirty="0">
-                <a:solidFill>
-                  <a:schemeClr val="tx1"/>
-                </a:solidFill>
-                <a:latin typeface="Calibri" panose="020F0502020204030204" charset="0"/>
-                <a:ea typeface="+mn-ea"/>
-                <a:cs typeface="+mn-cs"/>
-              </a:rPr>
-              <a:t>有非常广泛的技术（例如</a:t>
-            </a:r>
-            <a:r>
-              <a:rPr lang="en-US" sz="1200" kern="1200" dirty="0">
-                <a:solidFill>
-                  <a:schemeClr val="tx1"/>
-                </a:solidFill>
-                <a:latin typeface="Calibri" panose="020F0502020204030204" charset="0"/>
-                <a:ea typeface="+mn-ea"/>
-                <a:cs typeface="+mn-cs"/>
-              </a:rPr>
-              <a:t>JSP</a:t>
-            </a:r>
-            <a:r>
-              <a:rPr lang="zh-CN" altLang="en-US" sz="1200" kern="1200" dirty="0">
-                <a:solidFill>
-                  <a:schemeClr val="tx1"/>
-                </a:solidFill>
-                <a:latin typeface="Calibri" panose="020F0502020204030204" charset="0"/>
-                <a:ea typeface="+mn-ea"/>
-                <a:cs typeface="+mn-cs"/>
-              </a:rPr>
-              <a:t>、</a:t>
-            </a:r>
-            <a:r>
-              <a:rPr lang="en-US" sz="1200" kern="1200" dirty="0">
-                <a:solidFill>
-                  <a:schemeClr val="tx1"/>
-                </a:solidFill>
-                <a:latin typeface="Calibri" panose="020F0502020204030204" charset="0"/>
-                <a:ea typeface="+mn-ea"/>
-                <a:cs typeface="+mn-cs"/>
-              </a:rPr>
-              <a:t>ASP.NET</a:t>
-            </a:r>
-            <a:r>
-              <a:rPr lang="zh-CN" altLang="en-US" sz="1200" kern="1200" dirty="0">
-                <a:solidFill>
-                  <a:schemeClr val="tx1"/>
-                </a:solidFill>
-                <a:latin typeface="Calibri" panose="020F0502020204030204" charset="0"/>
-                <a:ea typeface="+mn-ea"/>
-                <a:cs typeface="+mn-cs"/>
-              </a:rPr>
-              <a:t>、</a:t>
-            </a:r>
-            <a:r>
-              <a:rPr lang="en-US" sz="1200" kern="1200" dirty="0">
-                <a:solidFill>
-                  <a:schemeClr val="tx1"/>
-                </a:solidFill>
-                <a:latin typeface="Calibri" panose="020F0502020204030204" charset="0"/>
-                <a:ea typeface="+mn-ea"/>
-                <a:cs typeface="+mn-cs"/>
-              </a:rPr>
-              <a:t>HTML</a:t>
-            </a:r>
-            <a:r>
-              <a:rPr lang="zh-CN" altLang="en-US" sz="1200" kern="1200" dirty="0">
-                <a:solidFill>
-                  <a:schemeClr val="tx1"/>
-                </a:solidFill>
-                <a:latin typeface="Calibri" panose="020F0502020204030204" charset="0"/>
-                <a:ea typeface="+mn-ea"/>
-                <a:cs typeface="+mn-cs"/>
-              </a:rPr>
-              <a:t>等），因此在画时序图时，重点关注如何给实体类分配行为。</a:t>
-            </a:r>
-            <a:endParaRPr lang="zh-CN" altLang="en-US" sz="1200" kern="1200" dirty="0">
-              <a:solidFill>
-                <a:schemeClr val="tx1"/>
-              </a:solidFill>
-              <a:latin typeface="Calibri" panose="020F0502020204030204" charset="0"/>
-              <a:ea typeface="+mn-ea"/>
-              <a:cs typeface="+mn-cs"/>
-            </a:endParaRPr>
-          </a:p>
-          <a:p>
-            <a:r>
-              <a:rPr lang="zh-CN" altLang="en-US" sz="1200" kern="1200" dirty="0">
-                <a:solidFill>
-                  <a:schemeClr val="tx1"/>
-                </a:solidFill>
-                <a:latin typeface="Calibri" panose="020F0502020204030204" charset="0"/>
-                <a:ea typeface="+mn-ea"/>
-                <a:cs typeface="+mn-cs"/>
-              </a:rPr>
-              <a:t>注意：</a:t>
-            </a:r>
-            <a:endParaRPr lang="zh-CN" altLang="en-US" sz="1200" kern="1200" dirty="0">
-              <a:solidFill>
-                <a:schemeClr val="tx1"/>
-              </a:solidFill>
-              <a:latin typeface="Calibri" panose="020F0502020204030204" charset="0"/>
-              <a:ea typeface="+mn-ea"/>
-              <a:cs typeface="+mn-cs"/>
-            </a:endParaRPr>
-          </a:p>
-          <a:p>
-            <a:pPr lvl="0"/>
-            <a:r>
-              <a:rPr lang="zh-CN" altLang="en-US" sz="1200" kern="1200" dirty="0">
-                <a:solidFill>
-                  <a:schemeClr val="tx1"/>
-                </a:solidFill>
-                <a:latin typeface="Calibri" panose="020F0502020204030204" charset="0"/>
-                <a:ea typeface="+mn-ea"/>
-                <a:cs typeface="+mn-cs"/>
-              </a:rPr>
-              <a:t>并不是说不能给视图</a:t>
-            </a:r>
-            <a:r>
-              <a:rPr lang="en-US" sz="1200" kern="1200" dirty="0">
-                <a:solidFill>
-                  <a:schemeClr val="tx1"/>
-                </a:solidFill>
-                <a:latin typeface="Calibri" panose="020F0502020204030204" charset="0"/>
-                <a:ea typeface="+mn-ea"/>
-                <a:cs typeface="+mn-cs"/>
-              </a:rPr>
-              <a:t>/</a:t>
-            </a:r>
-            <a:r>
-              <a:rPr lang="zh-CN" altLang="en-US" sz="1200" kern="1200" dirty="0">
-                <a:solidFill>
-                  <a:schemeClr val="tx1"/>
-                </a:solidFill>
-                <a:latin typeface="Calibri" panose="020F0502020204030204" charset="0"/>
-                <a:ea typeface="+mn-ea"/>
-                <a:cs typeface="+mn-cs"/>
-              </a:rPr>
-              <a:t>边界类添加属性和方法，一般情况下，这些类（或页）不做任何自己的处理。这也有赖于开发人员的经验和所采用的工具。</a:t>
-            </a:r>
-            <a:endParaRPr lang="zh-CN" altLang="en-US" sz="1200" kern="1200" dirty="0">
-              <a:solidFill>
-                <a:schemeClr val="tx1"/>
-              </a:solidFill>
-              <a:latin typeface="Calibri" panose="020F0502020204030204" charset="0"/>
-              <a:ea typeface="+mn-ea"/>
-              <a:cs typeface="+mn-cs"/>
-            </a:endParaRPr>
-          </a:p>
-          <a:p>
-            <a:pPr lvl="0"/>
-            <a:r>
-              <a:rPr lang="zh-CN" altLang="en-US" sz="1200" kern="1200" dirty="0">
-                <a:solidFill>
-                  <a:schemeClr val="tx1"/>
-                </a:solidFill>
-                <a:latin typeface="Calibri" panose="020F0502020204030204" charset="0"/>
-                <a:ea typeface="+mn-ea"/>
-                <a:cs typeface="+mn-cs"/>
-              </a:rPr>
-              <a:t>维持一个纯粹的域模型（只包含实体类，不包含属性和方法）图是非常有意义的。同时我们需要画出详细的类图覆盖解决方案领域和问题领域，最终我们会得到非常大的详细类图，我们可以以用例为单位将它们分隔打包。</a:t>
-            </a:r>
-            <a:endParaRPr lang="zh-CN" altLang="en-US" sz="1200" kern="1200" dirty="0">
-              <a:solidFill>
-                <a:schemeClr val="tx1"/>
-              </a:solidFill>
-              <a:latin typeface="Calibri" panose="020F0502020204030204" charset="0"/>
-              <a:ea typeface="+mn-ea"/>
-              <a:cs typeface="+mn-cs"/>
-            </a:endParaRPr>
-          </a:p>
-          <a:p>
-            <a:pPr lvl="0"/>
-            <a:r>
-              <a:rPr lang="zh-CN" altLang="en-US" sz="1200" kern="1200" dirty="0">
-                <a:solidFill>
-                  <a:schemeClr val="tx1"/>
-                </a:solidFill>
-                <a:latin typeface="Calibri" panose="020F0502020204030204" charset="0"/>
-                <a:ea typeface="+mn-ea"/>
-                <a:cs typeface="+mn-cs"/>
-              </a:rPr>
-              <a:t>详细的类图和时序图应该使用相同的元素，因此当在时序图上分配一个消息时，一个对应的方法自动添加到静态模型中适当的类上。</a:t>
-            </a:r>
-            <a:endParaRPr lang="zh-CN" altLang="en-US" sz="1200" kern="1200" dirty="0">
-              <a:solidFill>
-                <a:schemeClr val="tx1"/>
-              </a:solidFill>
-              <a:latin typeface="Calibri" panose="020F0502020204030204" charset="0"/>
-              <a:ea typeface="+mn-ea"/>
-              <a:cs typeface="+mn-cs"/>
-            </a:endParaRPr>
-          </a:p>
-          <a:p>
-            <a:pPr marL="0" marR="0" indent="0" algn="l" defTabSz="914400" rtl="0" eaLnBrk="0" fontAlgn="base" latinLnBrk="0" hangingPunct="0">
-              <a:lnSpc>
-                <a:spcPct val="100000"/>
-              </a:lnSpc>
-              <a:spcBef>
-                <a:spcPct val="30000"/>
-              </a:spcBef>
-              <a:spcAft>
-                <a:spcPct val="0"/>
-              </a:spcAft>
-              <a:buClrTx/>
-              <a:buSzTx/>
-              <a:buFontTx/>
-              <a:buNone/>
-              <a:defRPr/>
-            </a:pPr>
-            <a:r>
-              <a:rPr lang="zh-CN" altLang="en-US" sz="1200" b="1" kern="1200" dirty="0">
-                <a:solidFill>
-                  <a:schemeClr val="tx1"/>
-                </a:solidFill>
-                <a:latin typeface="Calibri" panose="020F0502020204030204" charset="0"/>
-                <a:ea typeface="+mn-ea"/>
-                <a:cs typeface="+mn-cs"/>
-              </a:rPr>
-              <a:t>第四步　为类分配方法</a:t>
-            </a:r>
-            <a:endParaRPr lang="zh-CN" altLang="en-US" sz="1200" kern="1200" dirty="0">
-              <a:solidFill>
-                <a:schemeClr val="tx1"/>
-              </a:solidFill>
-              <a:latin typeface="Calibri" panose="020F0502020204030204" charset="0"/>
-              <a:ea typeface="+mn-ea"/>
-              <a:cs typeface="+mn-cs"/>
-            </a:endParaRPr>
-          </a:p>
-          <a:p>
-            <a:r>
-              <a:rPr lang="zh-CN" altLang="en-US" sz="1200" kern="1200" dirty="0">
-                <a:solidFill>
-                  <a:schemeClr val="tx1"/>
-                </a:solidFill>
-                <a:latin typeface="Calibri" panose="020F0502020204030204" charset="0"/>
-                <a:ea typeface="+mn-ea"/>
-                <a:cs typeface="+mn-cs"/>
-              </a:rPr>
-              <a:t>这一步是真正产生决策的阶段。这一步的工作是最困难的。做好详细设计工作需要经验和才干。</a:t>
-            </a:r>
-            <a:endParaRPr lang="en-US" altLang="zh-CN" sz="1200" kern="1200" dirty="0">
-              <a:solidFill>
-                <a:schemeClr val="tx1"/>
-              </a:solidFill>
-              <a:latin typeface="Calibri" panose="020F0502020204030204" charset="0"/>
-              <a:ea typeface="+mn-ea"/>
-              <a:cs typeface="+mn-cs"/>
-            </a:endParaRPr>
-          </a:p>
-          <a:p>
-            <a:pPr marL="0" marR="0" indent="0" algn="l" defTabSz="914400" rtl="0" eaLnBrk="0" fontAlgn="base" latinLnBrk="0" hangingPunct="0">
-              <a:lnSpc>
-                <a:spcPct val="100000"/>
-              </a:lnSpc>
-              <a:spcBef>
-                <a:spcPct val="30000"/>
-              </a:spcBef>
-              <a:spcAft>
-                <a:spcPct val="0"/>
-              </a:spcAft>
-              <a:buClrTx/>
-              <a:buSzTx/>
-              <a:buFontTx/>
-              <a:buNone/>
-              <a:defRPr/>
-            </a:pPr>
-            <a:r>
-              <a:rPr lang="zh-CN" altLang="en-US" sz="1200" b="1" kern="1200" dirty="0">
-                <a:solidFill>
-                  <a:schemeClr val="tx1"/>
-                </a:solidFill>
-                <a:latin typeface="Calibri" panose="020F0502020204030204" charset="0"/>
-                <a:ea typeface="+mn-ea"/>
-                <a:cs typeface="+mn-cs"/>
-              </a:rPr>
-              <a:t>开始分配行为的最好切入点就是转化健壮性图上的控制器。</a:t>
-            </a:r>
-            <a:endParaRPr lang="en-US" altLang="zh-CN" sz="1200" kern="1200" dirty="0">
-              <a:solidFill>
-                <a:schemeClr val="tx1"/>
-              </a:solidFill>
-              <a:latin typeface="Calibri" panose="020F0502020204030204" charset="0"/>
-              <a:ea typeface="+mn-ea"/>
-              <a:cs typeface="+mn-cs"/>
-            </a:endParaRPr>
-          </a:p>
-          <a:p>
-            <a:pPr marL="0" marR="0" indent="0" algn="l" defTabSz="914400" rtl="0" eaLnBrk="0" fontAlgn="base" latinLnBrk="0" hangingPunct="0">
-              <a:lnSpc>
-                <a:spcPct val="100000"/>
-              </a:lnSpc>
-              <a:spcBef>
-                <a:spcPct val="30000"/>
-              </a:spcBef>
-              <a:spcAft>
-                <a:spcPct val="0"/>
-              </a:spcAft>
-              <a:buClrTx/>
-              <a:buSzTx/>
-              <a:buFontTx/>
-              <a:buNone/>
-              <a:defRPr/>
-            </a:pPr>
-            <a:r>
-              <a:rPr lang="zh-CN" altLang="en-US" sz="1200" kern="1200">
-                <a:solidFill>
-                  <a:schemeClr val="tx1"/>
-                </a:solidFill>
-                <a:latin typeface="Calibri" panose="020F0502020204030204" charset="0"/>
-                <a:ea typeface="+mn-ea"/>
-                <a:cs typeface="+mn-cs"/>
-              </a:rPr>
-              <a:t>一般情况下，健壮性图中的控制器映射为时序图上对象之间的消息。有些情况下控制器会转化为时序图上真实的控制器对象。</a:t>
-            </a:r>
+            <a:br>
+              <a:rPr lang="en-US" altLang="zh-CN" sz="1200" dirty="0"/>
+            </a:br>
             <a:endParaRPr lang="zh-CN" altLang="en-US" dirty="0"/>
           </a:p>
         </p:txBody>
@@ -1924,6 +1319,692 @@
               <a:defRPr/>
             </a:pPr>
             <a:r>
+              <a:rPr lang="zh-CN" altLang="en-US" sz="1200" kern="1200">
+                <a:solidFill>
+                  <a:schemeClr val="tx1"/>
+                </a:solidFill>
+                <a:latin typeface="Calibri" panose="020F0502020204030204" charset="0"/>
+                <a:ea typeface="+mn-ea"/>
+                <a:cs typeface="+mn-cs"/>
+              </a:rPr>
+              <a:t>一般情况下，健壮性图中的控制器映射为时序图上对象之间的消息。有些情况下控制器会转化为时序图上真实的控制器对象。</a:t>
+            </a:r>
+            <a:endParaRPr lang="zh-CN" altLang="en-US" dirty="0"/>
+          </a:p>
+        </p:txBody>
+      </p:sp>
+      <p:sp>
+        <p:nvSpPr>
+          <p:cNvPr id="4" name="灯片编号占位符 3"/>
+          <p:cNvSpPr>
+            <a:spLocks noGrp="1"/>
+          </p:cNvSpPr>
+          <p:nvPr>
+            <p:ph type="sldNum" sz="quarter" idx="10"/>
+          </p:nvPr>
+        </p:nvSpPr>
+        <p:spPr/>
+        <p:txBody>
+          <a:bodyPr/>
+          <a:lstStyle/>
+          <a:p>
+            <a:fld id="{FDDB9895-7A6E-44E3-810E-C8FBEE467FCB}" type="slidenum">
+              <a:rPr lang="zh-CN" altLang="en-US" smtClean="0"/>
+            </a:fld>
+            <a:endParaRPr lang="zh-CN" altLang="en-US"/>
+          </a:p>
+        </p:txBody>
+      </p:sp>
+    </p:spTree>
+  </p:cSld>
+  <p:clrMapOvr>
+    <a:masterClrMapping/>
+  </p:clrMapOvr>
+</p:notes>
+</file>
+
+<file path=ppt/notesSlides/notesSlide4.xml><?xml version="1.0" encoding="utf-8"?>
+<p:notes xmlns:a="http://schemas.openxmlformats.org/drawingml/2006/main" xmlns:r="http://schemas.openxmlformats.org/officeDocument/2006/relationships" xmlns:p="http://schemas.openxmlformats.org/presentationml/2006/main">
+  <p:cSld>
+    <p:spTree>
+      <p:nvGrpSpPr>
+        <p:cNvPr id="1" name=""/>
+        <p:cNvGrpSpPr/>
+        <p:nvPr/>
+      </p:nvGrpSpPr>
+      <p:grpSpPr>
+        <a:xfrm>
+          <a:off x="0" y="0"/>
+          <a:ext cx="0" cy="0"/>
+          <a:chOff x="0" y="0"/>
+          <a:chExt cx="0" cy="0"/>
+        </a:xfrm>
+      </p:grpSpPr>
+      <p:sp>
+        <p:nvSpPr>
+          <p:cNvPr id="2" name="幻灯片图像占位符 1"/>
+          <p:cNvSpPr>
+            <a:spLocks noGrp="1" noRot="1" noChangeAspect="1"/>
+          </p:cNvSpPr>
+          <p:nvPr>
+            <p:ph type="sldImg"/>
+          </p:nvPr>
+        </p:nvSpPr>
+        <p:spPr/>
+      </p:sp>
+      <p:sp>
+        <p:nvSpPr>
+          <p:cNvPr id="3" name="备注占位符 2"/>
+          <p:cNvSpPr>
+            <a:spLocks noGrp="1"/>
+          </p:cNvSpPr>
+          <p:nvPr>
+            <p:ph type="body" idx="1"/>
+          </p:nvPr>
+        </p:nvSpPr>
+        <p:spPr/>
+        <p:txBody>
+          <a:bodyPr>
+            <a:normAutofit fontScale="77500" lnSpcReduction="20000"/>
+          </a:bodyPr>
+          <a:lstStyle/>
+          <a:p>
+            <a:pPr marL="0" marR="0" indent="0" algn="l" defTabSz="914400" rtl="0" eaLnBrk="0" fontAlgn="base" latinLnBrk="0" hangingPunct="0">
+              <a:lnSpc>
+                <a:spcPct val="100000"/>
+              </a:lnSpc>
+              <a:spcBef>
+                <a:spcPct val="30000"/>
+              </a:spcBef>
+              <a:spcAft>
+                <a:spcPct val="0"/>
+              </a:spcAft>
+              <a:buClrTx/>
+              <a:buSzTx/>
+              <a:buFontTx/>
+              <a:buNone/>
+              <a:defRPr/>
+            </a:pPr>
+            <a:r>
+              <a:rPr lang="zh-CN" altLang="en-US" sz="1200" b="1" kern="1200" dirty="0">
+                <a:solidFill>
+                  <a:schemeClr val="tx1"/>
+                </a:solidFill>
+                <a:latin typeface="Calibri" panose="020F0502020204030204" charset="0"/>
+                <a:ea typeface="+mn-ea"/>
+                <a:cs typeface="+mn-cs"/>
+              </a:rPr>
+              <a:t>第一步：直接把用例文本拷贝到图上</a:t>
+            </a:r>
+            <a:endParaRPr lang="en-US" altLang="zh-CN" sz="1200" b="1" kern="1200" dirty="0">
+              <a:solidFill>
+                <a:schemeClr val="tx1"/>
+              </a:solidFill>
+              <a:latin typeface="Calibri" panose="020F0502020204030204" charset="0"/>
+              <a:ea typeface="+mn-ea"/>
+              <a:cs typeface="+mn-cs"/>
+            </a:endParaRPr>
+          </a:p>
+          <a:p>
+            <a:r>
+              <a:rPr lang="zh-CN" altLang="en-US" sz="1200" kern="1200" dirty="0">
+                <a:solidFill>
+                  <a:schemeClr val="tx1"/>
+                </a:solidFill>
+                <a:latin typeface="Calibri" panose="020F0502020204030204" charset="0"/>
+                <a:ea typeface="+mn-ea"/>
+                <a:cs typeface="+mn-cs"/>
+              </a:rPr>
+              <a:t>到了这个阶段，用例文本应该毫无问题了，直接将用例文本放在图上是有意义的，将帮助我们聚焦于两段描述。</a:t>
+            </a:r>
+            <a:endParaRPr lang="zh-CN" altLang="en-US" sz="1200" kern="1200" dirty="0">
+              <a:solidFill>
+                <a:schemeClr val="tx1"/>
+              </a:solidFill>
+              <a:latin typeface="Calibri" panose="020F0502020204030204" charset="0"/>
+              <a:ea typeface="+mn-ea"/>
+              <a:cs typeface="+mn-cs"/>
+            </a:endParaRPr>
+          </a:p>
+          <a:p>
+            <a:r>
+              <a:rPr lang="zh-CN" altLang="en-US" sz="1200" kern="1200" dirty="0">
+                <a:solidFill>
+                  <a:schemeClr val="tx1"/>
+                </a:solidFill>
+                <a:latin typeface="Calibri" panose="020F0502020204030204" charset="0"/>
+                <a:ea typeface="+mn-ea"/>
+                <a:cs typeface="+mn-cs"/>
+              </a:rPr>
+              <a:t>因为，我们直接从用例文本开始设计，如果用例文本不详细，没有体现所有分支流程，在详细设计时，就会丢失一些对象的方法。</a:t>
+            </a:r>
+            <a:endParaRPr lang="zh-CN" altLang="en-US" sz="1200" kern="1200" dirty="0">
+              <a:solidFill>
+                <a:schemeClr val="tx1"/>
+              </a:solidFill>
+              <a:latin typeface="Calibri" panose="020F0502020204030204" charset="0"/>
+              <a:ea typeface="+mn-ea"/>
+              <a:cs typeface="+mn-cs"/>
+            </a:endParaRPr>
+          </a:p>
+          <a:p>
+            <a:r>
+              <a:rPr lang="zh-CN" altLang="en-US" sz="1200" b="1" kern="1200" dirty="0">
+                <a:solidFill>
+                  <a:schemeClr val="tx1"/>
+                </a:solidFill>
+                <a:latin typeface="Calibri" panose="020F0502020204030204" charset="0"/>
+                <a:ea typeface="+mn-ea"/>
+                <a:cs typeface="+mn-cs"/>
+              </a:rPr>
+              <a:t>第二步 从健壮性图中拷贝实体对象</a:t>
+            </a:r>
+            <a:endParaRPr lang="en-US" altLang="zh-CN" sz="1200" b="1" kern="1200" dirty="0">
+              <a:solidFill>
+                <a:schemeClr val="tx1"/>
+              </a:solidFill>
+              <a:latin typeface="Calibri" panose="020F0502020204030204" charset="0"/>
+              <a:ea typeface="+mn-ea"/>
+              <a:cs typeface="+mn-cs"/>
+            </a:endParaRPr>
+          </a:p>
+          <a:p>
+            <a:r>
+              <a:rPr lang="zh-CN" altLang="en-US" sz="1200" kern="1200" dirty="0">
+                <a:solidFill>
+                  <a:schemeClr val="tx1"/>
+                </a:solidFill>
+                <a:latin typeface="Calibri" panose="020F0502020204030204" charset="0"/>
+                <a:ea typeface="+mn-ea"/>
+                <a:cs typeface="+mn-cs"/>
+              </a:rPr>
+              <a:t>在健壮性分析时更新了静态模型，实体对象就相当于类图上的类。到现在为止，实体对象拥有大部分属性但没有任何方法。</a:t>
+            </a:r>
+            <a:endParaRPr lang="en-US" altLang="zh-CN" sz="1200" kern="1200" dirty="0">
+              <a:solidFill>
+                <a:schemeClr val="tx1"/>
+              </a:solidFill>
+              <a:latin typeface="Calibri" panose="020F0502020204030204" charset="0"/>
+              <a:ea typeface="+mn-ea"/>
+              <a:cs typeface="+mn-cs"/>
+            </a:endParaRPr>
+          </a:p>
+          <a:p>
+            <a:r>
+              <a:rPr lang="zh-CN" altLang="en-US" sz="1200" kern="1200" dirty="0">
+                <a:solidFill>
+                  <a:schemeClr val="tx1"/>
+                </a:solidFill>
+                <a:latin typeface="Calibri" panose="020F0502020204030204" charset="0"/>
+                <a:ea typeface="+mn-ea"/>
+                <a:cs typeface="+mn-cs"/>
+              </a:rPr>
+              <a:t>那么在时序图时，我们将完成方法的分配，但在开始之前，我们需要把边界对象和参与者放在图上。</a:t>
+            </a:r>
+            <a:endParaRPr lang="en-US" altLang="zh-CN" sz="1200" b="1" kern="1200" dirty="0">
+              <a:solidFill>
+                <a:schemeClr val="tx1"/>
+              </a:solidFill>
+              <a:latin typeface="Calibri" panose="020F0502020204030204" charset="0"/>
+              <a:ea typeface="+mn-ea"/>
+              <a:cs typeface="+mn-cs"/>
+            </a:endParaRPr>
+          </a:p>
+          <a:p>
+            <a:pPr marL="0" marR="0" indent="0" algn="l" defTabSz="914400" rtl="0" eaLnBrk="0" fontAlgn="base" latinLnBrk="0" hangingPunct="0">
+              <a:lnSpc>
+                <a:spcPct val="100000"/>
+              </a:lnSpc>
+              <a:spcBef>
+                <a:spcPct val="30000"/>
+              </a:spcBef>
+              <a:spcAft>
+                <a:spcPct val="0"/>
+              </a:spcAft>
+              <a:buClrTx/>
+              <a:buSzTx/>
+              <a:buFontTx/>
+              <a:buNone/>
+              <a:defRPr/>
+            </a:pPr>
+            <a:r>
+              <a:rPr lang="zh-CN" altLang="en-US" sz="1200" b="1" kern="1200" dirty="0">
+                <a:solidFill>
+                  <a:schemeClr val="tx1"/>
+                </a:solidFill>
+                <a:latin typeface="Calibri" panose="020F0502020204030204" charset="0"/>
+                <a:ea typeface="+mn-ea"/>
+                <a:cs typeface="+mn-cs"/>
+              </a:rPr>
+              <a:t>第三步 从健壮性图中拷贝边界对象和参与者</a:t>
+            </a:r>
+            <a:endParaRPr lang="en-US" altLang="zh-CN" sz="1200" b="1" kern="1200" dirty="0">
+              <a:solidFill>
+                <a:schemeClr val="tx1"/>
+              </a:solidFill>
+              <a:latin typeface="Calibri" panose="020F0502020204030204" charset="0"/>
+              <a:ea typeface="+mn-ea"/>
+              <a:cs typeface="+mn-cs"/>
+            </a:endParaRPr>
+          </a:p>
+          <a:p>
+            <a:r>
+              <a:rPr lang="zh-CN" altLang="en-US" sz="1200" kern="1200" dirty="0">
+                <a:solidFill>
+                  <a:schemeClr val="tx1"/>
+                </a:solidFill>
+                <a:latin typeface="Calibri" panose="020F0502020204030204" charset="0"/>
+                <a:ea typeface="+mn-ea"/>
+                <a:cs typeface="+mn-cs"/>
+              </a:rPr>
+              <a:t>有可能会在一个时序图中出现多个参与者，但一般只有一个，通常放置在图的左边。</a:t>
+            </a:r>
+            <a:endParaRPr lang="zh-CN" altLang="en-US" sz="1200" kern="1200" dirty="0">
+              <a:solidFill>
+                <a:schemeClr val="tx1"/>
+              </a:solidFill>
+              <a:latin typeface="Calibri" panose="020F0502020204030204" charset="0"/>
+              <a:ea typeface="+mn-ea"/>
+              <a:cs typeface="+mn-cs"/>
+            </a:endParaRPr>
+          </a:p>
+          <a:p>
+            <a:r>
+              <a:rPr lang="zh-CN" altLang="en-US" sz="1200" kern="1200" dirty="0">
+                <a:solidFill>
+                  <a:schemeClr val="tx1"/>
+                </a:solidFill>
+                <a:latin typeface="Calibri" panose="020F0502020204030204" charset="0"/>
+                <a:ea typeface="+mn-ea"/>
+                <a:cs typeface="+mn-cs"/>
+              </a:rPr>
+              <a:t>依赖于我们将要创建的</a:t>
+            </a:r>
+            <a:r>
+              <a:rPr lang="en-US" sz="1200" kern="1200" dirty="0">
+                <a:solidFill>
+                  <a:schemeClr val="tx1"/>
+                </a:solidFill>
+                <a:latin typeface="Calibri" panose="020F0502020204030204" charset="0"/>
+                <a:ea typeface="+mn-ea"/>
+                <a:cs typeface="+mn-cs"/>
+              </a:rPr>
+              <a:t>GUI</a:t>
+            </a:r>
+            <a:r>
+              <a:rPr lang="zh-CN" altLang="en-US" sz="1200" kern="1200" dirty="0">
+                <a:solidFill>
+                  <a:schemeClr val="tx1"/>
+                </a:solidFill>
+                <a:latin typeface="Calibri" panose="020F0502020204030204" charset="0"/>
+                <a:ea typeface="+mn-ea"/>
+                <a:cs typeface="+mn-cs"/>
+              </a:rPr>
+              <a:t>的类型，边界对象通常会转化为</a:t>
+            </a:r>
+            <a:r>
+              <a:rPr lang="en-US" sz="1200" kern="1200" dirty="0">
+                <a:solidFill>
+                  <a:schemeClr val="tx1"/>
+                </a:solidFill>
+                <a:latin typeface="Calibri" panose="020F0502020204030204" charset="0"/>
+                <a:ea typeface="+mn-ea"/>
+                <a:cs typeface="+mn-cs"/>
+              </a:rPr>
+              <a:t>JSP</a:t>
+            </a:r>
+            <a:r>
+              <a:rPr lang="zh-CN" altLang="en-US" sz="1200" kern="1200" dirty="0">
+                <a:solidFill>
+                  <a:schemeClr val="tx1"/>
+                </a:solidFill>
+                <a:latin typeface="Calibri" panose="020F0502020204030204" charset="0"/>
+                <a:ea typeface="+mn-ea"/>
+                <a:cs typeface="+mn-cs"/>
+              </a:rPr>
+              <a:t>或</a:t>
+            </a:r>
+            <a:r>
+              <a:rPr lang="en-US" sz="1200" kern="1200" dirty="0">
+                <a:solidFill>
+                  <a:schemeClr val="tx1"/>
+                </a:solidFill>
+                <a:latin typeface="Calibri" panose="020F0502020204030204" charset="0"/>
+                <a:ea typeface="+mn-ea"/>
+                <a:cs typeface="+mn-cs"/>
+              </a:rPr>
+              <a:t>ASP</a:t>
+            </a:r>
+            <a:r>
+              <a:rPr lang="zh-CN" altLang="en-US" sz="1200" kern="1200" dirty="0">
+                <a:solidFill>
+                  <a:schemeClr val="tx1"/>
+                </a:solidFill>
+                <a:latin typeface="Calibri" panose="020F0502020204030204" charset="0"/>
+                <a:ea typeface="+mn-ea"/>
+                <a:cs typeface="+mn-cs"/>
+              </a:rPr>
+              <a:t>页面。因此我们可确定边界对象不作为一个真实的类，不分配行为给它们。如何制作</a:t>
+            </a:r>
+            <a:r>
+              <a:rPr lang="en-US" sz="1200" kern="1200" dirty="0">
+                <a:solidFill>
+                  <a:schemeClr val="tx1"/>
+                </a:solidFill>
+                <a:latin typeface="Calibri" panose="020F0502020204030204" charset="0"/>
+                <a:ea typeface="+mn-ea"/>
+                <a:cs typeface="+mn-cs"/>
+              </a:rPr>
+              <a:t>GUI</a:t>
+            </a:r>
+            <a:r>
+              <a:rPr lang="zh-CN" altLang="en-US" sz="1200" kern="1200" dirty="0">
+                <a:solidFill>
+                  <a:schemeClr val="tx1"/>
+                </a:solidFill>
+                <a:latin typeface="Calibri" panose="020F0502020204030204" charset="0"/>
+                <a:ea typeface="+mn-ea"/>
+                <a:cs typeface="+mn-cs"/>
+              </a:rPr>
+              <a:t>有非常广泛的技术（例如</a:t>
+            </a:r>
+            <a:r>
+              <a:rPr lang="en-US" sz="1200" kern="1200" dirty="0">
+                <a:solidFill>
+                  <a:schemeClr val="tx1"/>
+                </a:solidFill>
+                <a:latin typeface="Calibri" panose="020F0502020204030204" charset="0"/>
+                <a:ea typeface="+mn-ea"/>
+                <a:cs typeface="+mn-cs"/>
+              </a:rPr>
+              <a:t>JSP</a:t>
+            </a:r>
+            <a:r>
+              <a:rPr lang="zh-CN" altLang="en-US" sz="1200" kern="1200" dirty="0">
+                <a:solidFill>
+                  <a:schemeClr val="tx1"/>
+                </a:solidFill>
+                <a:latin typeface="Calibri" panose="020F0502020204030204" charset="0"/>
+                <a:ea typeface="+mn-ea"/>
+                <a:cs typeface="+mn-cs"/>
+              </a:rPr>
+              <a:t>、</a:t>
+            </a:r>
+            <a:r>
+              <a:rPr lang="en-US" sz="1200" kern="1200" dirty="0">
+                <a:solidFill>
+                  <a:schemeClr val="tx1"/>
+                </a:solidFill>
+                <a:latin typeface="Calibri" panose="020F0502020204030204" charset="0"/>
+                <a:ea typeface="+mn-ea"/>
+                <a:cs typeface="+mn-cs"/>
+              </a:rPr>
+              <a:t>ASP.NET</a:t>
+            </a:r>
+            <a:r>
+              <a:rPr lang="zh-CN" altLang="en-US" sz="1200" kern="1200" dirty="0">
+                <a:solidFill>
+                  <a:schemeClr val="tx1"/>
+                </a:solidFill>
+                <a:latin typeface="Calibri" panose="020F0502020204030204" charset="0"/>
+                <a:ea typeface="+mn-ea"/>
+                <a:cs typeface="+mn-cs"/>
+              </a:rPr>
+              <a:t>、</a:t>
+            </a:r>
+            <a:r>
+              <a:rPr lang="en-US" sz="1200" kern="1200" dirty="0">
+                <a:solidFill>
+                  <a:schemeClr val="tx1"/>
+                </a:solidFill>
+                <a:latin typeface="Calibri" panose="020F0502020204030204" charset="0"/>
+                <a:ea typeface="+mn-ea"/>
+                <a:cs typeface="+mn-cs"/>
+              </a:rPr>
+              <a:t>HTML</a:t>
+            </a:r>
+            <a:r>
+              <a:rPr lang="zh-CN" altLang="en-US" sz="1200" kern="1200" dirty="0">
+                <a:solidFill>
+                  <a:schemeClr val="tx1"/>
+                </a:solidFill>
+                <a:latin typeface="Calibri" panose="020F0502020204030204" charset="0"/>
+                <a:ea typeface="+mn-ea"/>
+                <a:cs typeface="+mn-cs"/>
+              </a:rPr>
+              <a:t>等），因此在画时序图时，重点关注如何给实体类分配行为。</a:t>
+            </a:r>
+            <a:endParaRPr lang="zh-CN" altLang="en-US" sz="1200" kern="1200" dirty="0">
+              <a:solidFill>
+                <a:schemeClr val="tx1"/>
+              </a:solidFill>
+              <a:latin typeface="Calibri" panose="020F0502020204030204" charset="0"/>
+              <a:ea typeface="+mn-ea"/>
+              <a:cs typeface="+mn-cs"/>
+            </a:endParaRPr>
+          </a:p>
+          <a:p>
+            <a:r>
+              <a:rPr lang="zh-CN" altLang="en-US" sz="1200" kern="1200" dirty="0">
+                <a:solidFill>
+                  <a:schemeClr val="tx1"/>
+                </a:solidFill>
+                <a:latin typeface="Calibri" panose="020F0502020204030204" charset="0"/>
+                <a:ea typeface="+mn-ea"/>
+                <a:cs typeface="+mn-cs"/>
+              </a:rPr>
+              <a:t>注意：</a:t>
+            </a:r>
+            <a:endParaRPr lang="zh-CN" altLang="en-US" sz="1200" kern="1200" dirty="0">
+              <a:solidFill>
+                <a:schemeClr val="tx1"/>
+              </a:solidFill>
+              <a:latin typeface="Calibri" panose="020F0502020204030204" charset="0"/>
+              <a:ea typeface="+mn-ea"/>
+              <a:cs typeface="+mn-cs"/>
+            </a:endParaRPr>
+          </a:p>
+          <a:p>
+            <a:pPr lvl="0"/>
+            <a:r>
+              <a:rPr lang="zh-CN" altLang="en-US" sz="1200" kern="1200" dirty="0">
+                <a:solidFill>
+                  <a:schemeClr val="tx1"/>
+                </a:solidFill>
+                <a:latin typeface="Calibri" panose="020F0502020204030204" charset="0"/>
+                <a:ea typeface="+mn-ea"/>
+                <a:cs typeface="+mn-cs"/>
+              </a:rPr>
+              <a:t>并不是说不能给视图</a:t>
+            </a:r>
+            <a:r>
+              <a:rPr lang="en-US" sz="1200" kern="1200" dirty="0">
+                <a:solidFill>
+                  <a:schemeClr val="tx1"/>
+                </a:solidFill>
+                <a:latin typeface="Calibri" panose="020F0502020204030204" charset="0"/>
+                <a:ea typeface="+mn-ea"/>
+                <a:cs typeface="+mn-cs"/>
+              </a:rPr>
+              <a:t>/</a:t>
+            </a:r>
+            <a:r>
+              <a:rPr lang="zh-CN" altLang="en-US" sz="1200" kern="1200" dirty="0">
+                <a:solidFill>
+                  <a:schemeClr val="tx1"/>
+                </a:solidFill>
+                <a:latin typeface="Calibri" panose="020F0502020204030204" charset="0"/>
+                <a:ea typeface="+mn-ea"/>
+                <a:cs typeface="+mn-cs"/>
+              </a:rPr>
+              <a:t>边界类添加属性和方法，一般情况下，这些类（或页）不做任何自己的处理。这也有赖于开发人员的经验和所采用的工具。</a:t>
+            </a:r>
+            <a:endParaRPr lang="zh-CN" altLang="en-US" sz="1200" kern="1200" dirty="0">
+              <a:solidFill>
+                <a:schemeClr val="tx1"/>
+              </a:solidFill>
+              <a:latin typeface="Calibri" panose="020F0502020204030204" charset="0"/>
+              <a:ea typeface="+mn-ea"/>
+              <a:cs typeface="+mn-cs"/>
+            </a:endParaRPr>
+          </a:p>
+          <a:p>
+            <a:pPr lvl="0"/>
+            <a:r>
+              <a:rPr lang="zh-CN" altLang="en-US" sz="1200" kern="1200" dirty="0">
+                <a:solidFill>
+                  <a:schemeClr val="tx1"/>
+                </a:solidFill>
+                <a:latin typeface="Calibri" panose="020F0502020204030204" charset="0"/>
+                <a:ea typeface="+mn-ea"/>
+                <a:cs typeface="+mn-cs"/>
+              </a:rPr>
+              <a:t>维持一个纯粹的域模型（只包含实体类，不包含属性和方法）图是非常有意义的。同时我们需要画出详细的类图覆盖解决方案领域和问题领域，最终我们会得到非常大的详细类图，我们可以以用例为单位将它们分隔打包。</a:t>
+            </a:r>
+            <a:endParaRPr lang="zh-CN" altLang="en-US" sz="1200" kern="1200" dirty="0">
+              <a:solidFill>
+                <a:schemeClr val="tx1"/>
+              </a:solidFill>
+              <a:latin typeface="Calibri" panose="020F0502020204030204" charset="0"/>
+              <a:ea typeface="+mn-ea"/>
+              <a:cs typeface="+mn-cs"/>
+            </a:endParaRPr>
+          </a:p>
+          <a:p>
+            <a:pPr lvl="0"/>
+            <a:r>
+              <a:rPr lang="zh-CN" altLang="en-US" sz="1200" kern="1200" dirty="0">
+                <a:solidFill>
+                  <a:schemeClr val="tx1"/>
+                </a:solidFill>
+                <a:latin typeface="Calibri" panose="020F0502020204030204" charset="0"/>
+                <a:ea typeface="+mn-ea"/>
+                <a:cs typeface="+mn-cs"/>
+              </a:rPr>
+              <a:t>详细的类图和时序图应该使用相同的元素，因此当在时序图上分配一个消息时，一个对应的方法自动添加到静态模型中适当的类上。</a:t>
+            </a:r>
+            <a:endParaRPr lang="zh-CN" altLang="en-US" sz="1200" kern="1200" dirty="0">
+              <a:solidFill>
+                <a:schemeClr val="tx1"/>
+              </a:solidFill>
+              <a:latin typeface="Calibri" panose="020F0502020204030204" charset="0"/>
+              <a:ea typeface="+mn-ea"/>
+              <a:cs typeface="+mn-cs"/>
+            </a:endParaRPr>
+          </a:p>
+          <a:p>
+            <a:pPr marL="0" marR="0" indent="0" algn="l" defTabSz="914400" rtl="0" eaLnBrk="0" fontAlgn="base" latinLnBrk="0" hangingPunct="0">
+              <a:lnSpc>
+                <a:spcPct val="100000"/>
+              </a:lnSpc>
+              <a:spcBef>
+                <a:spcPct val="30000"/>
+              </a:spcBef>
+              <a:spcAft>
+                <a:spcPct val="0"/>
+              </a:spcAft>
+              <a:buClrTx/>
+              <a:buSzTx/>
+              <a:buFontTx/>
+              <a:buNone/>
+              <a:defRPr/>
+            </a:pPr>
+            <a:r>
+              <a:rPr lang="zh-CN" altLang="en-US" sz="1200" b="1" kern="1200" dirty="0">
+                <a:solidFill>
+                  <a:schemeClr val="tx1"/>
+                </a:solidFill>
+                <a:latin typeface="Calibri" panose="020F0502020204030204" charset="0"/>
+                <a:ea typeface="+mn-ea"/>
+                <a:cs typeface="+mn-cs"/>
+              </a:rPr>
+              <a:t>第四步　为类分配方法</a:t>
+            </a:r>
+            <a:endParaRPr lang="zh-CN" altLang="en-US" sz="1200" kern="1200" dirty="0">
+              <a:solidFill>
+                <a:schemeClr val="tx1"/>
+              </a:solidFill>
+              <a:latin typeface="Calibri" panose="020F0502020204030204" charset="0"/>
+              <a:ea typeface="+mn-ea"/>
+              <a:cs typeface="+mn-cs"/>
+            </a:endParaRPr>
+          </a:p>
+          <a:p>
+            <a:r>
+              <a:rPr lang="zh-CN" altLang="en-US" sz="1200" kern="1200" dirty="0">
+                <a:solidFill>
+                  <a:schemeClr val="tx1"/>
+                </a:solidFill>
+                <a:latin typeface="Calibri" panose="020F0502020204030204" charset="0"/>
+                <a:ea typeface="+mn-ea"/>
+                <a:cs typeface="+mn-cs"/>
+              </a:rPr>
+              <a:t>这一步是真正产生决策的阶段。这一步的工作是最困难的。做好详细设计工作需要经验和才干。</a:t>
+            </a:r>
+            <a:endParaRPr lang="en-US" altLang="zh-CN" sz="1200" kern="1200" dirty="0">
+              <a:solidFill>
+                <a:schemeClr val="tx1"/>
+              </a:solidFill>
+              <a:latin typeface="Calibri" panose="020F0502020204030204" charset="0"/>
+              <a:ea typeface="+mn-ea"/>
+              <a:cs typeface="+mn-cs"/>
+            </a:endParaRPr>
+          </a:p>
+          <a:p>
+            <a:pPr marL="0" marR="0" indent="0" algn="l" defTabSz="914400" rtl="0" eaLnBrk="0" fontAlgn="base" latinLnBrk="0" hangingPunct="0">
+              <a:lnSpc>
+                <a:spcPct val="100000"/>
+              </a:lnSpc>
+              <a:spcBef>
+                <a:spcPct val="30000"/>
+              </a:spcBef>
+              <a:spcAft>
+                <a:spcPct val="0"/>
+              </a:spcAft>
+              <a:buClrTx/>
+              <a:buSzTx/>
+              <a:buFontTx/>
+              <a:buNone/>
+              <a:defRPr/>
+            </a:pPr>
+            <a:r>
+              <a:rPr lang="zh-CN" altLang="en-US" sz="1200" b="1" kern="1200" dirty="0">
+                <a:solidFill>
+                  <a:schemeClr val="tx1"/>
+                </a:solidFill>
+                <a:latin typeface="Calibri" panose="020F0502020204030204" charset="0"/>
+                <a:ea typeface="+mn-ea"/>
+                <a:cs typeface="+mn-cs"/>
+              </a:rPr>
+              <a:t>开始分配行为的最好切入点就是转化健壮性图上的控制器。</a:t>
+            </a:r>
+            <a:endParaRPr lang="en-US" altLang="zh-CN" sz="1200" kern="1200" dirty="0">
+              <a:solidFill>
+                <a:schemeClr val="tx1"/>
+              </a:solidFill>
+              <a:latin typeface="Calibri" panose="020F0502020204030204" charset="0"/>
+              <a:ea typeface="+mn-ea"/>
+              <a:cs typeface="+mn-cs"/>
+            </a:endParaRPr>
+          </a:p>
+          <a:p>
+            <a:pPr marL="0" marR="0" indent="0" algn="l" defTabSz="914400" rtl="0" eaLnBrk="0" fontAlgn="base" latinLnBrk="0" hangingPunct="0">
+              <a:lnSpc>
+                <a:spcPct val="100000"/>
+              </a:lnSpc>
+              <a:spcBef>
+                <a:spcPct val="30000"/>
+              </a:spcBef>
+              <a:spcAft>
+                <a:spcPct val="0"/>
+              </a:spcAft>
+              <a:buClrTx/>
+              <a:buSzTx/>
+              <a:buFontTx/>
+              <a:buNone/>
+              <a:defRPr/>
+            </a:pPr>
+            <a:r>
               <a:rPr lang="zh-CN" altLang="en-US" sz="1200" kern="1200" dirty="0">
                 <a:solidFill>
                   <a:schemeClr val="tx1"/>
@@ -1968,7 +2049,7 @@
 </p:notes>
 </file>
 
-<file path=ppt/notesSlides/notesSlide4.xml><?xml version="1.0" encoding="utf-8"?>
+<file path=ppt/notesSlides/notesSlide5.xml><?xml version="1.0" encoding="utf-8"?>
 <p:notes xmlns:a="http://schemas.openxmlformats.org/drawingml/2006/main" xmlns:r="http://schemas.openxmlformats.org/officeDocument/2006/relationships" xmlns:p="http://schemas.openxmlformats.org/presentationml/2006/main">
   <p:cSld>
     <p:spTree>
@@ -11991,6 +12072,761 @@
       </p:grpSpPr>
       <p:pic>
         <p:nvPicPr>
+          <p:cNvPr id="8" name="Picture 3"/>
+          <p:cNvPicPr>
+            <a:picLocks noChangeAspect="1" noChangeArrowheads="1"/>
+          </p:cNvPicPr>
+          <p:nvPr/>
+        </p:nvPicPr>
+        <p:blipFill>
+          <a:blip r:embed="rId1">
+            <a:clrChange>
+              <a:clrFrom>
+                <a:srgbClr val="FFFFFF"/>
+              </a:clrFrom>
+              <a:clrTo>
+                <a:srgbClr val="FFFFFF">
+                  <a:alpha val="0"/>
+                </a:srgbClr>
+              </a:clrTo>
+            </a:clrChange>
+          </a:blip>
+          <a:srcRect b="6557"/>
+          <a:stretch>
+            <a:fillRect/>
+          </a:stretch>
+        </p:blipFill>
+        <p:spPr bwMode="auto">
+          <a:xfrm>
+            <a:off x="3430627" y="1276476"/>
+            <a:ext cx="5100184" cy="3782703"/>
+          </a:xfrm>
+          <a:prstGeom prst="rect">
+            <a:avLst/>
+          </a:prstGeom>
+          <a:solidFill>
+            <a:schemeClr val="bg1"/>
+          </a:solidFill>
+          <a:ln w="9525">
+            <a:noFill/>
+            <a:miter lim="800000"/>
+            <a:headEnd/>
+            <a:tailEnd/>
+          </a:ln>
+          <a:effectLst/>
+        </p:spPr>
+      </p:pic>
+      <p:sp>
+        <p:nvSpPr>
+          <p:cNvPr id="7" name="矩形标注 6"/>
+          <p:cNvSpPr/>
+          <p:nvPr/>
+        </p:nvSpPr>
+        <p:spPr>
+          <a:xfrm>
+            <a:off x="3134761" y="5511318"/>
+            <a:ext cx="7572428" cy="857256"/>
+          </a:xfrm>
+          <a:prstGeom prst="wedgeRectCallout">
+            <a:avLst>
+              <a:gd name="adj1" fmla="val -38467"/>
+              <a:gd name="adj2" fmla="val -96652"/>
+            </a:avLst>
+          </a:prstGeom>
+        </p:spPr>
+        <p:style>
+          <a:lnRef idx="2">
+            <a:schemeClr val="accent1">
+              <a:shade val="50000"/>
+            </a:schemeClr>
+          </a:lnRef>
+          <a:fillRef idx="1">
+            <a:schemeClr val="accent1"/>
+          </a:fillRef>
+          <a:effectRef idx="0">
+            <a:schemeClr val="accent1"/>
+          </a:effectRef>
+          <a:fontRef idx="minor">
+            <a:schemeClr val="lt1"/>
+          </a:fontRef>
+        </p:style>
+        <p:txBody>
+          <a:bodyPr rtlCol="0" anchor="ctr"/>
+          <a:lstStyle/>
+          <a:p>
+            <a:r>
+              <a:rPr lang="zh-CN" altLang="en-US" sz="2800" dirty="0">
+                <a:latin typeface="微软雅黑" panose="020B0503020204020204" pitchFamily="34" charset="-122"/>
+                <a:ea typeface="微软雅黑" panose="020B0503020204020204" pitchFamily="34" charset="-122"/>
+              </a:rPr>
+              <a:t>基于用例图、用例描述和健壮性图，采用</a:t>
+            </a:r>
+            <a:r>
+              <a:rPr lang="zh-CN" altLang="en-US" sz="2800" dirty="0">
+                <a:solidFill>
+                  <a:srgbClr val="FF0000"/>
+                </a:solidFill>
+                <a:latin typeface="微软雅黑" panose="020B0503020204020204" pitchFamily="34" charset="-122"/>
+                <a:ea typeface="微软雅黑" panose="020B0503020204020204" pitchFamily="34" charset="-122"/>
+              </a:rPr>
+              <a:t>序列图</a:t>
+            </a:r>
+            <a:r>
+              <a:rPr lang="zh-CN" altLang="en-US" sz="2800" dirty="0">
+                <a:latin typeface="微软雅黑" panose="020B0503020204020204" pitchFamily="34" charset="-122"/>
+                <a:ea typeface="微软雅黑" panose="020B0503020204020204" pitchFamily="34" charset="-122"/>
+              </a:rPr>
+              <a:t>来描述参与者、边界、实体之间的交互</a:t>
+            </a:r>
+            <a:r>
+              <a:rPr lang="en-US" altLang="zh-CN" sz="2800" dirty="0">
+                <a:latin typeface="微软雅黑" panose="020B0503020204020204" pitchFamily="34" charset="-122"/>
+                <a:ea typeface="微软雅黑" panose="020B0503020204020204" pitchFamily="34" charset="-122"/>
+              </a:rPr>
+              <a:t>.</a:t>
+            </a:r>
+            <a:endParaRPr lang="en-US" altLang="zh-CN" sz="2800" dirty="0">
+              <a:latin typeface="微软雅黑" panose="020B0503020204020204" pitchFamily="34" charset="-122"/>
+              <a:ea typeface="微软雅黑" panose="020B0503020204020204" pitchFamily="34" charset="-122"/>
+            </a:endParaRPr>
+          </a:p>
+        </p:txBody>
+      </p:sp>
+      <p:sp>
+        <p:nvSpPr>
+          <p:cNvPr id="5" name="文本框 4"/>
+          <p:cNvSpPr txBox="1"/>
+          <p:nvPr/>
+        </p:nvSpPr>
+        <p:spPr>
+          <a:xfrm>
+            <a:off x="274320" y="449590"/>
+            <a:ext cx="4246880" cy="583565"/>
+          </a:xfrm>
+          <a:prstGeom prst="rect">
+            <a:avLst/>
+          </a:prstGeom>
+          <a:noFill/>
+        </p:spPr>
+        <p:txBody>
+          <a:bodyPr wrap="none" rtlCol="0">
+            <a:spAutoFit/>
+          </a:bodyPr>
+          <a:lstStyle/>
+          <a:p>
+            <a:r>
+              <a:rPr lang="zh-CN" altLang="en-US" sz="3200" b="1" dirty="0">
+                <a:solidFill>
+                  <a:srgbClr val="141316"/>
+                </a:solidFill>
+                <a:latin typeface="微软雅黑" panose="020B0503020204020204" pitchFamily="34" charset="-122"/>
+                <a:ea typeface="微软雅黑" panose="020B0503020204020204" pitchFamily="34" charset="-122"/>
+              </a:rPr>
+              <a:t>关键设计的方法和意义</a:t>
+            </a:r>
+            <a:endParaRPr lang="en-US" altLang="zh-CN" sz="3200" b="1" dirty="0">
+              <a:solidFill>
+                <a:srgbClr val="141316"/>
+              </a:solidFill>
+              <a:latin typeface="微软雅黑" panose="020B0503020204020204" pitchFamily="34" charset="-122"/>
+              <a:ea typeface="微软雅黑" panose="020B0503020204020204" pitchFamily="34" charset="-122"/>
+            </a:endParaRPr>
+          </a:p>
+        </p:txBody>
+      </p:sp>
+      <p:cxnSp>
+        <p:nvCxnSpPr>
+          <p:cNvPr id="6" name="直接连接符 5"/>
+          <p:cNvCxnSpPr/>
+          <p:nvPr/>
+        </p:nvCxnSpPr>
+        <p:spPr>
+          <a:xfrm>
+            <a:off x="0" y="1019125"/>
+            <a:ext cx="12192000" cy="0"/>
+          </a:xfrm>
+          <a:prstGeom prst="line">
+            <a:avLst/>
+          </a:prstGeom>
+          <a:ln>
+            <a:solidFill>
+              <a:srgbClr val="B82E24"/>
+            </a:solidFill>
+            <a:prstDash val="solid"/>
+          </a:ln>
+        </p:spPr>
+        <p:style>
+          <a:lnRef idx="1">
+            <a:schemeClr val="accent1"/>
+          </a:lnRef>
+          <a:fillRef idx="0">
+            <a:schemeClr val="accent1"/>
+          </a:fillRef>
+          <a:effectRef idx="0">
+            <a:schemeClr val="accent1"/>
+          </a:effectRef>
+          <a:fontRef idx="minor">
+            <a:schemeClr val="tx1"/>
+          </a:fontRef>
+        </p:style>
+      </p:cxnSp>
+      <p:grpSp>
+        <p:nvGrpSpPr>
+          <p:cNvPr id="9" name="组合 8"/>
+          <p:cNvGrpSpPr/>
+          <p:nvPr/>
+        </p:nvGrpSpPr>
+        <p:grpSpPr>
+          <a:xfrm>
+            <a:off x="4506317" y="646178"/>
+            <a:ext cx="491490" cy="318085"/>
+            <a:chOff x="3017520" y="601990"/>
+            <a:chExt cx="491490" cy="414010"/>
+          </a:xfrm>
+        </p:grpSpPr>
+        <p:sp>
+          <p:nvSpPr>
+            <p:cNvPr id="10" name="燕尾形 9"/>
+            <p:cNvSpPr/>
+            <p:nvPr/>
+          </p:nvSpPr>
+          <p:spPr>
+            <a:xfrm>
+              <a:off x="3017520" y="601990"/>
+              <a:ext cx="198120" cy="414010"/>
+            </a:xfrm>
+            <a:prstGeom prst="chevron">
+              <a:avLst/>
+            </a:prstGeom>
+            <a:solidFill>
+              <a:srgbClr val="F5715B"/>
+            </a:solidFill>
+            <a:ln>
+              <a:noFill/>
+            </a:ln>
+          </p:spPr>
+          <p:style>
+            <a:lnRef idx="2">
+              <a:schemeClr val="accent1">
+                <a:shade val="50000"/>
+              </a:schemeClr>
+            </a:lnRef>
+            <a:fillRef idx="1">
+              <a:schemeClr val="accent1"/>
+            </a:fillRef>
+            <a:effectRef idx="0">
+              <a:schemeClr val="accent1"/>
+            </a:effectRef>
+            <a:fontRef idx="minor">
+              <a:schemeClr val="lt1"/>
+            </a:fontRef>
+          </p:style>
+          <p:txBody>
+            <a:bodyPr rtlCol="0" anchor="ctr"/>
+            <a:lstStyle/>
+            <a:p>
+              <a:pPr algn="ctr"/>
+              <a:endParaRPr lang="zh-CN" altLang="en-US">
+                <a:solidFill>
+                  <a:schemeClr val="tx1"/>
+                </a:solidFill>
+              </a:endParaRPr>
+            </a:p>
+          </p:txBody>
+        </p:sp>
+        <p:sp>
+          <p:nvSpPr>
+            <p:cNvPr id="11" name="燕尾形 10"/>
+            <p:cNvSpPr/>
+            <p:nvPr/>
+          </p:nvSpPr>
+          <p:spPr>
+            <a:xfrm>
+              <a:off x="3164205" y="601990"/>
+              <a:ext cx="198120" cy="414010"/>
+            </a:xfrm>
+            <a:prstGeom prst="chevron">
+              <a:avLst/>
+            </a:prstGeom>
+            <a:solidFill>
+              <a:srgbClr val="F93D32"/>
+            </a:solidFill>
+            <a:ln>
+              <a:noFill/>
+            </a:ln>
+          </p:spPr>
+          <p:style>
+            <a:lnRef idx="2">
+              <a:schemeClr val="accent1">
+                <a:shade val="50000"/>
+              </a:schemeClr>
+            </a:lnRef>
+            <a:fillRef idx="1">
+              <a:schemeClr val="accent1"/>
+            </a:fillRef>
+            <a:effectRef idx="0">
+              <a:schemeClr val="accent1"/>
+            </a:effectRef>
+            <a:fontRef idx="minor">
+              <a:schemeClr val="lt1"/>
+            </a:fontRef>
+          </p:style>
+          <p:txBody>
+            <a:bodyPr rtlCol="0" anchor="ctr"/>
+            <a:lstStyle/>
+            <a:p>
+              <a:pPr algn="ctr"/>
+              <a:endParaRPr lang="zh-CN" altLang="en-US">
+                <a:solidFill>
+                  <a:schemeClr val="tx1"/>
+                </a:solidFill>
+              </a:endParaRPr>
+            </a:p>
+          </p:txBody>
+        </p:sp>
+        <p:sp>
+          <p:nvSpPr>
+            <p:cNvPr id="12" name="燕尾形 11"/>
+            <p:cNvSpPr/>
+            <p:nvPr/>
+          </p:nvSpPr>
+          <p:spPr>
+            <a:xfrm>
+              <a:off x="3310890" y="601990"/>
+              <a:ext cx="198120" cy="414010"/>
+            </a:xfrm>
+            <a:prstGeom prst="chevron">
+              <a:avLst/>
+            </a:prstGeom>
+            <a:solidFill>
+              <a:srgbClr val="B82E24"/>
+            </a:solidFill>
+            <a:ln>
+              <a:noFill/>
+            </a:ln>
+          </p:spPr>
+          <p:style>
+            <a:lnRef idx="2">
+              <a:schemeClr val="accent1">
+                <a:shade val="50000"/>
+              </a:schemeClr>
+            </a:lnRef>
+            <a:fillRef idx="1">
+              <a:schemeClr val="accent1"/>
+            </a:fillRef>
+            <a:effectRef idx="0">
+              <a:schemeClr val="accent1"/>
+            </a:effectRef>
+            <a:fontRef idx="minor">
+              <a:schemeClr val="lt1"/>
+            </a:fontRef>
+          </p:style>
+          <p:txBody>
+            <a:bodyPr rtlCol="0" anchor="ctr"/>
+            <a:lstStyle/>
+            <a:p>
+              <a:pPr algn="ctr"/>
+              <a:endParaRPr lang="zh-CN" altLang="en-US">
+                <a:solidFill>
+                  <a:schemeClr val="tx1"/>
+                </a:solidFill>
+              </a:endParaRPr>
+            </a:p>
+          </p:txBody>
+        </p:sp>
+      </p:grpSp>
+      <p:sp>
+        <p:nvSpPr>
+          <p:cNvPr id="13" name="矩形 12"/>
+          <p:cNvSpPr/>
+          <p:nvPr/>
+        </p:nvSpPr>
+        <p:spPr>
+          <a:xfrm>
+            <a:off x="7818120" y="912444"/>
+            <a:ext cx="944880" cy="103556"/>
+          </a:xfrm>
+          <a:prstGeom prst="rect">
+            <a:avLst/>
+          </a:prstGeom>
+          <a:solidFill>
+            <a:schemeClr val="tx1">
+              <a:lumMod val="65000"/>
+              <a:lumOff val="35000"/>
+            </a:schemeClr>
+          </a:solidFill>
+          <a:ln>
+            <a:noFill/>
+          </a:ln>
+        </p:spPr>
+        <p:style>
+          <a:lnRef idx="2">
+            <a:schemeClr val="accent1">
+              <a:shade val="50000"/>
+            </a:schemeClr>
+          </a:lnRef>
+          <a:fillRef idx="1">
+            <a:schemeClr val="accent1"/>
+          </a:fillRef>
+          <a:effectRef idx="0">
+            <a:schemeClr val="accent1"/>
+          </a:effectRef>
+          <a:fontRef idx="minor">
+            <a:schemeClr val="lt1"/>
+          </a:fontRef>
+        </p:style>
+        <p:txBody>
+          <a:bodyPr rtlCol="0" anchor="ctr"/>
+          <a:lstStyle/>
+          <a:p>
+            <a:pPr algn="ctr"/>
+            <a:endParaRPr lang="zh-CN" altLang="en-US"/>
+          </a:p>
+        </p:txBody>
+      </p:sp>
+      <p:sp>
+        <p:nvSpPr>
+          <p:cNvPr id="14" name="矩形 13"/>
+          <p:cNvSpPr/>
+          <p:nvPr/>
+        </p:nvSpPr>
+        <p:spPr>
+          <a:xfrm>
+            <a:off x="8885357" y="912444"/>
+            <a:ext cx="944880" cy="103556"/>
+          </a:xfrm>
+          <a:prstGeom prst="rect">
+            <a:avLst/>
+          </a:prstGeom>
+          <a:solidFill>
+            <a:schemeClr val="tx1">
+              <a:lumMod val="65000"/>
+              <a:lumOff val="35000"/>
+            </a:schemeClr>
+          </a:solidFill>
+          <a:ln>
+            <a:noFill/>
+          </a:ln>
+        </p:spPr>
+        <p:style>
+          <a:lnRef idx="2">
+            <a:schemeClr val="accent1">
+              <a:shade val="50000"/>
+            </a:schemeClr>
+          </a:lnRef>
+          <a:fillRef idx="1">
+            <a:schemeClr val="accent1"/>
+          </a:fillRef>
+          <a:effectRef idx="0">
+            <a:schemeClr val="accent1"/>
+          </a:effectRef>
+          <a:fontRef idx="minor">
+            <a:schemeClr val="lt1"/>
+          </a:fontRef>
+        </p:style>
+        <p:txBody>
+          <a:bodyPr rtlCol="0" anchor="ctr"/>
+          <a:lstStyle/>
+          <a:p>
+            <a:pPr algn="ctr"/>
+            <a:endParaRPr lang="zh-CN" altLang="en-US"/>
+          </a:p>
+        </p:txBody>
+      </p:sp>
+      <p:sp>
+        <p:nvSpPr>
+          <p:cNvPr id="15" name="矩形 14"/>
+          <p:cNvSpPr/>
+          <p:nvPr/>
+        </p:nvSpPr>
+        <p:spPr>
+          <a:xfrm>
+            <a:off x="9952594" y="912444"/>
+            <a:ext cx="944880" cy="103556"/>
+          </a:xfrm>
+          <a:prstGeom prst="rect">
+            <a:avLst/>
+          </a:prstGeom>
+          <a:solidFill>
+            <a:schemeClr val="tx1">
+              <a:lumMod val="65000"/>
+              <a:lumOff val="35000"/>
+            </a:schemeClr>
+          </a:solidFill>
+          <a:ln>
+            <a:noFill/>
+          </a:ln>
+        </p:spPr>
+        <p:style>
+          <a:lnRef idx="2">
+            <a:schemeClr val="accent1">
+              <a:shade val="50000"/>
+            </a:schemeClr>
+          </a:lnRef>
+          <a:fillRef idx="1">
+            <a:schemeClr val="accent1"/>
+          </a:fillRef>
+          <a:effectRef idx="0">
+            <a:schemeClr val="accent1"/>
+          </a:effectRef>
+          <a:fontRef idx="minor">
+            <a:schemeClr val="lt1"/>
+          </a:fontRef>
+        </p:style>
+        <p:txBody>
+          <a:bodyPr rtlCol="0" anchor="ctr"/>
+          <a:lstStyle/>
+          <a:p>
+            <a:pPr algn="ctr"/>
+            <a:endParaRPr lang="zh-CN" altLang="en-US"/>
+          </a:p>
+        </p:txBody>
+      </p:sp>
+      <p:sp>
+        <p:nvSpPr>
+          <p:cNvPr id="16" name="矩形 15"/>
+          <p:cNvSpPr/>
+          <p:nvPr/>
+        </p:nvSpPr>
+        <p:spPr>
+          <a:xfrm>
+            <a:off x="11019831" y="912444"/>
+            <a:ext cx="944880" cy="103556"/>
+          </a:xfrm>
+          <a:prstGeom prst="rect">
+            <a:avLst/>
+          </a:prstGeom>
+          <a:solidFill>
+            <a:schemeClr val="tx1">
+              <a:lumMod val="65000"/>
+              <a:lumOff val="35000"/>
+            </a:schemeClr>
+          </a:solidFill>
+          <a:ln>
+            <a:noFill/>
+          </a:ln>
+        </p:spPr>
+        <p:style>
+          <a:lnRef idx="2">
+            <a:schemeClr val="accent1">
+              <a:shade val="50000"/>
+            </a:schemeClr>
+          </a:lnRef>
+          <a:fillRef idx="1">
+            <a:schemeClr val="accent1"/>
+          </a:fillRef>
+          <a:effectRef idx="0">
+            <a:schemeClr val="accent1"/>
+          </a:effectRef>
+          <a:fontRef idx="minor">
+            <a:schemeClr val="lt1"/>
+          </a:fontRef>
+        </p:style>
+        <p:txBody>
+          <a:bodyPr rtlCol="0" anchor="ctr"/>
+          <a:lstStyle/>
+          <a:p>
+            <a:pPr algn="ctr"/>
+            <a:endParaRPr lang="zh-CN" altLang="en-US"/>
+          </a:p>
+        </p:txBody>
+      </p:sp>
+      <p:sp>
+        <p:nvSpPr>
+          <p:cNvPr id="17" name="矩形 16"/>
+          <p:cNvSpPr/>
+          <p:nvPr/>
+        </p:nvSpPr>
+        <p:spPr>
+          <a:xfrm>
+            <a:off x="7818120" y="796875"/>
+            <a:ext cx="944880" cy="220253"/>
+          </a:xfrm>
+          <a:prstGeom prst="rect">
+            <a:avLst/>
+          </a:prstGeom>
+          <a:solidFill>
+            <a:srgbClr val="BE1007"/>
+          </a:solidFill>
+          <a:ln>
+            <a:noFill/>
+          </a:ln>
+        </p:spPr>
+        <p:style>
+          <a:lnRef idx="2">
+            <a:schemeClr val="accent1">
+              <a:shade val="50000"/>
+            </a:schemeClr>
+          </a:lnRef>
+          <a:fillRef idx="1">
+            <a:schemeClr val="accent1"/>
+          </a:fillRef>
+          <a:effectRef idx="0">
+            <a:schemeClr val="accent1"/>
+          </a:effectRef>
+          <a:fontRef idx="minor">
+            <a:schemeClr val="lt1"/>
+          </a:fontRef>
+        </p:style>
+        <p:txBody>
+          <a:bodyPr rtlCol="0" anchor="ctr"/>
+          <a:lstStyle/>
+          <a:p>
+            <a:pPr algn="ctr"/>
+            <a:endParaRPr lang="zh-CN" altLang="en-US"/>
+          </a:p>
+        </p:txBody>
+      </p:sp>
+      <p:sp>
+        <p:nvSpPr>
+          <p:cNvPr id="2" name="文本框 1"/>
+          <p:cNvSpPr txBox="1"/>
+          <p:nvPr/>
+        </p:nvSpPr>
+        <p:spPr>
+          <a:xfrm>
+            <a:off x="9001760" y="2829560"/>
+            <a:ext cx="2540000" cy="1198880"/>
+          </a:xfrm>
+          <a:prstGeom prst="rect">
+            <a:avLst/>
+          </a:prstGeom>
+          <a:noFill/>
+        </p:spPr>
+        <p:txBody>
+          <a:bodyPr wrap="square" rtlCol="0" anchor="t">
+            <a:spAutoFit/>
+          </a:bodyPr>
+          <a:p>
+            <a:r>
+              <a:rPr lang="zh-CN" altLang="en-US" b="1">
+                <a:solidFill>
+                  <a:srgbClr val="FF0000"/>
+                </a:solidFill>
+              </a:rPr>
+              <a:t>主要意义：就是要通过寻找对象之间的交互关系，进而进行方法（操作或行为）分配</a:t>
+            </a:r>
+            <a:endParaRPr lang="zh-CN" altLang="en-US" b="1">
+              <a:solidFill>
+                <a:srgbClr val="FF0000"/>
+              </a:solidFill>
+            </a:endParaRPr>
+          </a:p>
+        </p:txBody>
+      </p:sp>
+    </p:spTree>
+  </p:cSld>
+  <p:clrMapOvr>
+    <a:masterClrMapping/>
+  </p:clrMapOvr>
+  <p:timing>
+    <p:tnLst>
+      <p:par>
+        <p:cTn id="1" dur="indefinite" restart="never" nodeType="tmRoot">
+          <p:childTnLst>
+            <p:seq concurrent="1" nextAc="seek">
+              <p:cTn id="2" dur="indefinite" nodeType="mainSeq">
+                <p:childTnLst>
+                  <p:par>
+                    <p:cTn id="3" fill="hold">
+                      <p:stCondLst>
+                        <p:cond delay="indefinite"/>
+                      </p:stCondLst>
+                      <p:childTnLst>
+                        <p:par>
+                          <p:cTn id="4" fill="hold">
+                            <p:stCondLst>
+                              <p:cond delay="0"/>
+                            </p:stCondLst>
+                            <p:childTnLst>
+                              <p:par>
+                                <p:cTn id="5" presetID="3" presetClass="entr" presetSubtype="10" fill="hold" grpId="0" nodeType="clickEffect">
+                                  <p:stCondLst>
+                                    <p:cond delay="0"/>
+                                  </p:stCondLst>
+                                  <p:childTnLst>
+                                    <p:set>
+                                      <p:cBhvr>
+                                        <p:cTn id="6" dur="1" fill="hold">
+                                          <p:stCondLst>
+                                            <p:cond delay="0"/>
+                                          </p:stCondLst>
+                                        </p:cTn>
+                                        <p:tgtEl>
+                                          <p:spTgt spid="2"/>
+                                        </p:tgtEl>
+                                        <p:attrNameLst>
+                                          <p:attrName>style.visibility</p:attrName>
+                                        </p:attrNameLst>
+                                      </p:cBhvr>
+                                      <p:to>
+                                        <p:strVal val="visible"/>
+                                      </p:to>
+                                    </p:set>
+                                    <p:animEffect transition="in" filter="blinds(horizontal)">
+                                      <p:cBhvr>
+                                        <p:cTn id="7" dur="500"/>
+                                        <p:tgtEl>
+                                          <p:spTgt spid="2"/>
+                                        </p:tgtEl>
+                                      </p:cBhvr>
+                                    </p:animEffect>
+                                  </p:childTnLst>
+                                </p:cTn>
+                              </p:par>
+                            </p:childTnLst>
+                          </p:cTn>
+                        </p:par>
+                      </p:childTnLst>
+                    </p:cTn>
+                  </p:par>
+                </p:childTnLst>
+              </p:cTn>
+              <p:prevCondLst>
+                <p:cond evt="onPrev" delay="0">
+                  <p:tgtEl>
+                    <p:sldTgt/>
+                  </p:tgtEl>
+                </p:cond>
+              </p:prevCondLst>
+              <p:nextCondLst>
+                <p:cond evt="onNext" delay="0">
+                  <p:tgtEl>
+                    <p:sldTgt/>
+                  </p:tgtEl>
+                </p:cond>
+              </p:nextCondLst>
+            </p:seq>
+          </p:childTnLst>
+        </p:cTn>
+      </p:par>
+    </p:tnLst>
+    <p:bldLst>
+      <p:bldP spid="2" grpId="0"/>
+    </p:bldLst>
+  </p:timing>
+</p:sld>
+</file>
+
+<file path=ppt/slides/slide11.xml><?xml version="1.0" encoding="utf-8"?>
+<p:sld xmlns:a="http://schemas.openxmlformats.org/drawingml/2006/main" xmlns:r="http://schemas.openxmlformats.org/officeDocument/2006/relationships" xmlns:p="http://schemas.openxmlformats.org/presentationml/2006/main">
+  <p:cSld>
+    <p:spTree>
+      <p:nvGrpSpPr>
+        <p:cNvPr id="1" name=""/>
+        <p:cNvGrpSpPr/>
+        <p:nvPr/>
+      </p:nvGrpSpPr>
+      <p:grpSpPr>
+        <a:xfrm>
+          <a:off x="0" y="0"/>
+          <a:ext cx="0" cy="0"/>
+          <a:chOff x="0" y="0"/>
+          <a:chExt cx="0" cy="0"/>
+        </a:xfrm>
+      </p:grpSpPr>
+      <p:pic>
+        <p:nvPicPr>
           <p:cNvPr id="5" name="Picture 2"/>
           <p:cNvPicPr>
             <a:picLocks noChangeAspect="1" noChangeArrowheads="1"/>
@@ -12630,7 +13466,7 @@
 </p:sld>
 </file>
 
-<file path=ppt/slides/slide11.xml><?xml version="1.0" encoding="utf-8"?>
+<file path=ppt/slides/slide12.xml><?xml version="1.0" encoding="utf-8"?>
 <p:sld xmlns:a="http://schemas.openxmlformats.org/drawingml/2006/main" xmlns:r="http://schemas.openxmlformats.org/officeDocument/2006/relationships" xmlns:p="http://schemas.openxmlformats.org/presentationml/2006/main">
   <p:cSld>
     <p:spTree>
@@ -13173,7 +14009,7 @@
 </p:sld>
 </file>
 
-<file path=ppt/slides/slide12.xml><?xml version="1.0" encoding="utf-8"?>
+<file path=ppt/slides/slide13.xml><?xml version="1.0" encoding="utf-8"?>
 <p:sld xmlns:a="http://schemas.openxmlformats.org/drawingml/2006/main" xmlns:r="http://schemas.openxmlformats.org/officeDocument/2006/relationships" xmlns:p="http://schemas.openxmlformats.org/presentationml/2006/main">
   <p:cSld>
     <p:spTree>
@@ -13716,7 +14552,7 @@
 </p:sld>
 </file>
 
-<file path=ppt/slides/slide13.xml><?xml version="1.0" encoding="utf-8"?>
+<file path=ppt/slides/slide14.xml><?xml version="1.0" encoding="utf-8"?>
 <p:sld xmlns:a="http://schemas.openxmlformats.org/drawingml/2006/main" xmlns:r="http://schemas.openxmlformats.org/officeDocument/2006/relationships" xmlns:p="http://schemas.openxmlformats.org/presentationml/2006/main">
   <p:cSld>
     <p:spTree>
@@ -14259,7 +15095,7 @@
 </p:sld>
 </file>
 
-<file path=ppt/slides/slide14.xml><?xml version="1.0" encoding="utf-8"?>
+<file path=ppt/slides/slide15.xml><?xml version="1.0" encoding="utf-8"?>
 <p:sld xmlns:a="http://schemas.openxmlformats.org/drawingml/2006/main" xmlns:r="http://schemas.openxmlformats.org/officeDocument/2006/relationships" xmlns:p="http://schemas.openxmlformats.org/presentationml/2006/main">
   <p:cSld>
     <p:spTree>
@@ -14802,7 +15638,7 @@
 </p:sld>
 </file>
 
-<file path=ppt/slides/slide15.xml><?xml version="1.0" encoding="utf-8"?>
+<file path=ppt/slides/slide16.xml><?xml version="1.0" encoding="utf-8"?>
 <p:sld xmlns:a="http://schemas.openxmlformats.org/drawingml/2006/main" xmlns:r="http://schemas.openxmlformats.org/officeDocument/2006/relationships" xmlns:p="http://schemas.openxmlformats.org/presentationml/2006/main">
   <p:cSld>
     <p:spTree>
@@ -17027,7 +17863,7 @@
 </p:sld>
 </file>
 
-<file path=ppt/slides/slide16.xml><?xml version="1.0" encoding="utf-8"?>
+<file path=ppt/slides/slide17.xml><?xml version="1.0" encoding="utf-8"?>
 <p:sld xmlns:a="http://schemas.openxmlformats.org/drawingml/2006/main" xmlns:r="http://schemas.openxmlformats.org/officeDocument/2006/relationships" xmlns:p="http://schemas.openxmlformats.org/presentationml/2006/main">
   <p:cSld>
     <p:spTree>
@@ -17642,7 +18478,7 @@
 </p:sld>
 </file>
 
-<file path=ppt/slides/slide17.xml><?xml version="1.0" encoding="utf-8"?>
+<file path=ppt/slides/slide18.xml><?xml version="1.0" encoding="utf-8"?>
 <p:sld xmlns:a="http://schemas.openxmlformats.org/drawingml/2006/main" xmlns:r="http://schemas.openxmlformats.org/officeDocument/2006/relationships" xmlns:p="http://schemas.openxmlformats.org/presentationml/2006/main">
   <p:cSld>
     <p:spTree>
@@ -18229,7 +19065,7 @@
 </p:sld>
 </file>
 
-<file path=ppt/slides/slide18.xml><?xml version="1.0" encoding="utf-8"?>
+<file path=ppt/slides/slide19.xml><?xml version="1.0" encoding="utf-8"?>
 <p:sld xmlns:a="http://schemas.openxmlformats.org/drawingml/2006/main" xmlns:r="http://schemas.openxmlformats.org/officeDocument/2006/relationships" xmlns:p="http://schemas.openxmlformats.org/presentationml/2006/main">
   <p:cSld>
     <p:spTree>
@@ -18300,7 +19136,7 @@
         <p:spPr>
           <a:xfrm>
             <a:off x="6794807" y="1603900"/>
-            <a:ext cx="4582941" cy="2862322"/>
+            <a:ext cx="4582941" cy="4246245"/>
           </a:xfrm>
           <a:prstGeom prst="rect">
             <a:avLst/>
@@ -18380,9 +19216,55 @@
               </a:rPr>
               <a:t>有时，控制器也可能会转换为一个真正的控制类。</a:t>
             </a:r>
-            <a:endParaRPr lang="en-US" altLang="zh-CN" b="1" dirty="0">
+            <a:r>
+              <a:rPr lang="zh-CN" altLang="en-US" b="1" dirty="0">
+                <a:solidFill>
+                  <a:srgbClr val="0D0D0D"/>
+                </a:solidFill>
+                <a:latin typeface="微软雅黑" panose="020B0503020204020204" pitchFamily="34" charset="-122"/>
+                <a:ea typeface="微软雅黑" panose="020B0503020204020204" pitchFamily="34" charset="-122"/>
+              </a:rPr>
+              <a:t>（例如：检查余额可以在账户类中，但跳转放在账户类中不合适，可以单独放到一个控制器类里）</a:t>
+            </a:r>
+            <a:endParaRPr lang="zh-CN" altLang="en-US" b="1" dirty="0">
               <a:solidFill>
-                <a:srgbClr val="FF0000"/>
+                <a:srgbClr val="0D0D0D"/>
+              </a:solidFill>
+              <a:latin typeface="微软雅黑" panose="020B0503020204020204" pitchFamily="34" charset="-122"/>
+              <a:ea typeface="微软雅黑" panose="020B0503020204020204" pitchFamily="34" charset="-122"/>
+            </a:endParaRPr>
+          </a:p>
+          <a:p>
+            <a:pPr marL="566420" indent="-457200">
+              <a:buFont typeface="+mj-lt"/>
+              <a:buAutoNum type="arabicPeriod"/>
+            </a:pPr>
+            <a:endParaRPr lang="zh-CN" altLang="en-US" b="1" dirty="0">
+              <a:solidFill>
+                <a:srgbClr val="0D0D0D"/>
+              </a:solidFill>
+              <a:latin typeface="微软雅黑" panose="020B0503020204020204" pitchFamily="34" charset="-122"/>
+              <a:ea typeface="微软雅黑" panose="020B0503020204020204" pitchFamily="34" charset="-122"/>
+            </a:endParaRPr>
+          </a:p>
+          <a:p>
+            <a:pPr marL="566420" indent="-457200">
+              <a:buFont typeface="+mj-lt"/>
+              <a:buAutoNum type="arabicPeriod"/>
+            </a:pPr>
+            <a:r>
+              <a:rPr lang="zh-CN" altLang="en-US" b="1" dirty="0">
+                <a:solidFill>
+                  <a:srgbClr val="0D0D0D"/>
+                </a:solidFill>
+                <a:latin typeface="微软雅黑" panose="020B0503020204020204" pitchFamily="34" charset="-122"/>
+                <a:ea typeface="微软雅黑" panose="020B0503020204020204" pitchFamily="34" charset="-122"/>
+              </a:rPr>
+              <a:t>序列图会对类图做进一步的更新，完善其方法</a:t>
+            </a:r>
+            <a:endParaRPr lang="zh-CN" altLang="en-US" b="1" dirty="0">
+              <a:solidFill>
+                <a:srgbClr val="0D0D0D"/>
               </a:solidFill>
               <a:latin typeface="微软雅黑" panose="020B0503020204020204" pitchFamily="34" charset="-122"/>
               <a:ea typeface="微软雅黑" panose="020B0503020204020204" pitchFamily="34" charset="-122"/>
@@ -19064,7 +19946,7 @@
 </p:sld>
 </file>
 
-<file path=ppt/slides/slide19.xml><?xml version="1.0" encoding="utf-8"?>
+<file path=ppt/slides/slide2.xml><?xml version="1.0" encoding="utf-8"?>
 <p:sld xmlns:a="http://schemas.openxmlformats.org/drawingml/2006/main" xmlns:r="http://schemas.openxmlformats.org/officeDocument/2006/relationships" xmlns:p="http://schemas.openxmlformats.org/presentationml/2006/main">
   <p:cSld>
     <p:spTree>
@@ -19083,91 +19965,6 @@
       </p:grpSpPr>
       <p:sp>
         <p:nvSpPr>
-          <p:cNvPr id="3" name="内容占位符 2"/>
-          <p:cNvSpPr>
-            <a:spLocks noGrp="1"/>
-          </p:cNvSpPr>
-          <p:nvPr>
-            <p:ph idx="1"/>
-          </p:nvPr>
-        </p:nvSpPr>
-        <p:spPr>
-          <a:xfrm>
-            <a:off x="519471" y="1386840"/>
-            <a:ext cx="10972800" cy="4389120"/>
-          </a:xfrm>
-        </p:spPr>
-        <p:txBody>
-          <a:bodyPr/>
-          <a:lstStyle/>
-          <a:p>
-            <a:pPr>
-              <a:lnSpc>
-                <a:spcPct val="150000"/>
-              </a:lnSpc>
-            </a:pPr>
-            <a:r>
-              <a:rPr lang="zh-CN" altLang="en-US" b="1" dirty="0">
-                <a:solidFill>
-                  <a:srgbClr val="FF0000"/>
-                </a:solidFill>
-              </a:rPr>
-              <a:t>高内聚、低耦合。</a:t>
-            </a:r>
-            <a:r>
-              <a:rPr lang="zh-CN" altLang="en-US" dirty="0"/>
-              <a:t>是判断设计好坏的标准。</a:t>
-            </a:r>
-            <a:endParaRPr lang="en-US" altLang="zh-CN" b="1" dirty="0">
-              <a:solidFill>
-                <a:srgbClr val="FF0000"/>
-              </a:solidFill>
-            </a:endParaRPr>
-          </a:p>
-          <a:p>
-            <a:pPr lvl="1">
-              <a:lnSpc>
-                <a:spcPct val="150000"/>
-              </a:lnSpc>
-            </a:pPr>
-            <a:r>
-              <a:rPr lang="zh-CN" altLang="en-US" dirty="0"/>
-              <a:t>高内聚是指一个软件模块</a:t>
-            </a:r>
-            <a:r>
-              <a:rPr lang="en-US" altLang="zh-CN" dirty="0"/>
-              <a:t>(</a:t>
-            </a:r>
-            <a:r>
-              <a:rPr lang="zh-CN" altLang="en-US" dirty="0"/>
-              <a:t>类</a:t>
-            </a:r>
-            <a:r>
-              <a:rPr lang="en-US" altLang="zh-CN" dirty="0"/>
-              <a:t>)</a:t>
-            </a:r>
-            <a:r>
-              <a:rPr lang="zh-CN" altLang="en-US" dirty="0"/>
-              <a:t>是由相关性很强的代码组成，只负责一项任务，也就是常说的单一责任原则。</a:t>
-            </a:r>
-            <a:endParaRPr lang="en-US" altLang="zh-CN" dirty="0"/>
-          </a:p>
-          <a:p>
-            <a:pPr lvl="1">
-              <a:lnSpc>
-                <a:spcPct val="150000"/>
-              </a:lnSpc>
-            </a:pPr>
-            <a:r>
-              <a:rPr lang="zh-CN" altLang="en-US" dirty="0"/>
-              <a:t>低耦合是指一个软件模块与模块之间的接口，尽量的少而简单。如果某两个模块间的关系比较复杂的话，最好首先考虑进一步的模块划分。这样有利于修改和组合。</a:t>
-            </a:r>
-            <a:endParaRPr lang="en-US" altLang="zh-CN" dirty="0"/>
-          </a:p>
-        </p:txBody>
-      </p:sp>
-      <p:sp>
-        <p:nvSpPr>
           <p:cNvPr id="4" name="文本框 3"/>
           <p:cNvSpPr txBox="1"/>
           <p:nvPr/>
@@ -19175,7 +19972,7 @@
         <p:spPr>
           <a:xfrm>
             <a:off x="274320" y="449590"/>
-            <a:ext cx="5519460" cy="584775"/>
+            <a:ext cx="4246880" cy="583565"/>
           </a:xfrm>
           <a:prstGeom prst="rect">
             <a:avLst/>
@@ -19196,7 +19993,7 @@
                 <a:latin typeface="微软雅黑" panose="020B0503020204020204" pitchFamily="34" charset="-122"/>
                 <a:ea typeface="微软雅黑" panose="020B0503020204020204" pitchFamily="34" charset="-122"/>
               </a:rPr>
-              <a:t>何决定控制器分配给哪个类？</a:t>
+              <a:t>健壮性分析作用示意图</a:t>
             </a:r>
             <a:endParaRPr lang="zh-CN" altLang="en-US" sz="3200" b="1" dirty="0">
               <a:solidFill>
@@ -19252,7 +20049,7 @@
         </p:nvGrpSpPr>
         <p:grpSpPr>
           <a:xfrm>
-            <a:off x="5609214" y="618364"/>
+            <a:off x="4516636" y="637832"/>
             <a:ext cx="491490" cy="318085"/>
             <a:chOff x="3017520" y="601990"/>
             <a:chExt cx="491490" cy="414010"/>
@@ -19613,7 +20410,7 @@
         </p:nvSpPr>
         <p:spPr>
           <a:xfrm>
-            <a:off x="8885357" y="814112"/>
+            <a:off x="7818120" y="796875"/>
             <a:ext cx="944880" cy="220253"/>
           </a:xfrm>
           <a:prstGeom prst="rect">
@@ -19651,6 +20448,32 @@
           </a:p>
         </p:txBody>
       </p:sp>
+      <p:pic>
+        <p:nvPicPr>
+          <p:cNvPr id="2" name="内容占位符 1"/>
+          <p:cNvPicPr>
+            <a:picLocks noChangeAspect="1"/>
+          </p:cNvPicPr>
+          <p:nvPr>
+            <p:ph idx="1"/>
+          </p:nvPr>
+        </p:nvPicPr>
+        <p:blipFill>
+          <a:blip r:embed="rId1"/>
+          <a:stretch>
+            <a:fillRect/>
+          </a:stretch>
+        </p:blipFill>
+        <p:spPr>
+          <a:xfrm>
+            <a:off x="1911350" y="1282700"/>
+            <a:ext cx="8369300" cy="4896485"/>
+          </a:xfrm>
+          <a:prstGeom prst="rect">
+            <a:avLst/>
+          </a:prstGeom>
+        </p:spPr>
+      </p:pic>
     </p:spTree>
   </p:cSld>
   <p:clrMapOvr>
@@ -19659,7 +20482,7 @@
 </p:sld>
 </file>
 
-<file path=ppt/slides/slide2.xml><?xml version="1.0" encoding="utf-8"?>
+<file path=ppt/slides/slide20.xml><?xml version="1.0" encoding="utf-8"?>
 <p:sld xmlns:a="http://schemas.openxmlformats.org/drawingml/2006/main" xmlns:r="http://schemas.openxmlformats.org/officeDocument/2006/relationships" xmlns:p="http://schemas.openxmlformats.org/presentationml/2006/main">
   <p:cSld>
     <p:spTree>
@@ -19688,8 +20511,8 @@
         </p:nvSpPr>
         <p:spPr>
           <a:xfrm>
-            <a:off x="701040" y="1222607"/>
-            <a:ext cx="10789920" cy="4389120"/>
+            <a:off x="519471" y="1386840"/>
+            <a:ext cx="10972800" cy="4389120"/>
           </a:xfrm>
         </p:spPr>
         <p:txBody>
@@ -19702,10 +20525,22 @@
               </a:lnSpc>
             </a:pPr>
             <a:r>
+              <a:rPr lang="zh-CN" altLang="en-US" b="1" dirty="0">
+                <a:solidFill>
+                  <a:srgbClr val="FF0000"/>
+                </a:solidFill>
+              </a:rPr>
+              <a:t>高内聚、低耦合。</a:t>
+            </a:r>
+            <a:r>
               <a:rPr lang="zh-CN" altLang="en-US" dirty="0"/>
-              <a:t>健壮性分析中的三种元素：</a:t>
-            </a:r>
-            <a:endParaRPr lang="en-US" altLang="zh-CN" dirty="0"/>
+              <a:t>是判断设计好坏的标准。</a:t>
+            </a:r>
+            <a:endParaRPr lang="en-US" altLang="zh-CN" b="1" dirty="0">
+              <a:solidFill>
+                <a:srgbClr val="FF0000"/>
+              </a:solidFill>
+            </a:endParaRPr>
           </a:p>
           <a:p>
             <a:pPr lvl="1">
@@ -19714,26 +20549,26 @@
               </a:lnSpc>
             </a:pPr>
             <a:r>
-              <a:rPr lang="zh-CN" altLang="en-US" b="1" dirty="0">
-                <a:solidFill>
-                  <a:srgbClr val="FF0000"/>
-                </a:solidFill>
-              </a:rPr>
-              <a:t>边界类</a:t>
-            </a:r>
-            <a:r>
-              <a:rPr lang="en-US" altLang="zh-CN" b="1" dirty="0">
-                <a:solidFill>
-                  <a:srgbClr val="FF0000"/>
-                </a:solidFill>
-              </a:rPr>
-              <a:t>[Boundary objects]</a:t>
-            </a:r>
-            <a:r>
               <a:rPr lang="zh-CN" altLang="en-US" dirty="0"/>
-              <a:t>与用户交互的对象，系统和外部世界的界面，如窗口，对话框等等。</a:t>
-            </a:r>
-            <a:endParaRPr lang="zh-CN" altLang="en-US" dirty="0"/>
+              <a:t>高内聚是指一个软件模块</a:t>
+            </a:r>
+            <a:r>
+              <a:rPr lang="en-US" altLang="zh-CN" dirty="0"/>
+              <a:t>(</a:t>
+            </a:r>
+            <a:r>
+              <a:rPr lang="zh-CN" altLang="en-US" dirty="0"/>
+              <a:t>类</a:t>
+            </a:r>
+            <a:r>
+              <a:rPr lang="en-US" altLang="zh-CN" dirty="0"/>
+              <a:t>)</a:t>
+            </a:r>
+            <a:r>
+              <a:rPr lang="zh-CN" altLang="en-US" dirty="0"/>
+              <a:t>是由相关性很强的代码组成，只负责一项任务，也就是常说的单一责任原则。</a:t>
+            </a:r>
+            <a:endParaRPr lang="en-US" altLang="zh-CN" dirty="0"/>
           </a:p>
           <a:p>
             <a:pPr lvl="1">
@@ -19742,24 +20577,8 @@
               </a:lnSpc>
             </a:pPr>
             <a:r>
-              <a:rPr lang="zh-CN" altLang="en-US" b="1" dirty="0">
-                <a:solidFill>
-                  <a:srgbClr val="FF0000"/>
-                </a:solidFill>
-              </a:rPr>
-              <a:t>实体类</a:t>
-            </a:r>
-            <a:r>
-              <a:rPr lang="en-US" altLang="zh-CN" b="1" dirty="0">
-                <a:solidFill>
-                  <a:srgbClr val="FF0000"/>
-                </a:solidFill>
-              </a:rPr>
-              <a:t>[Entity objects]</a:t>
-            </a:r>
-            <a:r>
               <a:rPr lang="zh-CN" altLang="en-US" dirty="0"/>
-              <a:t>是现实世界存在的实体对象，域模型中的类，它常对应于数据库表和文件。有些实体对象是“临时”对象（如搜索结果），当用例结束后将消失。</a:t>
+              <a:t>低耦合是指一个软件模块与模块之间的接口，尽量的少而简单。如果某两个模块间的关系比较复杂的话，最好首先考虑进一步的模块划分，降低相互的依赖。这样有利于修改和组合。</a:t>
             </a:r>
             <a:endParaRPr lang="zh-CN" altLang="en-US" dirty="0"/>
           </a:p>
@@ -19770,42 +20589,10 @@
               </a:lnSpc>
             </a:pPr>
             <a:r>
-              <a:rPr lang="zh-CN" altLang="en-US" b="1" dirty="0">
-                <a:solidFill>
-                  <a:srgbClr val="FF0000"/>
-                </a:solidFill>
-              </a:rPr>
-              <a:t>控制器类</a:t>
-            </a:r>
-            <a:r>
-              <a:rPr lang="en-US" altLang="zh-CN" b="1" dirty="0">
-                <a:solidFill>
-                  <a:srgbClr val="FF0000"/>
-                </a:solidFill>
-              </a:rPr>
-              <a:t>[Controller objects]</a:t>
-            </a:r>
-            <a:r>
-              <a:rPr lang="zh-CN" altLang="en-US" dirty="0"/>
-              <a:t>边界和实体间的“粘合剂”</a:t>
-            </a:r>
-            <a:r>
               <a:rPr lang="en-US" altLang="zh-CN" dirty="0"/>
-              <a:t>,</a:t>
-            </a:r>
-            <a:r>
-              <a:rPr lang="zh-CN" altLang="en-US" dirty="0"/>
-              <a:t>将边界对象和实体对象关联起来，它包含了大部分应用逻辑，它们在用户和对象之间架起一座桥梁。控制对象中包含经常修改的业务规则和策略。</a:t>
+              <a:t>目的：使得模块的“可重用性”、“移植性”大大增强 </a:t>
             </a:r>
             <a:endParaRPr lang="en-US" altLang="zh-CN" dirty="0"/>
-          </a:p>
-          <a:p>
-            <a:pPr lvl="1">
-              <a:lnSpc>
-                <a:spcPct val="150000"/>
-              </a:lnSpc>
-            </a:pPr>
-            <a:endParaRPr lang="zh-CN" altLang="en-US" dirty="0"/>
           </a:p>
         </p:txBody>
       </p:sp>
@@ -19818,7 +20605,7 @@
         <p:spPr>
           <a:xfrm>
             <a:off x="274320" y="449590"/>
-            <a:ext cx="4698722" cy="584775"/>
+            <a:ext cx="5519460" cy="584775"/>
           </a:xfrm>
           <a:prstGeom prst="rect">
             <a:avLst/>
@@ -19839,7 +20626,7 @@
                 <a:latin typeface="微软雅黑" panose="020B0503020204020204" pitchFamily="34" charset="-122"/>
                 <a:ea typeface="微软雅黑" panose="020B0503020204020204" pitchFamily="34" charset="-122"/>
               </a:rPr>
-              <a:t>健壮性分析中的基本概念</a:t>
+              <a:t>何决定控制器分配给哪个类？</a:t>
             </a:r>
             <a:endParaRPr lang="zh-CN" altLang="en-US" sz="3200" b="1" dirty="0">
               <a:solidFill>
@@ -19895,7 +20682,7 @@
         </p:nvGrpSpPr>
         <p:grpSpPr>
           <a:xfrm>
-            <a:off x="4973042" y="637832"/>
+            <a:off x="5609214" y="618364"/>
             <a:ext cx="491490" cy="318085"/>
             <a:chOff x="3017520" y="601990"/>
             <a:chExt cx="491490" cy="414010"/>
@@ -20248,6 +21035,52 @@
           </a:p>
         </p:txBody>
       </p:sp>
+      <p:sp>
+        <p:nvSpPr>
+          <p:cNvPr id="14" name="矩形 13"/>
+          <p:cNvSpPr/>
+          <p:nvPr/>
+        </p:nvSpPr>
+        <p:spPr>
+          <a:xfrm>
+            <a:off x="8885357" y="814112"/>
+            <a:ext cx="944880" cy="220253"/>
+          </a:xfrm>
+          <a:prstGeom prst="rect">
+            <a:avLst/>
+          </a:prstGeom>
+          <a:solidFill>
+            <a:srgbClr val="BE1007"/>
+          </a:solidFill>
+          <a:ln>
+            <a:noFill/>
+          </a:ln>
+        </p:spPr>
+        <p:style>
+          <a:lnRef idx="2">
+            <a:schemeClr val="accent1">
+              <a:shade val="50000"/>
+            </a:schemeClr>
+          </a:lnRef>
+          <a:fillRef idx="1">
+            <a:schemeClr val="accent1"/>
+          </a:fillRef>
+          <a:effectRef idx="0">
+            <a:schemeClr val="accent1"/>
+          </a:effectRef>
+          <a:fontRef idx="minor">
+            <a:schemeClr val="lt1"/>
+          </a:fontRef>
+        </p:style>
+        <p:txBody>
+          <a:bodyPr rtlCol="0" anchor="ctr"/>
+          <a:lstStyle/>
+          <a:p>
+            <a:pPr algn="ctr"/>
+            <a:endParaRPr lang="zh-CN" altLang="en-US"/>
+          </a:p>
+        </p:txBody>
+      </p:sp>
     </p:spTree>
   </p:cSld>
   <p:clrMapOvr>
@@ -20256,7 +21089,7 @@
 </p:sld>
 </file>
 
-<file path=ppt/slides/slide20.xml><?xml version="1.0" encoding="utf-8"?>
+<file path=ppt/slides/slide21.xml><?xml version="1.0" encoding="utf-8"?>
 <p:sld xmlns:a="http://schemas.openxmlformats.org/drawingml/2006/main" xmlns:r="http://schemas.openxmlformats.org/officeDocument/2006/relationships" xmlns:p="http://schemas.openxmlformats.org/presentationml/2006/main">
   <p:cSld>
     <p:spTree>
@@ -20799,7 +21632,7 @@
 </p:sld>
 </file>
 
-<file path=ppt/slides/slide21.xml><?xml version="1.0" encoding="utf-8"?>
+<file path=ppt/slides/slide22.xml><?xml version="1.0" encoding="utf-8"?>
 <p:sld xmlns:a="http://schemas.openxmlformats.org/drawingml/2006/main" xmlns:r="http://schemas.openxmlformats.org/officeDocument/2006/relationships" xmlns:p="http://schemas.openxmlformats.org/presentationml/2006/main">
   <p:cSld>
     <p:spTree>
@@ -21352,7 +22185,7 @@
 </p:sld>
 </file>
 
-<file path=ppt/slides/slide22.xml><?xml version="1.0" encoding="utf-8"?>
+<file path=ppt/slides/slide23.xml><?xml version="1.0" encoding="utf-8"?>
 <p:sld xmlns:a="http://schemas.openxmlformats.org/drawingml/2006/main" xmlns:r="http://schemas.openxmlformats.org/officeDocument/2006/relationships" xmlns:p="http://schemas.openxmlformats.org/presentationml/2006/main">
   <p:cSld>
     <p:spTree>
@@ -21895,7 +22728,7 @@
 </p:sld>
 </file>
 
-<file path=ppt/slides/slide23.xml><?xml version="1.0" encoding="utf-8"?>
+<file path=ppt/slides/slide24.xml><?xml version="1.0" encoding="utf-8"?>
 <p:sld xmlns:a="http://schemas.openxmlformats.org/drawingml/2006/main" xmlns:r="http://schemas.openxmlformats.org/officeDocument/2006/relationships" xmlns:p="http://schemas.openxmlformats.org/presentationml/2006/main">
   <p:cSld>
     <p:spTree>
@@ -22438,7 +23271,7 @@
 </p:sld>
 </file>
 
-<file path=ppt/slides/slide24.xml><?xml version="1.0" encoding="utf-8"?>
+<file path=ppt/slides/slide25.xml><?xml version="1.0" encoding="utf-8"?>
 <p:sld xmlns:a="http://schemas.openxmlformats.org/drawingml/2006/main" xmlns:r="http://schemas.openxmlformats.org/officeDocument/2006/relationships" xmlns:p="http://schemas.openxmlformats.org/presentationml/2006/main">
   <p:cSld>
     <p:spTree>
@@ -22981,7 +23814,7 @@
 </p:sld>
 </file>
 
-<file path=ppt/slides/slide25.xml><?xml version="1.0" encoding="utf-8"?>
+<file path=ppt/slides/slide26.xml><?xml version="1.0" encoding="utf-8"?>
 <p:sld xmlns:a="http://schemas.openxmlformats.org/drawingml/2006/main" xmlns:r="http://schemas.openxmlformats.org/officeDocument/2006/relationships" xmlns:p="http://schemas.openxmlformats.org/presentationml/2006/main">
   <p:cSld>
     <p:spTree>
@@ -23524,7 +24357,7 @@
 </p:sld>
 </file>
 
-<file path=ppt/slides/slide26.xml><?xml version="1.0" encoding="utf-8"?>
+<file path=ppt/slides/slide27.xml><?xml version="1.0" encoding="utf-8"?>
 <p:sld xmlns:a="http://schemas.openxmlformats.org/drawingml/2006/main" xmlns:r="http://schemas.openxmlformats.org/officeDocument/2006/relationships" xmlns:p="http://schemas.openxmlformats.org/presentationml/2006/main">
   <p:cSld>
     <p:spTree>
@@ -24067,7 +24900,7 @@
 </p:sld>
 </file>
 
-<file path=ppt/slides/slide27.xml><?xml version="1.0" encoding="utf-8"?>
+<file path=ppt/slides/slide28.xml><?xml version="1.0" encoding="utf-8"?>
 <p:sld xmlns:a="http://schemas.openxmlformats.org/drawingml/2006/main" xmlns:r="http://schemas.openxmlformats.org/officeDocument/2006/relationships" xmlns:p="http://schemas.openxmlformats.org/presentationml/2006/main">
   <p:cSld>
     <p:spTree>
@@ -24652,7 +25485,7 @@
 </p:sld>
 </file>
 
-<file path=ppt/slides/slide28.xml><?xml version="1.0" encoding="utf-8"?>
+<file path=ppt/slides/slide29.xml><?xml version="1.0" encoding="utf-8"?>
 <p:sld xmlns:a="http://schemas.openxmlformats.org/drawingml/2006/main" xmlns:r="http://schemas.openxmlformats.org/officeDocument/2006/relationships" xmlns:p="http://schemas.openxmlformats.org/presentationml/2006/main">
   <p:cSld>
     <p:spTree>
@@ -25219,7 +26052,604 @@
 </p:sld>
 </file>
 
-<file path=ppt/slides/slide29.xml><?xml version="1.0" encoding="utf-8"?>
+<file path=ppt/slides/slide3.xml><?xml version="1.0" encoding="utf-8"?>
+<p:sld xmlns:a="http://schemas.openxmlformats.org/drawingml/2006/main" xmlns:r="http://schemas.openxmlformats.org/officeDocument/2006/relationships" xmlns:p="http://schemas.openxmlformats.org/presentationml/2006/main">
+  <p:cSld>
+    <p:spTree>
+      <p:nvGrpSpPr>
+        <p:cNvPr id="1" name=""/>
+        <p:cNvGrpSpPr/>
+        <p:nvPr/>
+      </p:nvGrpSpPr>
+      <p:grpSpPr>
+        <a:xfrm>
+          <a:off x="0" y="0"/>
+          <a:ext cx="0" cy="0"/>
+          <a:chOff x="0" y="0"/>
+          <a:chExt cx="0" cy="0"/>
+        </a:xfrm>
+      </p:grpSpPr>
+      <p:sp>
+        <p:nvSpPr>
+          <p:cNvPr id="3" name="内容占位符 2"/>
+          <p:cNvSpPr>
+            <a:spLocks noGrp="1"/>
+          </p:cNvSpPr>
+          <p:nvPr>
+            <p:ph idx="1"/>
+          </p:nvPr>
+        </p:nvSpPr>
+        <p:spPr>
+          <a:xfrm>
+            <a:off x="701040" y="1129262"/>
+            <a:ext cx="10789920" cy="4389120"/>
+          </a:xfrm>
+        </p:spPr>
+        <p:txBody>
+          <a:bodyPr/>
+          <a:lstStyle/>
+          <a:p>
+            <a:pPr>
+              <a:lnSpc>
+                <a:spcPct val="150000"/>
+              </a:lnSpc>
+            </a:pPr>
+            <a:r>
+              <a:rPr lang="zh-CN" altLang="en-US" dirty="0"/>
+              <a:t>健壮性分析中的三种元素：</a:t>
+            </a:r>
+            <a:endParaRPr lang="en-US" altLang="zh-CN" dirty="0"/>
+          </a:p>
+          <a:p>
+            <a:pPr lvl="1">
+              <a:lnSpc>
+                <a:spcPct val="150000"/>
+              </a:lnSpc>
+            </a:pPr>
+            <a:r>
+              <a:rPr lang="zh-CN" altLang="en-US" b="1" dirty="0">
+                <a:solidFill>
+                  <a:srgbClr val="FF0000"/>
+                </a:solidFill>
+              </a:rPr>
+              <a:t>边界类</a:t>
+            </a:r>
+            <a:r>
+              <a:rPr lang="en-US" altLang="zh-CN" b="1" dirty="0">
+                <a:solidFill>
+                  <a:srgbClr val="FF0000"/>
+                </a:solidFill>
+              </a:rPr>
+              <a:t>[Boundary objects]</a:t>
+            </a:r>
+            <a:r>
+              <a:rPr lang="zh-CN" altLang="en-US" dirty="0"/>
+              <a:t>与用户交互的对象，系统和外部世界的界面，如窗口，对话框等等。</a:t>
+            </a:r>
+            <a:endParaRPr lang="zh-CN" altLang="en-US" dirty="0"/>
+          </a:p>
+          <a:p>
+            <a:pPr lvl="1">
+              <a:lnSpc>
+                <a:spcPct val="150000"/>
+              </a:lnSpc>
+            </a:pPr>
+            <a:r>
+              <a:rPr lang="zh-CN" altLang="en-US" b="1" dirty="0">
+                <a:solidFill>
+                  <a:srgbClr val="FF0000"/>
+                </a:solidFill>
+              </a:rPr>
+              <a:t>实体类</a:t>
+            </a:r>
+            <a:r>
+              <a:rPr lang="en-US" altLang="zh-CN" b="1" dirty="0">
+                <a:solidFill>
+                  <a:srgbClr val="FF0000"/>
+                </a:solidFill>
+              </a:rPr>
+              <a:t>[Entity objects]</a:t>
+            </a:r>
+            <a:r>
+              <a:rPr lang="zh-CN" altLang="en-US" dirty="0"/>
+              <a:t>是现实世界存在的实体对象，域模型中的类，它常对应于数据库表和文件。有些实体对象是“临时”对象（如搜索结果），当用例结束后将消失。</a:t>
+            </a:r>
+            <a:endParaRPr lang="zh-CN" altLang="en-US" dirty="0"/>
+          </a:p>
+          <a:p>
+            <a:pPr lvl="1">
+              <a:lnSpc>
+                <a:spcPct val="150000"/>
+              </a:lnSpc>
+            </a:pPr>
+            <a:r>
+              <a:rPr lang="zh-CN" altLang="en-US" b="1" dirty="0">
+                <a:solidFill>
+                  <a:srgbClr val="FF0000"/>
+                </a:solidFill>
+              </a:rPr>
+              <a:t>控制器类</a:t>
+            </a:r>
+            <a:r>
+              <a:rPr lang="en-US" altLang="zh-CN" b="1" dirty="0">
+                <a:solidFill>
+                  <a:srgbClr val="FF0000"/>
+                </a:solidFill>
+              </a:rPr>
+              <a:t>[Controller objects]</a:t>
+            </a:r>
+            <a:r>
+              <a:rPr lang="zh-CN" altLang="en-US" dirty="0"/>
+              <a:t>边界和实体间的“粘合剂”</a:t>
+            </a:r>
+            <a:r>
+              <a:rPr lang="en-US" altLang="zh-CN" dirty="0"/>
+              <a:t>,</a:t>
+            </a:r>
+            <a:r>
+              <a:rPr lang="zh-CN" altLang="en-US" dirty="0"/>
+              <a:t>将边界对象和实体对象关联起来，它包含了大部分应用逻辑，它们在用户和对象之间架起一座桥梁。控制对象中包含经常修改的业务规则和策略。</a:t>
+            </a:r>
+            <a:endParaRPr lang="en-US" altLang="zh-CN" dirty="0"/>
+          </a:p>
+          <a:p>
+            <a:pPr lvl="1">
+              <a:lnSpc>
+                <a:spcPct val="150000"/>
+              </a:lnSpc>
+            </a:pPr>
+            <a:endParaRPr lang="zh-CN" altLang="en-US" dirty="0"/>
+          </a:p>
+        </p:txBody>
+      </p:sp>
+      <p:sp>
+        <p:nvSpPr>
+          <p:cNvPr id="4" name="文本框 3"/>
+          <p:cNvSpPr txBox="1"/>
+          <p:nvPr/>
+        </p:nvSpPr>
+        <p:spPr>
+          <a:xfrm>
+            <a:off x="274320" y="449590"/>
+            <a:ext cx="4698722" cy="584775"/>
+          </a:xfrm>
+          <a:prstGeom prst="rect">
+            <a:avLst/>
+          </a:prstGeom>
+          <a:noFill/>
+        </p:spPr>
+        <p:txBody>
+          <a:bodyPr wrap="none" rtlCol="0">
+            <a:spAutoFit/>
+          </a:bodyPr>
+          <a:lstStyle/>
+          <a:p>
+            <a:r>
+              <a:rPr lang="zh-CN" altLang="en-US" sz="3200" b="1" dirty="0">
+                <a:solidFill>
+                  <a:srgbClr val="141316"/>
+                </a:solidFill>
+                <a:latin typeface="微软雅黑" panose="020B0503020204020204" pitchFamily="34" charset="-122"/>
+                <a:ea typeface="微软雅黑" panose="020B0503020204020204" pitchFamily="34" charset="-122"/>
+              </a:rPr>
+              <a:t>健壮性分析中的基本概念</a:t>
+            </a:r>
+            <a:endParaRPr lang="zh-CN" altLang="en-US" sz="3200" b="1" dirty="0">
+              <a:solidFill>
+                <a:srgbClr val="141316"/>
+              </a:solidFill>
+              <a:latin typeface="微软雅黑" panose="020B0503020204020204" pitchFamily="34" charset="-122"/>
+              <a:ea typeface="微软雅黑" panose="020B0503020204020204" pitchFamily="34" charset="-122"/>
+            </a:endParaRPr>
+          </a:p>
+        </p:txBody>
+      </p:sp>
+      <p:cxnSp>
+        <p:nvCxnSpPr>
+          <p:cNvPr id="5" name="直接连接符 4"/>
+          <p:cNvCxnSpPr/>
+          <p:nvPr/>
+        </p:nvCxnSpPr>
+        <p:spPr>
+          <a:xfrm>
+            <a:off x="0" y="1019125"/>
+            <a:ext cx="12192000" cy="0"/>
+          </a:xfrm>
+          <a:prstGeom prst="line">
+            <a:avLst/>
+          </a:prstGeom>
+          <a:ln>
+            <a:solidFill>
+              <a:srgbClr val="B82E24"/>
+            </a:solidFill>
+            <a:prstDash val="solid"/>
+          </a:ln>
+        </p:spPr>
+        <p:style>
+          <a:lnRef idx="1">
+            <a:schemeClr val="accent1"/>
+          </a:lnRef>
+          <a:fillRef idx="0">
+            <a:schemeClr val="accent1"/>
+          </a:fillRef>
+          <a:effectRef idx="0">
+            <a:schemeClr val="accent1"/>
+          </a:effectRef>
+          <a:fontRef idx="minor">
+            <a:schemeClr val="tx1"/>
+          </a:fontRef>
+        </p:style>
+      </p:cxnSp>
+      <p:grpSp>
+        <p:nvGrpSpPr>
+          <p:cNvPr id="6" name="组合 5"/>
+          <p:cNvGrpSpPr/>
+          <p:nvPr/>
+        </p:nvGrpSpPr>
+        <p:grpSpPr>
+          <a:xfrm>
+            <a:off x="4973042" y="637832"/>
+            <a:ext cx="491490" cy="318085"/>
+            <a:chOff x="3017520" y="601990"/>
+            <a:chExt cx="491490" cy="414010"/>
+          </a:xfrm>
+        </p:grpSpPr>
+        <p:sp>
+          <p:nvSpPr>
+            <p:cNvPr id="7" name="燕尾形 6"/>
+            <p:cNvSpPr/>
+            <p:nvPr/>
+          </p:nvSpPr>
+          <p:spPr>
+            <a:xfrm>
+              <a:off x="3017520" y="601990"/>
+              <a:ext cx="198120" cy="414010"/>
+            </a:xfrm>
+            <a:prstGeom prst="chevron">
+              <a:avLst/>
+            </a:prstGeom>
+            <a:solidFill>
+              <a:srgbClr val="F5715B"/>
+            </a:solidFill>
+            <a:ln>
+              <a:noFill/>
+            </a:ln>
+          </p:spPr>
+          <p:style>
+            <a:lnRef idx="2">
+              <a:schemeClr val="accent1">
+                <a:shade val="50000"/>
+              </a:schemeClr>
+            </a:lnRef>
+            <a:fillRef idx="1">
+              <a:schemeClr val="accent1"/>
+            </a:fillRef>
+            <a:effectRef idx="0">
+              <a:schemeClr val="accent1"/>
+            </a:effectRef>
+            <a:fontRef idx="minor">
+              <a:schemeClr val="lt1"/>
+            </a:fontRef>
+          </p:style>
+          <p:txBody>
+            <a:bodyPr rtlCol="0" anchor="ctr"/>
+            <a:lstStyle/>
+            <a:p>
+              <a:pPr algn="ctr"/>
+              <a:endParaRPr lang="zh-CN" altLang="en-US">
+                <a:solidFill>
+                  <a:schemeClr val="tx1"/>
+                </a:solidFill>
+              </a:endParaRPr>
+            </a:p>
+          </p:txBody>
+        </p:sp>
+        <p:sp>
+          <p:nvSpPr>
+            <p:cNvPr id="8" name="燕尾形 7"/>
+            <p:cNvSpPr/>
+            <p:nvPr/>
+          </p:nvSpPr>
+          <p:spPr>
+            <a:xfrm>
+              <a:off x="3164205" y="601990"/>
+              <a:ext cx="198120" cy="414010"/>
+            </a:xfrm>
+            <a:prstGeom prst="chevron">
+              <a:avLst/>
+            </a:prstGeom>
+            <a:solidFill>
+              <a:srgbClr val="F93D32"/>
+            </a:solidFill>
+            <a:ln>
+              <a:noFill/>
+            </a:ln>
+          </p:spPr>
+          <p:style>
+            <a:lnRef idx="2">
+              <a:schemeClr val="accent1">
+                <a:shade val="50000"/>
+              </a:schemeClr>
+            </a:lnRef>
+            <a:fillRef idx="1">
+              <a:schemeClr val="accent1"/>
+            </a:fillRef>
+            <a:effectRef idx="0">
+              <a:schemeClr val="accent1"/>
+            </a:effectRef>
+            <a:fontRef idx="minor">
+              <a:schemeClr val="lt1"/>
+            </a:fontRef>
+          </p:style>
+          <p:txBody>
+            <a:bodyPr rtlCol="0" anchor="ctr"/>
+            <a:lstStyle/>
+            <a:p>
+              <a:pPr algn="ctr"/>
+              <a:endParaRPr lang="zh-CN" altLang="en-US">
+                <a:solidFill>
+                  <a:schemeClr val="tx1"/>
+                </a:solidFill>
+              </a:endParaRPr>
+            </a:p>
+          </p:txBody>
+        </p:sp>
+        <p:sp>
+          <p:nvSpPr>
+            <p:cNvPr id="9" name="燕尾形 8"/>
+            <p:cNvSpPr/>
+            <p:nvPr/>
+          </p:nvSpPr>
+          <p:spPr>
+            <a:xfrm>
+              <a:off x="3310890" y="601990"/>
+              <a:ext cx="198120" cy="414010"/>
+            </a:xfrm>
+            <a:prstGeom prst="chevron">
+              <a:avLst/>
+            </a:prstGeom>
+            <a:solidFill>
+              <a:srgbClr val="B82E24"/>
+            </a:solidFill>
+            <a:ln>
+              <a:noFill/>
+            </a:ln>
+          </p:spPr>
+          <p:style>
+            <a:lnRef idx="2">
+              <a:schemeClr val="accent1">
+                <a:shade val="50000"/>
+              </a:schemeClr>
+            </a:lnRef>
+            <a:fillRef idx="1">
+              <a:schemeClr val="accent1"/>
+            </a:fillRef>
+            <a:effectRef idx="0">
+              <a:schemeClr val="accent1"/>
+            </a:effectRef>
+            <a:fontRef idx="minor">
+              <a:schemeClr val="lt1"/>
+            </a:fontRef>
+          </p:style>
+          <p:txBody>
+            <a:bodyPr rtlCol="0" anchor="ctr"/>
+            <a:lstStyle/>
+            <a:p>
+              <a:pPr algn="ctr"/>
+              <a:endParaRPr lang="zh-CN" altLang="en-US">
+                <a:solidFill>
+                  <a:schemeClr val="tx1"/>
+                </a:solidFill>
+              </a:endParaRPr>
+            </a:p>
+          </p:txBody>
+        </p:sp>
+      </p:grpSp>
+      <p:sp>
+        <p:nvSpPr>
+          <p:cNvPr id="10" name="矩形 9"/>
+          <p:cNvSpPr/>
+          <p:nvPr/>
+        </p:nvSpPr>
+        <p:spPr>
+          <a:xfrm>
+            <a:off x="7818120" y="912444"/>
+            <a:ext cx="944880" cy="103556"/>
+          </a:xfrm>
+          <a:prstGeom prst="rect">
+            <a:avLst/>
+          </a:prstGeom>
+          <a:solidFill>
+            <a:schemeClr val="tx1">
+              <a:lumMod val="65000"/>
+              <a:lumOff val="35000"/>
+            </a:schemeClr>
+          </a:solidFill>
+          <a:ln>
+            <a:noFill/>
+          </a:ln>
+        </p:spPr>
+        <p:style>
+          <a:lnRef idx="2">
+            <a:schemeClr val="accent1">
+              <a:shade val="50000"/>
+            </a:schemeClr>
+          </a:lnRef>
+          <a:fillRef idx="1">
+            <a:schemeClr val="accent1"/>
+          </a:fillRef>
+          <a:effectRef idx="0">
+            <a:schemeClr val="accent1"/>
+          </a:effectRef>
+          <a:fontRef idx="minor">
+            <a:schemeClr val="lt1"/>
+          </a:fontRef>
+        </p:style>
+        <p:txBody>
+          <a:bodyPr rtlCol="0" anchor="ctr"/>
+          <a:lstStyle/>
+          <a:p>
+            <a:pPr algn="ctr"/>
+            <a:endParaRPr lang="zh-CN" altLang="en-US"/>
+          </a:p>
+        </p:txBody>
+      </p:sp>
+      <p:sp>
+        <p:nvSpPr>
+          <p:cNvPr id="11" name="矩形 10"/>
+          <p:cNvSpPr/>
+          <p:nvPr/>
+        </p:nvSpPr>
+        <p:spPr>
+          <a:xfrm>
+            <a:off x="8885357" y="912444"/>
+            <a:ext cx="944880" cy="103556"/>
+          </a:xfrm>
+          <a:prstGeom prst="rect">
+            <a:avLst/>
+          </a:prstGeom>
+          <a:solidFill>
+            <a:schemeClr val="tx1">
+              <a:lumMod val="65000"/>
+              <a:lumOff val="35000"/>
+            </a:schemeClr>
+          </a:solidFill>
+          <a:ln>
+            <a:noFill/>
+          </a:ln>
+        </p:spPr>
+        <p:style>
+          <a:lnRef idx="2">
+            <a:schemeClr val="accent1">
+              <a:shade val="50000"/>
+            </a:schemeClr>
+          </a:lnRef>
+          <a:fillRef idx="1">
+            <a:schemeClr val="accent1"/>
+          </a:fillRef>
+          <a:effectRef idx="0">
+            <a:schemeClr val="accent1"/>
+          </a:effectRef>
+          <a:fontRef idx="minor">
+            <a:schemeClr val="lt1"/>
+          </a:fontRef>
+        </p:style>
+        <p:txBody>
+          <a:bodyPr rtlCol="0" anchor="ctr"/>
+          <a:lstStyle/>
+          <a:p>
+            <a:pPr algn="ctr"/>
+            <a:endParaRPr lang="zh-CN" altLang="en-US"/>
+          </a:p>
+        </p:txBody>
+      </p:sp>
+      <p:sp>
+        <p:nvSpPr>
+          <p:cNvPr id="12" name="矩形 11"/>
+          <p:cNvSpPr/>
+          <p:nvPr/>
+        </p:nvSpPr>
+        <p:spPr>
+          <a:xfrm>
+            <a:off x="9952594" y="912444"/>
+            <a:ext cx="944880" cy="103556"/>
+          </a:xfrm>
+          <a:prstGeom prst="rect">
+            <a:avLst/>
+          </a:prstGeom>
+          <a:solidFill>
+            <a:schemeClr val="tx1">
+              <a:lumMod val="65000"/>
+              <a:lumOff val="35000"/>
+            </a:schemeClr>
+          </a:solidFill>
+          <a:ln>
+            <a:noFill/>
+          </a:ln>
+        </p:spPr>
+        <p:style>
+          <a:lnRef idx="2">
+            <a:schemeClr val="accent1">
+              <a:shade val="50000"/>
+            </a:schemeClr>
+          </a:lnRef>
+          <a:fillRef idx="1">
+            <a:schemeClr val="accent1"/>
+          </a:fillRef>
+          <a:effectRef idx="0">
+            <a:schemeClr val="accent1"/>
+          </a:effectRef>
+          <a:fontRef idx="minor">
+            <a:schemeClr val="lt1"/>
+          </a:fontRef>
+        </p:style>
+        <p:txBody>
+          <a:bodyPr rtlCol="0" anchor="ctr"/>
+          <a:lstStyle/>
+          <a:p>
+            <a:pPr algn="ctr"/>
+            <a:endParaRPr lang="zh-CN" altLang="en-US"/>
+          </a:p>
+        </p:txBody>
+      </p:sp>
+      <p:sp>
+        <p:nvSpPr>
+          <p:cNvPr id="13" name="矩形 12"/>
+          <p:cNvSpPr/>
+          <p:nvPr/>
+        </p:nvSpPr>
+        <p:spPr>
+          <a:xfrm>
+            <a:off x="11019831" y="912444"/>
+            <a:ext cx="944880" cy="103556"/>
+          </a:xfrm>
+          <a:prstGeom prst="rect">
+            <a:avLst/>
+          </a:prstGeom>
+          <a:solidFill>
+            <a:schemeClr val="tx1">
+              <a:lumMod val="65000"/>
+              <a:lumOff val="35000"/>
+            </a:schemeClr>
+          </a:solidFill>
+          <a:ln>
+            <a:noFill/>
+          </a:ln>
+        </p:spPr>
+        <p:style>
+          <a:lnRef idx="2">
+            <a:schemeClr val="accent1">
+              <a:shade val="50000"/>
+            </a:schemeClr>
+          </a:lnRef>
+          <a:fillRef idx="1">
+            <a:schemeClr val="accent1"/>
+          </a:fillRef>
+          <a:effectRef idx="0">
+            <a:schemeClr val="accent1"/>
+          </a:effectRef>
+          <a:fontRef idx="minor">
+            <a:schemeClr val="lt1"/>
+          </a:fontRef>
+        </p:style>
+        <p:txBody>
+          <a:bodyPr rtlCol="0" anchor="ctr"/>
+          <a:lstStyle/>
+          <a:p>
+            <a:pPr algn="ctr"/>
+            <a:endParaRPr lang="zh-CN" altLang="en-US"/>
+          </a:p>
+        </p:txBody>
+      </p:sp>
+    </p:spTree>
+  </p:cSld>
+  <p:clrMapOvr>
+    <a:masterClrMapping/>
+  </p:clrMapOvr>
+</p:sld>
+</file>
+
+<file path=ppt/slides/slide30.xml><?xml version="1.0" encoding="utf-8"?>
 <p:sld xmlns:a="http://schemas.openxmlformats.org/drawingml/2006/main" xmlns:r="http://schemas.openxmlformats.org/officeDocument/2006/relationships" xmlns:p="http://schemas.openxmlformats.org/presentationml/2006/main">
   <p:cSld>
     <p:spTree>
@@ -25762,909 +27192,7 @@
 </p:sld>
 </file>
 
-<file path=ppt/slides/slide3.xml><?xml version="1.0" encoding="utf-8"?>
-<p:sld xmlns:a="http://schemas.openxmlformats.org/drawingml/2006/main" xmlns:r="http://schemas.openxmlformats.org/officeDocument/2006/relationships" xmlns:p="http://schemas.openxmlformats.org/presentationml/2006/main">
-  <p:cSld>
-    <p:spTree>
-      <p:nvGrpSpPr>
-        <p:cNvPr id="1" name=""/>
-        <p:cNvGrpSpPr/>
-        <p:nvPr/>
-      </p:nvGrpSpPr>
-      <p:grpSpPr>
-        <a:xfrm>
-          <a:off x="0" y="0"/>
-          <a:ext cx="0" cy="0"/>
-          <a:chOff x="0" y="0"/>
-          <a:chExt cx="0" cy="0"/>
-        </a:xfrm>
-      </p:grpSpPr>
-      <p:sp>
-        <p:nvSpPr>
-          <p:cNvPr id="3" name="内容占位符 2"/>
-          <p:cNvSpPr>
-            <a:spLocks noGrp="1"/>
-          </p:cNvSpPr>
-          <p:nvPr>
-            <p:ph idx="1"/>
-          </p:nvPr>
-        </p:nvSpPr>
-        <p:spPr>
-          <a:xfrm>
-            <a:off x="961450" y="1505675"/>
-            <a:ext cx="5543854" cy="4389120"/>
-          </a:xfrm>
-        </p:spPr>
-        <p:txBody>
-          <a:bodyPr/>
-          <a:lstStyle/>
-          <a:p>
-            <a:pPr>
-              <a:lnSpc>
-                <a:spcPct val="150000"/>
-              </a:lnSpc>
-            </a:pPr>
-            <a:r>
-              <a:rPr lang="zh-CN" altLang="en-US" dirty="0"/>
-              <a:t>健壮性分析中三种元素的交互规则：</a:t>
-            </a:r>
-            <a:endParaRPr lang="en-US" altLang="zh-CN" dirty="0"/>
-          </a:p>
-          <a:p>
-            <a:pPr lvl="1">
-              <a:lnSpc>
-                <a:spcPct val="150000"/>
-              </a:lnSpc>
-            </a:pPr>
-            <a:r>
-              <a:rPr lang="zh-CN" altLang="en-US" dirty="0">
-                <a:solidFill>
-                  <a:srgbClr val="FF0000"/>
-                </a:solidFill>
-              </a:rPr>
-              <a:t>执行者</a:t>
-            </a:r>
-            <a:r>
-              <a:rPr lang="zh-CN" altLang="en-US" dirty="0"/>
-              <a:t>只可以和</a:t>
-            </a:r>
-            <a:r>
-              <a:rPr lang="zh-CN" altLang="en-US" dirty="0">
-                <a:solidFill>
-                  <a:srgbClr val="FF0000"/>
-                </a:solidFill>
-              </a:rPr>
-              <a:t>边界</a:t>
-            </a:r>
-            <a:r>
-              <a:rPr lang="zh-CN" altLang="en-US" dirty="0"/>
-              <a:t>对象通话；</a:t>
-            </a:r>
-            <a:endParaRPr lang="en-US" altLang="zh-CN" dirty="0"/>
-          </a:p>
-          <a:p>
-            <a:pPr lvl="1">
-              <a:lnSpc>
-                <a:spcPct val="150000"/>
-              </a:lnSpc>
-            </a:pPr>
-            <a:r>
-              <a:rPr lang="zh-CN" altLang="en-US" dirty="0">
-                <a:solidFill>
-                  <a:srgbClr val="FF0000"/>
-                </a:solidFill>
-              </a:rPr>
-              <a:t>边界</a:t>
-            </a:r>
-            <a:r>
-              <a:rPr lang="zh-CN" altLang="en-US" dirty="0"/>
-              <a:t>对象和</a:t>
-            </a:r>
-            <a:r>
-              <a:rPr lang="zh-CN" altLang="en-US" dirty="0">
-                <a:solidFill>
-                  <a:srgbClr val="FF0000"/>
-                </a:solidFill>
-              </a:rPr>
-              <a:t>控制器</a:t>
-            </a:r>
-            <a:r>
-              <a:rPr lang="zh-CN" altLang="en-US" dirty="0"/>
-              <a:t>可以互相通话（</a:t>
-            </a:r>
-            <a:r>
-              <a:rPr lang="zh-CN" altLang="en-US" b="1" dirty="0">
-                <a:solidFill>
-                  <a:srgbClr val="FF0000"/>
-                </a:solidFill>
-              </a:rPr>
-              <a:t>名词</a:t>
-            </a:r>
-            <a:r>
-              <a:rPr lang="en-US" altLang="en-US" b="1" dirty="0">
-                <a:solidFill>
-                  <a:srgbClr val="FF0000"/>
-                </a:solidFill>
-              </a:rPr>
-              <a:t>&lt;-&gt;</a:t>
-            </a:r>
-            <a:r>
-              <a:rPr lang="zh-CN" altLang="en-US" b="1" dirty="0">
-                <a:solidFill>
-                  <a:srgbClr val="FF0000"/>
-                </a:solidFill>
-              </a:rPr>
-              <a:t>动词</a:t>
-            </a:r>
-            <a:r>
-              <a:rPr lang="zh-CN" altLang="en-US" dirty="0"/>
-              <a:t>）；</a:t>
-            </a:r>
-            <a:endParaRPr lang="en-US" altLang="zh-CN" dirty="0"/>
-          </a:p>
-          <a:p>
-            <a:pPr lvl="1">
-              <a:lnSpc>
-                <a:spcPct val="150000"/>
-              </a:lnSpc>
-            </a:pPr>
-            <a:r>
-              <a:rPr lang="zh-CN" altLang="en-US" dirty="0">
-                <a:solidFill>
-                  <a:srgbClr val="FF0000"/>
-                </a:solidFill>
-              </a:rPr>
-              <a:t>控制器</a:t>
-            </a:r>
-            <a:r>
-              <a:rPr lang="zh-CN" altLang="en-US" dirty="0"/>
-              <a:t>可以和另一个</a:t>
-            </a:r>
-            <a:r>
-              <a:rPr lang="zh-CN" altLang="en-US" dirty="0">
-                <a:solidFill>
-                  <a:srgbClr val="FF0000"/>
-                </a:solidFill>
-              </a:rPr>
-              <a:t>控制器</a:t>
-            </a:r>
-            <a:r>
-              <a:rPr lang="zh-CN" altLang="en-US" dirty="0"/>
-              <a:t>通话（</a:t>
-            </a:r>
-            <a:r>
-              <a:rPr lang="zh-CN" altLang="en-US" b="1" dirty="0">
-                <a:solidFill>
-                  <a:srgbClr val="FF0000"/>
-                </a:solidFill>
-              </a:rPr>
-              <a:t>动词</a:t>
-            </a:r>
-            <a:r>
-              <a:rPr lang="en-US" altLang="en-US" b="1" dirty="0">
-                <a:solidFill>
-                  <a:srgbClr val="FF0000"/>
-                </a:solidFill>
-              </a:rPr>
-              <a:t>&lt;-&gt;</a:t>
-            </a:r>
-            <a:r>
-              <a:rPr lang="zh-CN" altLang="en-US" b="1" dirty="0">
-                <a:solidFill>
-                  <a:srgbClr val="FF0000"/>
-                </a:solidFill>
-              </a:rPr>
-              <a:t>动词</a:t>
-            </a:r>
-            <a:r>
-              <a:rPr lang="zh-CN" altLang="en-US" dirty="0"/>
-              <a:t>）；</a:t>
-            </a:r>
-            <a:endParaRPr lang="zh-CN" altLang="en-US" dirty="0"/>
-          </a:p>
-          <a:p>
-            <a:pPr lvl="1">
-              <a:lnSpc>
-                <a:spcPct val="150000"/>
-              </a:lnSpc>
-            </a:pPr>
-            <a:r>
-              <a:rPr lang="zh-CN" altLang="en-US" dirty="0">
-                <a:solidFill>
-                  <a:srgbClr val="FF0000"/>
-                </a:solidFill>
-              </a:rPr>
-              <a:t>控制器</a:t>
-            </a:r>
-            <a:r>
-              <a:rPr lang="zh-CN" altLang="en-US" dirty="0"/>
-              <a:t>和</a:t>
-            </a:r>
-            <a:r>
-              <a:rPr lang="zh-CN" altLang="en-US" dirty="0">
-                <a:solidFill>
-                  <a:srgbClr val="FF0000"/>
-                </a:solidFill>
-              </a:rPr>
-              <a:t>实体</a:t>
-            </a:r>
-            <a:r>
-              <a:rPr lang="zh-CN" altLang="en-US" dirty="0"/>
-              <a:t>对象可以互相通话（</a:t>
-            </a:r>
-            <a:r>
-              <a:rPr lang="zh-CN" altLang="en-US" b="1" dirty="0">
-                <a:solidFill>
-                  <a:srgbClr val="FF0000"/>
-                </a:solidFill>
-              </a:rPr>
-              <a:t>动词</a:t>
-            </a:r>
-            <a:r>
-              <a:rPr lang="en-US" altLang="en-US" b="1" dirty="0">
-                <a:solidFill>
-                  <a:srgbClr val="FF0000"/>
-                </a:solidFill>
-              </a:rPr>
-              <a:t>&lt;-&gt;</a:t>
-            </a:r>
-            <a:r>
-              <a:rPr lang="zh-CN" altLang="en-US" b="1" dirty="0">
-                <a:solidFill>
-                  <a:srgbClr val="FF0000"/>
-                </a:solidFill>
-              </a:rPr>
-              <a:t>名词</a:t>
-            </a:r>
-            <a:r>
-              <a:rPr lang="zh-CN" altLang="en-US" dirty="0"/>
-              <a:t>）；</a:t>
-            </a:r>
-            <a:endParaRPr lang="zh-CN" altLang="en-US" dirty="0"/>
-          </a:p>
-          <a:p>
-            <a:pPr lvl="1">
-              <a:lnSpc>
-                <a:spcPct val="150000"/>
-              </a:lnSpc>
-            </a:pPr>
-            <a:endParaRPr lang="en-US" altLang="zh-CN" dirty="0"/>
-          </a:p>
-          <a:p>
-            <a:pPr>
-              <a:lnSpc>
-                <a:spcPct val="150000"/>
-              </a:lnSpc>
-            </a:pPr>
-            <a:endParaRPr lang="zh-CN" altLang="en-US" dirty="0"/>
-          </a:p>
-        </p:txBody>
-      </p:sp>
-      <p:pic>
-        <p:nvPicPr>
-          <p:cNvPr id="9" name="Picture 2"/>
-          <p:cNvPicPr>
-            <a:picLocks noChangeAspect="1" noChangeArrowheads="1"/>
-          </p:cNvPicPr>
-          <p:nvPr/>
-        </p:nvPicPr>
-        <p:blipFill>
-          <a:blip r:embed="rId1">
-            <a:clrChange>
-              <a:clrFrom>
-                <a:srgbClr val="FFFFFF"/>
-              </a:clrFrom>
-              <a:clrTo>
-                <a:srgbClr val="FFFFFF">
-                  <a:alpha val="0"/>
-                </a:srgbClr>
-              </a:clrTo>
-            </a:clrChange>
-          </a:blip>
-          <a:srcRect l="8106" t="3456" r="7068" b="3786"/>
-          <a:stretch>
-            <a:fillRect/>
-          </a:stretch>
-        </p:blipFill>
-        <p:spPr bwMode="auto">
-          <a:xfrm>
-            <a:off x="6900226" y="1758799"/>
-            <a:ext cx="5064485" cy="4135996"/>
-          </a:xfrm>
-          <a:prstGeom prst="rect">
-            <a:avLst/>
-          </a:prstGeom>
-          <a:solidFill>
-            <a:schemeClr val="bg1"/>
-          </a:solidFill>
-          <a:ln w="9525">
-            <a:noFill/>
-            <a:miter lim="800000"/>
-            <a:headEnd/>
-            <a:tailEnd/>
-          </a:ln>
-        </p:spPr>
-      </p:pic>
-      <p:sp>
-        <p:nvSpPr>
-          <p:cNvPr id="5" name="文本框 4"/>
-          <p:cNvSpPr txBox="1"/>
-          <p:nvPr/>
-        </p:nvSpPr>
-        <p:spPr>
-          <a:xfrm>
-            <a:off x="274320" y="449590"/>
-            <a:ext cx="4698722" cy="584775"/>
-          </a:xfrm>
-          <a:prstGeom prst="rect">
-            <a:avLst/>
-          </a:prstGeom>
-          <a:noFill/>
-        </p:spPr>
-        <p:txBody>
-          <a:bodyPr wrap="none" rtlCol="0">
-            <a:spAutoFit/>
-          </a:bodyPr>
-          <a:lstStyle/>
-          <a:p>
-            <a:r>
-              <a:rPr lang="zh-CN" altLang="en-US" sz="3200" b="1" dirty="0">
-                <a:solidFill>
-                  <a:srgbClr val="141316"/>
-                </a:solidFill>
-                <a:latin typeface="微软雅黑" panose="020B0503020204020204" pitchFamily="34" charset="-122"/>
-                <a:ea typeface="微软雅黑" panose="020B0503020204020204" pitchFamily="34" charset="-122"/>
-              </a:rPr>
-              <a:t>健壮性分析中的基本概念</a:t>
-            </a:r>
-            <a:endParaRPr lang="zh-CN" altLang="en-US" sz="3200" b="1" dirty="0">
-              <a:solidFill>
-                <a:srgbClr val="141316"/>
-              </a:solidFill>
-              <a:latin typeface="微软雅黑" panose="020B0503020204020204" pitchFamily="34" charset="-122"/>
-              <a:ea typeface="微软雅黑" panose="020B0503020204020204" pitchFamily="34" charset="-122"/>
-            </a:endParaRPr>
-          </a:p>
-        </p:txBody>
-      </p:sp>
-      <p:cxnSp>
-        <p:nvCxnSpPr>
-          <p:cNvPr id="6" name="直接连接符 5"/>
-          <p:cNvCxnSpPr/>
-          <p:nvPr/>
-        </p:nvCxnSpPr>
-        <p:spPr>
-          <a:xfrm>
-            <a:off x="0" y="1019125"/>
-            <a:ext cx="12192000" cy="0"/>
-          </a:xfrm>
-          <a:prstGeom prst="line">
-            <a:avLst/>
-          </a:prstGeom>
-          <a:ln>
-            <a:solidFill>
-              <a:srgbClr val="B82E24"/>
-            </a:solidFill>
-            <a:prstDash val="solid"/>
-          </a:ln>
-        </p:spPr>
-        <p:style>
-          <a:lnRef idx="1">
-            <a:schemeClr val="accent1"/>
-          </a:lnRef>
-          <a:fillRef idx="0">
-            <a:schemeClr val="accent1"/>
-          </a:fillRef>
-          <a:effectRef idx="0">
-            <a:schemeClr val="accent1"/>
-          </a:effectRef>
-          <a:fontRef idx="minor">
-            <a:schemeClr val="tx1"/>
-          </a:fontRef>
-        </p:style>
-      </p:cxnSp>
-      <p:grpSp>
-        <p:nvGrpSpPr>
-          <p:cNvPr id="7" name="组合 6"/>
-          <p:cNvGrpSpPr/>
-          <p:nvPr/>
-        </p:nvGrpSpPr>
-        <p:grpSpPr>
-          <a:xfrm>
-            <a:off x="4954158" y="618055"/>
-            <a:ext cx="491490" cy="318085"/>
-            <a:chOff x="3017520" y="601990"/>
-            <a:chExt cx="491490" cy="414010"/>
-          </a:xfrm>
-        </p:grpSpPr>
-        <p:sp>
-          <p:nvSpPr>
-            <p:cNvPr id="8" name="燕尾形 7"/>
-            <p:cNvSpPr/>
-            <p:nvPr/>
-          </p:nvSpPr>
-          <p:spPr>
-            <a:xfrm>
-              <a:off x="3017520" y="601990"/>
-              <a:ext cx="198120" cy="414010"/>
-            </a:xfrm>
-            <a:prstGeom prst="chevron">
-              <a:avLst/>
-            </a:prstGeom>
-            <a:solidFill>
-              <a:srgbClr val="F5715B"/>
-            </a:solidFill>
-            <a:ln>
-              <a:noFill/>
-            </a:ln>
-          </p:spPr>
-          <p:style>
-            <a:lnRef idx="2">
-              <a:schemeClr val="accent1">
-                <a:shade val="50000"/>
-              </a:schemeClr>
-            </a:lnRef>
-            <a:fillRef idx="1">
-              <a:schemeClr val="accent1"/>
-            </a:fillRef>
-            <a:effectRef idx="0">
-              <a:schemeClr val="accent1"/>
-            </a:effectRef>
-            <a:fontRef idx="minor">
-              <a:schemeClr val="lt1"/>
-            </a:fontRef>
-          </p:style>
-          <p:txBody>
-            <a:bodyPr rtlCol="0" anchor="ctr"/>
-            <a:lstStyle/>
-            <a:p>
-              <a:pPr algn="ctr"/>
-              <a:endParaRPr lang="zh-CN" altLang="en-US">
-                <a:solidFill>
-                  <a:schemeClr val="tx1"/>
-                </a:solidFill>
-              </a:endParaRPr>
-            </a:p>
-          </p:txBody>
-        </p:sp>
-        <p:sp>
-          <p:nvSpPr>
-            <p:cNvPr id="10" name="燕尾形 9"/>
-            <p:cNvSpPr/>
-            <p:nvPr/>
-          </p:nvSpPr>
-          <p:spPr>
-            <a:xfrm>
-              <a:off x="3164205" y="601990"/>
-              <a:ext cx="198120" cy="414010"/>
-            </a:xfrm>
-            <a:prstGeom prst="chevron">
-              <a:avLst/>
-            </a:prstGeom>
-            <a:solidFill>
-              <a:srgbClr val="F93D32"/>
-            </a:solidFill>
-            <a:ln>
-              <a:noFill/>
-            </a:ln>
-          </p:spPr>
-          <p:style>
-            <a:lnRef idx="2">
-              <a:schemeClr val="accent1">
-                <a:shade val="50000"/>
-              </a:schemeClr>
-            </a:lnRef>
-            <a:fillRef idx="1">
-              <a:schemeClr val="accent1"/>
-            </a:fillRef>
-            <a:effectRef idx="0">
-              <a:schemeClr val="accent1"/>
-            </a:effectRef>
-            <a:fontRef idx="minor">
-              <a:schemeClr val="lt1"/>
-            </a:fontRef>
-          </p:style>
-          <p:txBody>
-            <a:bodyPr rtlCol="0" anchor="ctr"/>
-            <a:lstStyle/>
-            <a:p>
-              <a:pPr algn="ctr"/>
-              <a:endParaRPr lang="zh-CN" altLang="en-US">
-                <a:solidFill>
-                  <a:schemeClr val="tx1"/>
-                </a:solidFill>
-              </a:endParaRPr>
-            </a:p>
-          </p:txBody>
-        </p:sp>
-        <p:sp>
-          <p:nvSpPr>
-            <p:cNvPr id="11" name="燕尾形 10"/>
-            <p:cNvSpPr/>
-            <p:nvPr/>
-          </p:nvSpPr>
-          <p:spPr>
-            <a:xfrm>
-              <a:off x="3310890" y="601990"/>
-              <a:ext cx="198120" cy="414010"/>
-            </a:xfrm>
-            <a:prstGeom prst="chevron">
-              <a:avLst/>
-            </a:prstGeom>
-            <a:solidFill>
-              <a:srgbClr val="B82E24"/>
-            </a:solidFill>
-            <a:ln>
-              <a:noFill/>
-            </a:ln>
-          </p:spPr>
-          <p:style>
-            <a:lnRef idx="2">
-              <a:schemeClr val="accent1">
-                <a:shade val="50000"/>
-              </a:schemeClr>
-            </a:lnRef>
-            <a:fillRef idx="1">
-              <a:schemeClr val="accent1"/>
-            </a:fillRef>
-            <a:effectRef idx="0">
-              <a:schemeClr val="accent1"/>
-            </a:effectRef>
-            <a:fontRef idx="minor">
-              <a:schemeClr val="lt1"/>
-            </a:fontRef>
-          </p:style>
-          <p:txBody>
-            <a:bodyPr rtlCol="0" anchor="ctr"/>
-            <a:lstStyle/>
-            <a:p>
-              <a:pPr algn="ctr"/>
-              <a:endParaRPr lang="zh-CN" altLang="en-US">
-                <a:solidFill>
-                  <a:schemeClr val="tx1"/>
-                </a:solidFill>
-              </a:endParaRPr>
-            </a:p>
-          </p:txBody>
-        </p:sp>
-      </p:grpSp>
-      <p:sp>
-        <p:nvSpPr>
-          <p:cNvPr id="12" name="矩形 11"/>
-          <p:cNvSpPr/>
-          <p:nvPr/>
-        </p:nvSpPr>
-        <p:spPr>
-          <a:xfrm>
-            <a:off x="7818120" y="912444"/>
-            <a:ext cx="944880" cy="103556"/>
-          </a:xfrm>
-          <a:prstGeom prst="rect">
-            <a:avLst/>
-          </a:prstGeom>
-          <a:solidFill>
-            <a:schemeClr val="tx1">
-              <a:lumMod val="65000"/>
-              <a:lumOff val="35000"/>
-            </a:schemeClr>
-          </a:solidFill>
-          <a:ln>
-            <a:noFill/>
-          </a:ln>
-        </p:spPr>
-        <p:style>
-          <a:lnRef idx="2">
-            <a:schemeClr val="accent1">
-              <a:shade val="50000"/>
-            </a:schemeClr>
-          </a:lnRef>
-          <a:fillRef idx="1">
-            <a:schemeClr val="accent1"/>
-          </a:fillRef>
-          <a:effectRef idx="0">
-            <a:schemeClr val="accent1"/>
-          </a:effectRef>
-          <a:fontRef idx="minor">
-            <a:schemeClr val="lt1"/>
-          </a:fontRef>
-        </p:style>
-        <p:txBody>
-          <a:bodyPr rtlCol="0" anchor="ctr"/>
-          <a:lstStyle/>
-          <a:p>
-            <a:pPr algn="ctr"/>
-            <a:endParaRPr lang="zh-CN" altLang="en-US"/>
-          </a:p>
-        </p:txBody>
-      </p:sp>
-      <p:sp>
-        <p:nvSpPr>
-          <p:cNvPr id="13" name="矩形 12"/>
-          <p:cNvSpPr/>
-          <p:nvPr/>
-        </p:nvSpPr>
-        <p:spPr>
-          <a:xfrm>
-            <a:off x="8885357" y="912444"/>
-            <a:ext cx="944880" cy="103556"/>
-          </a:xfrm>
-          <a:prstGeom prst="rect">
-            <a:avLst/>
-          </a:prstGeom>
-          <a:solidFill>
-            <a:schemeClr val="tx1">
-              <a:lumMod val="65000"/>
-              <a:lumOff val="35000"/>
-            </a:schemeClr>
-          </a:solidFill>
-          <a:ln>
-            <a:noFill/>
-          </a:ln>
-        </p:spPr>
-        <p:style>
-          <a:lnRef idx="2">
-            <a:schemeClr val="accent1">
-              <a:shade val="50000"/>
-            </a:schemeClr>
-          </a:lnRef>
-          <a:fillRef idx="1">
-            <a:schemeClr val="accent1"/>
-          </a:fillRef>
-          <a:effectRef idx="0">
-            <a:schemeClr val="accent1"/>
-          </a:effectRef>
-          <a:fontRef idx="minor">
-            <a:schemeClr val="lt1"/>
-          </a:fontRef>
-        </p:style>
-        <p:txBody>
-          <a:bodyPr rtlCol="0" anchor="ctr"/>
-          <a:lstStyle/>
-          <a:p>
-            <a:pPr algn="ctr"/>
-            <a:endParaRPr lang="zh-CN" altLang="en-US"/>
-          </a:p>
-        </p:txBody>
-      </p:sp>
-      <p:sp>
-        <p:nvSpPr>
-          <p:cNvPr id="14" name="矩形 13"/>
-          <p:cNvSpPr/>
-          <p:nvPr/>
-        </p:nvSpPr>
-        <p:spPr>
-          <a:xfrm>
-            <a:off x="9952594" y="912444"/>
-            <a:ext cx="944880" cy="103556"/>
-          </a:xfrm>
-          <a:prstGeom prst="rect">
-            <a:avLst/>
-          </a:prstGeom>
-          <a:solidFill>
-            <a:schemeClr val="tx1">
-              <a:lumMod val="65000"/>
-              <a:lumOff val="35000"/>
-            </a:schemeClr>
-          </a:solidFill>
-          <a:ln>
-            <a:noFill/>
-          </a:ln>
-        </p:spPr>
-        <p:style>
-          <a:lnRef idx="2">
-            <a:schemeClr val="accent1">
-              <a:shade val="50000"/>
-            </a:schemeClr>
-          </a:lnRef>
-          <a:fillRef idx="1">
-            <a:schemeClr val="accent1"/>
-          </a:fillRef>
-          <a:effectRef idx="0">
-            <a:schemeClr val="accent1"/>
-          </a:effectRef>
-          <a:fontRef idx="minor">
-            <a:schemeClr val="lt1"/>
-          </a:fontRef>
-        </p:style>
-        <p:txBody>
-          <a:bodyPr rtlCol="0" anchor="ctr"/>
-          <a:lstStyle/>
-          <a:p>
-            <a:pPr algn="ctr"/>
-            <a:endParaRPr lang="zh-CN" altLang="en-US"/>
-          </a:p>
-        </p:txBody>
-      </p:sp>
-      <p:sp>
-        <p:nvSpPr>
-          <p:cNvPr id="15" name="矩形 14"/>
-          <p:cNvSpPr/>
-          <p:nvPr/>
-        </p:nvSpPr>
-        <p:spPr>
-          <a:xfrm>
-            <a:off x="11019831" y="912444"/>
-            <a:ext cx="944880" cy="103556"/>
-          </a:xfrm>
-          <a:prstGeom prst="rect">
-            <a:avLst/>
-          </a:prstGeom>
-          <a:solidFill>
-            <a:schemeClr val="tx1">
-              <a:lumMod val="65000"/>
-              <a:lumOff val="35000"/>
-            </a:schemeClr>
-          </a:solidFill>
-          <a:ln>
-            <a:noFill/>
-          </a:ln>
-        </p:spPr>
-        <p:style>
-          <a:lnRef idx="2">
-            <a:schemeClr val="accent1">
-              <a:shade val="50000"/>
-            </a:schemeClr>
-          </a:lnRef>
-          <a:fillRef idx="1">
-            <a:schemeClr val="accent1"/>
-          </a:fillRef>
-          <a:effectRef idx="0">
-            <a:schemeClr val="accent1"/>
-          </a:effectRef>
-          <a:fontRef idx="minor">
-            <a:schemeClr val="lt1"/>
-          </a:fontRef>
-        </p:style>
-        <p:txBody>
-          <a:bodyPr rtlCol="0" anchor="ctr"/>
-          <a:lstStyle/>
-          <a:p>
-            <a:pPr algn="ctr"/>
-            <a:endParaRPr lang="zh-CN" altLang="en-US"/>
-          </a:p>
-        </p:txBody>
-      </p:sp>
-      <p:sp>
-        <p:nvSpPr>
-          <p:cNvPr id="16" name="矩形 15"/>
-          <p:cNvSpPr/>
-          <p:nvPr/>
-        </p:nvSpPr>
-        <p:spPr>
-          <a:xfrm>
-            <a:off x="7818120" y="796875"/>
-            <a:ext cx="944880" cy="220253"/>
-          </a:xfrm>
-          <a:prstGeom prst="rect">
-            <a:avLst/>
-          </a:prstGeom>
-          <a:solidFill>
-            <a:srgbClr val="BE1007"/>
-          </a:solidFill>
-          <a:ln>
-            <a:noFill/>
-          </a:ln>
-        </p:spPr>
-        <p:style>
-          <a:lnRef idx="2">
-            <a:schemeClr val="accent1">
-              <a:shade val="50000"/>
-            </a:schemeClr>
-          </a:lnRef>
-          <a:fillRef idx="1">
-            <a:schemeClr val="accent1"/>
-          </a:fillRef>
-          <a:effectRef idx="0">
-            <a:schemeClr val="accent1"/>
-          </a:effectRef>
-          <a:fontRef idx="minor">
-            <a:schemeClr val="lt1"/>
-          </a:fontRef>
-        </p:style>
-        <p:txBody>
-          <a:bodyPr rtlCol="0" anchor="ctr"/>
-          <a:lstStyle/>
-          <a:p>
-            <a:pPr algn="ctr"/>
-            <a:endParaRPr lang="zh-CN" altLang="en-US"/>
-          </a:p>
-        </p:txBody>
-      </p:sp>
-    </p:spTree>
-  </p:cSld>
-  <p:clrMapOvr>
-    <a:masterClrMapping/>
-  </p:clrMapOvr>
-  <p:timing>
-    <p:tnLst>
-      <p:par>
-        <p:cTn id="1" dur="indefinite" restart="never" nodeType="tmRoot">
-          <p:childTnLst>
-            <p:seq concurrent="1" nextAc="seek">
-              <p:cTn id="2" dur="indefinite" nodeType="mainSeq">
-                <p:childTnLst>
-                  <p:par>
-                    <p:cTn id="3" fill="hold">
-                      <p:stCondLst>
-                        <p:cond delay="indefinite"/>
-                        <p:cond evt="onBegin" delay="0">
-                          <p:tn val="2"/>
-                        </p:cond>
-                      </p:stCondLst>
-                      <p:childTnLst>
-                        <p:par>
-                          <p:cTn id="4" fill="hold">
-                            <p:stCondLst>
-                              <p:cond delay="0"/>
-                            </p:stCondLst>
-                            <p:childTnLst>
-                              <p:par>
-                                <p:cTn id="5" presetID="10" presetClass="entr" presetSubtype="0" fill="hold" nodeType="withEffect">
-                                  <p:stCondLst>
-                                    <p:cond delay="0"/>
-                                  </p:stCondLst>
-                                  <p:childTnLst>
-                                    <p:set>
-                                      <p:cBhvr>
-                                        <p:cTn id="6" dur="1" fill="hold">
-                                          <p:stCondLst>
-                                            <p:cond delay="0"/>
-                                          </p:stCondLst>
-                                        </p:cTn>
-                                        <p:tgtEl>
-                                          <p:spTgt spid="9"/>
-                                        </p:tgtEl>
-                                        <p:attrNameLst>
-                                          <p:attrName>style.visibility</p:attrName>
-                                        </p:attrNameLst>
-                                      </p:cBhvr>
-                                      <p:to>
-                                        <p:strVal val="visible"/>
-                                      </p:to>
-                                    </p:set>
-                                    <p:animEffect transition="in" filter="fade">
-                                      <p:cBhvr>
-                                        <p:cTn id="7" dur="2000"/>
-                                        <p:tgtEl>
-                                          <p:spTgt spid="9"/>
-                                        </p:tgtEl>
-                                      </p:cBhvr>
-                                    </p:animEffect>
-                                  </p:childTnLst>
-                                </p:cTn>
-                              </p:par>
-                            </p:childTnLst>
-                          </p:cTn>
-                        </p:par>
-                      </p:childTnLst>
-                    </p:cTn>
-                  </p:par>
-                </p:childTnLst>
-              </p:cTn>
-              <p:prevCondLst>
-                <p:cond evt="onPrev" delay="0">
-                  <p:tgtEl>
-                    <p:sldTgt/>
-                  </p:tgtEl>
-                </p:cond>
-              </p:prevCondLst>
-              <p:nextCondLst>
-                <p:cond evt="onNext" delay="0">
-                  <p:tgtEl>
-                    <p:sldTgt/>
-                  </p:tgtEl>
-                </p:cond>
-              </p:nextCondLst>
-            </p:seq>
-          </p:childTnLst>
-        </p:cTn>
-      </p:par>
-    </p:tnLst>
-  </p:timing>
-</p:sld>
-</file>
-
-<file path=ppt/slides/slide30.xml><?xml version="1.0" encoding="utf-8"?>
+<file path=ppt/slides/slide31.xml><?xml version="1.0" encoding="utf-8"?>
 <p:sld xmlns:a="http://schemas.openxmlformats.org/drawingml/2006/main" xmlns:r="http://schemas.openxmlformats.org/officeDocument/2006/relationships" xmlns:p="http://schemas.openxmlformats.org/presentationml/2006/main">
   <p:cSld>
     <p:spTree>
@@ -28889,7 +29417,7 @@
 </p:sld>
 </file>
 
-<file path=ppt/slides/slide31.xml><?xml version="1.0" encoding="utf-8"?>
+<file path=ppt/slides/slide32.xml><?xml version="1.0" encoding="utf-8"?>
 <p:sld xmlns:a="http://schemas.openxmlformats.org/drawingml/2006/main" xmlns:r="http://schemas.openxmlformats.org/officeDocument/2006/relationships" xmlns:p="http://schemas.openxmlformats.org/presentationml/2006/main">
   <p:cSld>
     <p:spTree>
@@ -29493,7 +30021,7 @@
 </p:sld>
 </file>
 
-<file path=ppt/slides/slide32.xml><?xml version="1.0" encoding="utf-8"?>
+<file path=ppt/slides/slide33.xml><?xml version="1.0" encoding="utf-8"?>
 <p:sld xmlns:a="http://schemas.openxmlformats.org/drawingml/2006/main" xmlns:r="http://schemas.openxmlformats.org/officeDocument/2006/relationships" xmlns:p="http://schemas.openxmlformats.org/presentationml/2006/main">
   <p:cSld>
     <p:spTree>
@@ -30232,585 +30760,6 @@
 </p:sld>
 </file>
 
-<file path=ppt/slides/slide33.xml><?xml version="1.0" encoding="utf-8"?>
-<p:sld xmlns:a="http://schemas.openxmlformats.org/drawingml/2006/main" xmlns:r="http://schemas.openxmlformats.org/officeDocument/2006/relationships" xmlns:p="http://schemas.openxmlformats.org/presentationml/2006/main">
-  <p:cSld>
-    <p:spTree>
-      <p:nvGrpSpPr>
-        <p:cNvPr id="1" name=""/>
-        <p:cNvGrpSpPr/>
-        <p:nvPr/>
-      </p:nvGrpSpPr>
-      <p:grpSpPr>
-        <a:xfrm>
-          <a:off x="0" y="0"/>
-          <a:ext cx="0" cy="0"/>
-          <a:chOff x="0" y="0"/>
-          <a:chExt cx="0" cy="0"/>
-        </a:xfrm>
-      </p:grpSpPr>
-      <p:sp>
-        <p:nvSpPr>
-          <p:cNvPr id="3" name="内容占位符 2"/>
-          <p:cNvSpPr>
-            <a:spLocks noGrp="1"/>
-          </p:cNvSpPr>
-          <p:nvPr>
-            <p:ph idx="1"/>
-          </p:nvPr>
-        </p:nvSpPr>
-        <p:spPr>
-          <a:xfrm>
-            <a:off x="609600" y="1334588"/>
-            <a:ext cx="10972800" cy="4389120"/>
-          </a:xfrm>
-        </p:spPr>
-        <p:txBody>
-          <a:bodyPr/>
-          <a:lstStyle/>
-          <a:p>
-            <a:pPr>
-              <a:lnSpc>
-                <a:spcPct val="150000"/>
-              </a:lnSpc>
-            </a:pPr>
-            <a:r>
-              <a:rPr lang="zh-CN" altLang="en-US" sz="2200" b="1" dirty="0"/>
-              <a:t>确保关键设计的“如何做”和需求阶段的“做什么”匹配。也就是说每个用例都要和序列图匹配，包含了用例的基本流程和分支流程。</a:t>
-            </a:r>
-            <a:endParaRPr lang="zh-CN" altLang="en-US" sz="2200" b="1" dirty="0"/>
-          </a:p>
-          <a:p>
-            <a:pPr>
-              <a:lnSpc>
-                <a:spcPct val="150000"/>
-              </a:lnSpc>
-            </a:pPr>
-            <a:r>
-              <a:rPr lang="zh-CN" altLang="en-US" sz="2200" b="1" dirty="0"/>
-              <a:t>复核设计的品质。应该至少有一个设计专家在场。</a:t>
-            </a:r>
-            <a:endParaRPr lang="zh-CN" altLang="en-US" sz="2200" b="1" dirty="0"/>
-          </a:p>
-          <a:p>
-            <a:pPr>
-              <a:lnSpc>
-                <a:spcPct val="150000"/>
-              </a:lnSpc>
-            </a:pPr>
-            <a:r>
-              <a:rPr lang="zh-CN" altLang="en-US" sz="2200" b="1" dirty="0"/>
-              <a:t>检查消息的连贯性。检查时序图上消息箭头的指向，有时我们会发现对象之间缺少消息而造成跳跃，我们必须消除这些逻辑跳跃。</a:t>
-            </a:r>
-            <a:endParaRPr lang="en-US" altLang="zh-CN" sz="2200" b="1" dirty="0"/>
-          </a:p>
-          <a:p>
-            <a:pPr>
-              <a:lnSpc>
-                <a:spcPct val="150000"/>
-              </a:lnSpc>
-            </a:pPr>
-            <a:r>
-              <a:rPr lang="zh-CN" altLang="en-US" sz="2200" b="1" dirty="0"/>
-              <a:t>确保方法分配给了适当的类，类视图中的每一个类拥有适当的方法和属性。</a:t>
-            </a:r>
-            <a:endParaRPr lang="zh-CN" altLang="en-US" sz="2200" b="1" dirty="0"/>
-          </a:p>
-        </p:txBody>
-      </p:sp>
-      <p:sp>
-        <p:nvSpPr>
-          <p:cNvPr id="4" name="文本框 3"/>
-          <p:cNvSpPr txBox="1"/>
-          <p:nvPr/>
-        </p:nvSpPr>
-        <p:spPr>
-          <a:xfrm>
-            <a:off x="274320" y="449590"/>
-            <a:ext cx="4698722" cy="584775"/>
-          </a:xfrm>
-          <a:prstGeom prst="rect">
-            <a:avLst/>
-          </a:prstGeom>
-          <a:noFill/>
-        </p:spPr>
-        <p:txBody>
-          <a:bodyPr wrap="none" rtlCol="0">
-            <a:spAutoFit/>
-          </a:bodyPr>
-          <a:lstStyle/>
-          <a:p>
-            <a:r>
-              <a:rPr lang="zh-CN" altLang="en-US" sz="3200" b="1" dirty="0">
-                <a:solidFill>
-                  <a:srgbClr val="141316"/>
-                </a:solidFill>
-                <a:latin typeface="微软雅黑" panose="020B0503020204020204" pitchFamily="34" charset="-122"/>
-                <a:ea typeface="微软雅黑" panose="020B0503020204020204" pitchFamily="34" charset="-122"/>
-              </a:rPr>
-              <a:t>关键设计复核的指导建议</a:t>
-            </a:r>
-            <a:endParaRPr lang="zh-CN" altLang="en-US" sz="3200" b="1" dirty="0">
-              <a:solidFill>
-                <a:srgbClr val="141316"/>
-              </a:solidFill>
-              <a:latin typeface="微软雅黑" panose="020B0503020204020204" pitchFamily="34" charset="-122"/>
-              <a:ea typeface="微软雅黑" panose="020B0503020204020204" pitchFamily="34" charset="-122"/>
-            </a:endParaRPr>
-          </a:p>
-        </p:txBody>
-      </p:sp>
-      <p:cxnSp>
-        <p:nvCxnSpPr>
-          <p:cNvPr id="5" name="直接连接符 4"/>
-          <p:cNvCxnSpPr/>
-          <p:nvPr/>
-        </p:nvCxnSpPr>
-        <p:spPr>
-          <a:xfrm>
-            <a:off x="0" y="1019125"/>
-            <a:ext cx="12192000" cy="0"/>
-          </a:xfrm>
-          <a:prstGeom prst="line">
-            <a:avLst/>
-          </a:prstGeom>
-          <a:ln>
-            <a:solidFill>
-              <a:srgbClr val="B82E24"/>
-            </a:solidFill>
-            <a:prstDash val="solid"/>
-          </a:ln>
-        </p:spPr>
-        <p:style>
-          <a:lnRef idx="1">
-            <a:schemeClr val="accent1"/>
-          </a:lnRef>
-          <a:fillRef idx="0">
-            <a:schemeClr val="accent1"/>
-          </a:fillRef>
-          <a:effectRef idx="0">
-            <a:schemeClr val="accent1"/>
-          </a:effectRef>
-          <a:fontRef idx="minor">
-            <a:schemeClr val="tx1"/>
-          </a:fontRef>
-        </p:style>
-      </p:cxnSp>
-      <p:sp>
-        <p:nvSpPr>
-          <p:cNvPr id="6" name="矩形 5"/>
-          <p:cNvSpPr/>
-          <p:nvPr/>
-        </p:nvSpPr>
-        <p:spPr>
-          <a:xfrm>
-            <a:off x="7818120" y="912444"/>
-            <a:ext cx="944880" cy="103556"/>
-          </a:xfrm>
-          <a:prstGeom prst="rect">
-            <a:avLst/>
-          </a:prstGeom>
-          <a:solidFill>
-            <a:schemeClr val="tx1">
-              <a:lumMod val="65000"/>
-              <a:lumOff val="35000"/>
-            </a:schemeClr>
-          </a:solidFill>
-          <a:ln>
-            <a:noFill/>
-          </a:ln>
-        </p:spPr>
-        <p:style>
-          <a:lnRef idx="2">
-            <a:schemeClr val="accent1">
-              <a:shade val="50000"/>
-            </a:schemeClr>
-          </a:lnRef>
-          <a:fillRef idx="1">
-            <a:schemeClr val="accent1"/>
-          </a:fillRef>
-          <a:effectRef idx="0">
-            <a:schemeClr val="accent1"/>
-          </a:effectRef>
-          <a:fontRef idx="minor">
-            <a:schemeClr val="lt1"/>
-          </a:fontRef>
-        </p:style>
-        <p:txBody>
-          <a:bodyPr rtlCol="0" anchor="ctr"/>
-          <a:lstStyle/>
-          <a:p>
-            <a:pPr algn="ctr"/>
-            <a:endParaRPr lang="zh-CN" altLang="en-US"/>
-          </a:p>
-        </p:txBody>
-      </p:sp>
-      <p:sp>
-        <p:nvSpPr>
-          <p:cNvPr id="7" name="矩形 6"/>
-          <p:cNvSpPr/>
-          <p:nvPr/>
-        </p:nvSpPr>
-        <p:spPr>
-          <a:xfrm>
-            <a:off x="8885357" y="912444"/>
-            <a:ext cx="944880" cy="103556"/>
-          </a:xfrm>
-          <a:prstGeom prst="rect">
-            <a:avLst/>
-          </a:prstGeom>
-          <a:solidFill>
-            <a:schemeClr val="tx1">
-              <a:lumMod val="65000"/>
-              <a:lumOff val="35000"/>
-            </a:schemeClr>
-          </a:solidFill>
-          <a:ln>
-            <a:noFill/>
-          </a:ln>
-        </p:spPr>
-        <p:style>
-          <a:lnRef idx="2">
-            <a:schemeClr val="accent1">
-              <a:shade val="50000"/>
-            </a:schemeClr>
-          </a:lnRef>
-          <a:fillRef idx="1">
-            <a:schemeClr val="accent1"/>
-          </a:fillRef>
-          <a:effectRef idx="0">
-            <a:schemeClr val="accent1"/>
-          </a:effectRef>
-          <a:fontRef idx="minor">
-            <a:schemeClr val="lt1"/>
-          </a:fontRef>
-        </p:style>
-        <p:txBody>
-          <a:bodyPr rtlCol="0" anchor="ctr"/>
-          <a:lstStyle/>
-          <a:p>
-            <a:pPr algn="ctr"/>
-            <a:endParaRPr lang="zh-CN" altLang="en-US"/>
-          </a:p>
-        </p:txBody>
-      </p:sp>
-      <p:sp>
-        <p:nvSpPr>
-          <p:cNvPr id="8" name="矩形 7"/>
-          <p:cNvSpPr/>
-          <p:nvPr/>
-        </p:nvSpPr>
-        <p:spPr>
-          <a:xfrm>
-            <a:off x="9952594" y="912444"/>
-            <a:ext cx="944880" cy="103556"/>
-          </a:xfrm>
-          <a:prstGeom prst="rect">
-            <a:avLst/>
-          </a:prstGeom>
-          <a:solidFill>
-            <a:schemeClr val="tx1">
-              <a:lumMod val="65000"/>
-              <a:lumOff val="35000"/>
-            </a:schemeClr>
-          </a:solidFill>
-          <a:ln>
-            <a:noFill/>
-          </a:ln>
-        </p:spPr>
-        <p:style>
-          <a:lnRef idx="2">
-            <a:schemeClr val="accent1">
-              <a:shade val="50000"/>
-            </a:schemeClr>
-          </a:lnRef>
-          <a:fillRef idx="1">
-            <a:schemeClr val="accent1"/>
-          </a:fillRef>
-          <a:effectRef idx="0">
-            <a:schemeClr val="accent1"/>
-          </a:effectRef>
-          <a:fontRef idx="minor">
-            <a:schemeClr val="lt1"/>
-          </a:fontRef>
-        </p:style>
-        <p:txBody>
-          <a:bodyPr rtlCol="0" anchor="ctr"/>
-          <a:lstStyle/>
-          <a:p>
-            <a:pPr algn="ctr"/>
-            <a:endParaRPr lang="zh-CN" altLang="en-US"/>
-          </a:p>
-        </p:txBody>
-      </p:sp>
-      <p:sp>
-        <p:nvSpPr>
-          <p:cNvPr id="9" name="矩形 8"/>
-          <p:cNvSpPr/>
-          <p:nvPr/>
-        </p:nvSpPr>
-        <p:spPr>
-          <a:xfrm>
-            <a:off x="11019831" y="912444"/>
-            <a:ext cx="944880" cy="103556"/>
-          </a:xfrm>
-          <a:prstGeom prst="rect">
-            <a:avLst/>
-          </a:prstGeom>
-          <a:solidFill>
-            <a:schemeClr val="tx1">
-              <a:lumMod val="65000"/>
-              <a:lumOff val="35000"/>
-            </a:schemeClr>
-          </a:solidFill>
-          <a:ln>
-            <a:noFill/>
-          </a:ln>
-        </p:spPr>
-        <p:style>
-          <a:lnRef idx="2">
-            <a:schemeClr val="accent1">
-              <a:shade val="50000"/>
-            </a:schemeClr>
-          </a:lnRef>
-          <a:fillRef idx="1">
-            <a:schemeClr val="accent1"/>
-          </a:fillRef>
-          <a:effectRef idx="0">
-            <a:schemeClr val="accent1"/>
-          </a:effectRef>
-          <a:fontRef idx="minor">
-            <a:schemeClr val="lt1"/>
-          </a:fontRef>
-        </p:style>
-        <p:txBody>
-          <a:bodyPr rtlCol="0" anchor="ctr"/>
-          <a:lstStyle/>
-          <a:p>
-            <a:pPr algn="ctr"/>
-            <a:endParaRPr lang="zh-CN" altLang="en-US"/>
-          </a:p>
-        </p:txBody>
-      </p:sp>
-      <p:sp>
-        <p:nvSpPr>
-          <p:cNvPr id="10" name="矩形 9"/>
-          <p:cNvSpPr/>
-          <p:nvPr/>
-        </p:nvSpPr>
-        <p:spPr>
-          <a:xfrm>
-            <a:off x="9958956" y="796875"/>
-            <a:ext cx="944880" cy="220253"/>
-          </a:xfrm>
-          <a:prstGeom prst="rect">
-            <a:avLst/>
-          </a:prstGeom>
-          <a:solidFill>
-            <a:srgbClr val="BE1007"/>
-          </a:solidFill>
-          <a:ln>
-            <a:noFill/>
-          </a:ln>
-        </p:spPr>
-        <p:style>
-          <a:lnRef idx="2">
-            <a:schemeClr val="accent1">
-              <a:shade val="50000"/>
-            </a:schemeClr>
-          </a:lnRef>
-          <a:fillRef idx="1">
-            <a:schemeClr val="accent1"/>
-          </a:fillRef>
-          <a:effectRef idx="0">
-            <a:schemeClr val="accent1"/>
-          </a:effectRef>
-          <a:fontRef idx="minor">
-            <a:schemeClr val="lt1"/>
-          </a:fontRef>
-        </p:style>
-        <p:txBody>
-          <a:bodyPr rtlCol="0" anchor="ctr"/>
-          <a:lstStyle/>
-          <a:p>
-            <a:pPr algn="ctr"/>
-            <a:endParaRPr lang="zh-CN" altLang="en-US"/>
-          </a:p>
-        </p:txBody>
-      </p:sp>
-      <p:grpSp>
-        <p:nvGrpSpPr>
-          <p:cNvPr id="11" name="组合 10"/>
-          <p:cNvGrpSpPr/>
-          <p:nvPr/>
-        </p:nvGrpSpPr>
-        <p:grpSpPr>
-          <a:xfrm>
-            <a:off x="4895462" y="637832"/>
-            <a:ext cx="491490" cy="318085"/>
-            <a:chOff x="3017520" y="601990"/>
-            <a:chExt cx="491490" cy="414010"/>
-          </a:xfrm>
-        </p:grpSpPr>
-        <p:sp>
-          <p:nvSpPr>
-            <p:cNvPr id="12" name="燕尾形 11"/>
-            <p:cNvSpPr/>
-            <p:nvPr/>
-          </p:nvSpPr>
-          <p:spPr>
-            <a:xfrm>
-              <a:off x="3017520" y="601990"/>
-              <a:ext cx="198120" cy="414010"/>
-            </a:xfrm>
-            <a:prstGeom prst="chevron">
-              <a:avLst/>
-            </a:prstGeom>
-            <a:solidFill>
-              <a:srgbClr val="F5715B"/>
-            </a:solidFill>
-            <a:ln>
-              <a:noFill/>
-            </a:ln>
-          </p:spPr>
-          <p:style>
-            <a:lnRef idx="2">
-              <a:schemeClr val="accent1">
-                <a:shade val="50000"/>
-              </a:schemeClr>
-            </a:lnRef>
-            <a:fillRef idx="1">
-              <a:schemeClr val="accent1"/>
-            </a:fillRef>
-            <a:effectRef idx="0">
-              <a:schemeClr val="accent1"/>
-            </a:effectRef>
-            <a:fontRef idx="minor">
-              <a:schemeClr val="lt1"/>
-            </a:fontRef>
-          </p:style>
-          <p:txBody>
-            <a:bodyPr rtlCol="0" anchor="ctr"/>
-            <a:lstStyle/>
-            <a:p>
-              <a:pPr algn="ctr"/>
-              <a:endParaRPr lang="zh-CN" altLang="en-US">
-                <a:solidFill>
-                  <a:schemeClr val="tx1"/>
-                </a:solidFill>
-              </a:endParaRPr>
-            </a:p>
-          </p:txBody>
-        </p:sp>
-        <p:sp>
-          <p:nvSpPr>
-            <p:cNvPr id="13" name="燕尾形 12"/>
-            <p:cNvSpPr/>
-            <p:nvPr/>
-          </p:nvSpPr>
-          <p:spPr>
-            <a:xfrm>
-              <a:off x="3164205" y="601990"/>
-              <a:ext cx="198120" cy="414010"/>
-            </a:xfrm>
-            <a:prstGeom prst="chevron">
-              <a:avLst/>
-            </a:prstGeom>
-            <a:solidFill>
-              <a:srgbClr val="F93D32"/>
-            </a:solidFill>
-            <a:ln>
-              <a:noFill/>
-            </a:ln>
-          </p:spPr>
-          <p:style>
-            <a:lnRef idx="2">
-              <a:schemeClr val="accent1">
-                <a:shade val="50000"/>
-              </a:schemeClr>
-            </a:lnRef>
-            <a:fillRef idx="1">
-              <a:schemeClr val="accent1"/>
-            </a:fillRef>
-            <a:effectRef idx="0">
-              <a:schemeClr val="accent1"/>
-            </a:effectRef>
-            <a:fontRef idx="minor">
-              <a:schemeClr val="lt1"/>
-            </a:fontRef>
-          </p:style>
-          <p:txBody>
-            <a:bodyPr rtlCol="0" anchor="ctr"/>
-            <a:lstStyle/>
-            <a:p>
-              <a:pPr algn="ctr"/>
-              <a:endParaRPr lang="zh-CN" altLang="en-US">
-                <a:solidFill>
-                  <a:schemeClr val="tx1"/>
-                </a:solidFill>
-              </a:endParaRPr>
-            </a:p>
-          </p:txBody>
-        </p:sp>
-        <p:sp>
-          <p:nvSpPr>
-            <p:cNvPr id="14" name="燕尾形 13"/>
-            <p:cNvSpPr/>
-            <p:nvPr/>
-          </p:nvSpPr>
-          <p:spPr>
-            <a:xfrm>
-              <a:off x="3310890" y="601990"/>
-              <a:ext cx="198120" cy="414010"/>
-            </a:xfrm>
-            <a:prstGeom prst="chevron">
-              <a:avLst/>
-            </a:prstGeom>
-            <a:solidFill>
-              <a:srgbClr val="B82E24"/>
-            </a:solidFill>
-            <a:ln>
-              <a:noFill/>
-            </a:ln>
-          </p:spPr>
-          <p:style>
-            <a:lnRef idx="2">
-              <a:schemeClr val="accent1">
-                <a:shade val="50000"/>
-              </a:schemeClr>
-            </a:lnRef>
-            <a:fillRef idx="1">
-              <a:schemeClr val="accent1"/>
-            </a:fillRef>
-            <a:effectRef idx="0">
-              <a:schemeClr val="accent1"/>
-            </a:effectRef>
-            <a:fontRef idx="minor">
-              <a:schemeClr val="lt1"/>
-            </a:fontRef>
-          </p:style>
-          <p:txBody>
-            <a:bodyPr rtlCol="0" anchor="ctr"/>
-            <a:lstStyle/>
-            <a:p>
-              <a:pPr algn="ctr"/>
-              <a:endParaRPr lang="zh-CN" altLang="en-US">
-                <a:solidFill>
-                  <a:schemeClr val="tx1"/>
-                </a:solidFill>
-              </a:endParaRPr>
-            </a:p>
-          </p:txBody>
-        </p:sp>
-      </p:grpSp>
-    </p:spTree>
-  </p:cSld>
-  <p:clrMapOvr>
-    <a:masterClrMapping/>
-  </p:clrMapOvr>
-</p:sld>
-</file>
-
 <file path=ppt/slides/slide34.xml><?xml version="1.0" encoding="utf-8"?>
 <p:sld xmlns:a="http://schemas.openxmlformats.org/drawingml/2006/main" xmlns:r="http://schemas.openxmlformats.org/officeDocument/2006/relationships" xmlns:p="http://schemas.openxmlformats.org/presentationml/2006/main">
   <p:cSld>
@@ -30840,7 +30789,7 @@
         </p:nvSpPr>
         <p:spPr>
           <a:xfrm>
-            <a:off x="630340" y="1520735"/>
+            <a:off x="609600" y="1334588"/>
             <a:ext cx="10972800" cy="4389120"/>
           </a:xfrm>
         </p:spPr>
@@ -30854,60 +30803,46 @@
               </a:lnSpc>
             </a:pPr>
             <a:r>
-              <a:rPr lang="zh-CN" altLang="en-US" dirty="0"/>
-              <a:t>在关键设计复核时，通过重新审查用例图，我们发现关键设计中忽略了与银行系统交互的接口。原因是在取款、存款、转账的用例描述中就忽视了这一环节的描述（而用例图上已准确表达了）。因此，我们进行如下更新：</a:t>
-            </a:r>
-            <a:endParaRPr lang="en-US" altLang="zh-CN" dirty="0"/>
-          </a:p>
-          <a:p>
-            <a:pPr marL="914400" lvl="1" indent="-457200">
+              <a:rPr lang="zh-CN" altLang="en-US" sz="2200" b="1" dirty="0"/>
+              <a:t>确保关键设计的“如何做”和需求阶段的“做什么”匹配。也就是说每个用例都要和序列图匹配，包含了用例的基本流程和分支流程。</a:t>
+            </a:r>
+            <a:endParaRPr lang="zh-CN" altLang="en-US" sz="2200" b="1" dirty="0"/>
+          </a:p>
+          <a:p>
+            <a:pPr>
               <a:lnSpc>
                 <a:spcPct val="150000"/>
               </a:lnSpc>
-              <a:buFont typeface="+mj-lt"/>
-              <a:buAutoNum type="arabicPeriod"/>
             </a:pPr>
             <a:r>
-              <a:rPr lang="zh-CN" altLang="en-US" dirty="0"/>
-              <a:t>更新用例描述，增加关于与银行系统交互的描述；</a:t>
-            </a:r>
-            <a:endParaRPr lang="en-US" altLang="zh-CN" dirty="0"/>
-          </a:p>
-          <a:p>
-            <a:pPr marL="914400" lvl="1" indent="-457200">
+              <a:rPr lang="zh-CN" altLang="en-US" sz="2200" b="1" dirty="0"/>
+              <a:t>复核设计的品质。应该至少有一个设计专家在场。</a:t>
+            </a:r>
+            <a:endParaRPr lang="zh-CN" altLang="en-US" sz="2200" b="1" dirty="0"/>
+          </a:p>
+          <a:p>
+            <a:pPr>
               <a:lnSpc>
                 <a:spcPct val="150000"/>
               </a:lnSpc>
-              <a:buFont typeface="+mj-lt"/>
-              <a:buAutoNum type="arabicPeriod"/>
             </a:pPr>
             <a:r>
-              <a:rPr lang="zh-CN" altLang="en-US" dirty="0">
-                <a:solidFill>
-                  <a:srgbClr val="FF0000"/>
-                </a:solidFill>
-              </a:rPr>
-              <a:t>可选：调整健壮性图，表达这个变化；</a:t>
-            </a:r>
-            <a:endParaRPr lang="en-US" altLang="zh-CN" dirty="0">
-              <a:solidFill>
-                <a:srgbClr val="FF0000"/>
-              </a:solidFill>
-            </a:endParaRPr>
-          </a:p>
-          <a:p>
-            <a:pPr marL="914400" lvl="1" indent="-457200">
+              <a:rPr lang="zh-CN" altLang="en-US" sz="2200" b="1" dirty="0"/>
+              <a:t>检查消息的连贯性。检查时序图上消息箭头的指向，有时我们会发现对象之间缺少消息而造成跳跃，我们必须消除这些逻辑跳跃。</a:t>
+            </a:r>
+            <a:endParaRPr lang="en-US" altLang="zh-CN" sz="2200" b="1" dirty="0"/>
+          </a:p>
+          <a:p>
+            <a:pPr>
               <a:lnSpc>
                 <a:spcPct val="150000"/>
               </a:lnSpc>
-              <a:buFont typeface="+mj-lt"/>
-              <a:buAutoNum type="arabicPeriod"/>
             </a:pPr>
             <a:r>
-              <a:rPr lang="zh-CN" altLang="en-US" dirty="0"/>
-              <a:t>调整序列图和类图，表达这个变化；</a:t>
-            </a:r>
-            <a:endParaRPr lang="zh-CN" altLang="en-US" dirty="0"/>
+              <a:rPr lang="zh-CN" altLang="en-US" sz="2200" b="1" dirty="0"/>
+              <a:t>确保方法分配给了适当的类，类视图中的每一个类拥有适当的方法和属性。</a:t>
+            </a:r>
+            <a:endParaRPr lang="zh-CN" altLang="en-US" sz="2200" b="1" dirty="0"/>
           </a:p>
         </p:txBody>
       </p:sp>
@@ -30920,7 +30855,7 @@
         <p:spPr>
           <a:xfrm>
             <a:off x="274320" y="449590"/>
-            <a:ext cx="5929828" cy="584775"/>
+            <a:ext cx="4698722" cy="584775"/>
           </a:xfrm>
           <a:prstGeom prst="rect">
             <a:avLst/>
@@ -30941,7 +30876,7 @@
                 <a:latin typeface="微软雅黑" panose="020B0503020204020204" pitchFamily="34" charset="-122"/>
                 <a:ea typeface="微软雅黑" panose="020B0503020204020204" pitchFamily="34" charset="-122"/>
               </a:rPr>
-              <a:t>示例：关键设计复核的迭代更新</a:t>
+              <a:t>关键设计复核的指导建议</a:t>
             </a:r>
             <a:endParaRPr lang="zh-CN" altLang="en-US" sz="3200" b="1" dirty="0">
               <a:solidFill>
@@ -31239,7 +31174,7 @@
         </p:nvGrpSpPr>
         <p:grpSpPr>
           <a:xfrm>
-            <a:off x="6116740" y="633115"/>
+            <a:off x="4895462" y="637832"/>
             <a:ext cx="491490" cy="318085"/>
             <a:chOff x="3017520" y="601990"/>
             <a:chExt cx="491490" cy="414010"/>
@@ -31421,6 +31356,599 @@
           <a:chExt cx="0" cy="0"/>
         </a:xfrm>
       </p:grpSpPr>
+      <p:sp>
+        <p:nvSpPr>
+          <p:cNvPr id="3" name="内容占位符 2"/>
+          <p:cNvSpPr>
+            <a:spLocks noGrp="1"/>
+          </p:cNvSpPr>
+          <p:nvPr>
+            <p:ph idx="1"/>
+          </p:nvPr>
+        </p:nvSpPr>
+        <p:spPr>
+          <a:xfrm>
+            <a:off x="630340" y="1520735"/>
+            <a:ext cx="10972800" cy="4389120"/>
+          </a:xfrm>
+        </p:spPr>
+        <p:txBody>
+          <a:bodyPr/>
+          <a:lstStyle/>
+          <a:p>
+            <a:pPr>
+              <a:lnSpc>
+                <a:spcPct val="150000"/>
+              </a:lnSpc>
+            </a:pPr>
+            <a:r>
+              <a:rPr lang="zh-CN" altLang="en-US" dirty="0"/>
+              <a:t>在关键设计复核时，通过重新审查用例图，我们发现关键设计中忽略了与银行系统交互的接口。原因是在取款、存款、转账的用例描述中就忽视了这一环节的描述（而用例图上已准确表达了）。因此，我们进行如下更新：</a:t>
+            </a:r>
+            <a:endParaRPr lang="en-US" altLang="zh-CN" dirty="0"/>
+          </a:p>
+          <a:p>
+            <a:pPr marL="914400" lvl="1" indent="-457200">
+              <a:lnSpc>
+                <a:spcPct val="150000"/>
+              </a:lnSpc>
+              <a:buFont typeface="+mj-lt"/>
+              <a:buAutoNum type="arabicPeriod"/>
+            </a:pPr>
+            <a:r>
+              <a:rPr lang="zh-CN" altLang="en-US" dirty="0"/>
+              <a:t>更新用例描述，增加关于与银行系统交互的描述；</a:t>
+            </a:r>
+            <a:endParaRPr lang="en-US" altLang="zh-CN" dirty="0"/>
+          </a:p>
+          <a:p>
+            <a:pPr marL="914400" lvl="1" indent="-457200">
+              <a:lnSpc>
+                <a:spcPct val="150000"/>
+              </a:lnSpc>
+              <a:buFont typeface="+mj-lt"/>
+              <a:buAutoNum type="arabicPeriod"/>
+            </a:pPr>
+            <a:r>
+              <a:rPr lang="zh-CN" altLang="en-US" dirty="0">
+                <a:solidFill>
+                  <a:srgbClr val="FF0000"/>
+                </a:solidFill>
+              </a:rPr>
+              <a:t>可选：调整健壮性图，表达这个变化；</a:t>
+            </a:r>
+            <a:endParaRPr lang="en-US" altLang="zh-CN" dirty="0">
+              <a:solidFill>
+                <a:srgbClr val="FF0000"/>
+              </a:solidFill>
+            </a:endParaRPr>
+          </a:p>
+          <a:p>
+            <a:pPr marL="914400" lvl="1" indent="-457200">
+              <a:lnSpc>
+                <a:spcPct val="150000"/>
+              </a:lnSpc>
+              <a:buFont typeface="+mj-lt"/>
+              <a:buAutoNum type="arabicPeriod"/>
+            </a:pPr>
+            <a:r>
+              <a:rPr lang="zh-CN" altLang="en-US" dirty="0"/>
+              <a:t>调整序列图和类图，表达这个变化；</a:t>
+            </a:r>
+            <a:endParaRPr lang="zh-CN" altLang="en-US" dirty="0"/>
+          </a:p>
+        </p:txBody>
+      </p:sp>
+      <p:sp>
+        <p:nvSpPr>
+          <p:cNvPr id="4" name="文本框 3"/>
+          <p:cNvSpPr txBox="1"/>
+          <p:nvPr/>
+        </p:nvSpPr>
+        <p:spPr>
+          <a:xfrm>
+            <a:off x="274320" y="449590"/>
+            <a:ext cx="5929828" cy="584775"/>
+          </a:xfrm>
+          <a:prstGeom prst="rect">
+            <a:avLst/>
+          </a:prstGeom>
+          <a:noFill/>
+        </p:spPr>
+        <p:txBody>
+          <a:bodyPr wrap="none" rtlCol="0">
+            <a:spAutoFit/>
+          </a:bodyPr>
+          <a:lstStyle/>
+          <a:p>
+            <a:r>
+              <a:rPr lang="zh-CN" altLang="en-US" sz="3200" b="1" dirty="0">
+                <a:solidFill>
+                  <a:srgbClr val="141316"/>
+                </a:solidFill>
+                <a:latin typeface="微软雅黑" panose="020B0503020204020204" pitchFamily="34" charset="-122"/>
+                <a:ea typeface="微软雅黑" panose="020B0503020204020204" pitchFamily="34" charset="-122"/>
+              </a:rPr>
+              <a:t>示例：关键设计复核的迭代更新</a:t>
+            </a:r>
+            <a:endParaRPr lang="zh-CN" altLang="en-US" sz="3200" b="1" dirty="0">
+              <a:solidFill>
+                <a:srgbClr val="141316"/>
+              </a:solidFill>
+              <a:latin typeface="微软雅黑" panose="020B0503020204020204" pitchFamily="34" charset="-122"/>
+              <a:ea typeface="微软雅黑" panose="020B0503020204020204" pitchFamily="34" charset="-122"/>
+            </a:endParaRPr>
+          </a:p>
+        </p:txBody>
+      </p:sp>
+      <p:cxnSp>
+        <p:nvCxnSpPr>
+          <p:cNvPr id="5" name="直接连接符 4"/>
+          <p:cNvCxnSpPr/>
+          <p:nvPr/>
+        </p:nvCxnSpPr>
+        <p:spPr>
+          <a:xfrm>
+            <a:off x="0" y="1019125"/>
+            <a:ext cx="12192000" cy="0"/>
+          </a:xfrm>
+          <a:prstGeom prst="line">
+            <a:avLst/>
+          </a:prstGeom>
+          <a:ln>
+            <a:solidFill>
+              <a:srgbClr val="B82E24"/>
+            </a:solidFill>
+            <a:prstDash val="solid"/>
+          </a:ln>
+        </p:spPr>
+        <p:style>
+          <a:lnRef idx="1">
+            <a:schemeClr val="accent1"/>
+          </a:lnRef>
+          <a:fillRef idx="0">
+            <a:schemeClr val="accent1"/>
+          </a:fillRef>
+          <a:effectRef idx="0">
+            <a:schemeClr val="accent1"/>
+          </a:effectRef>
+          <a:fontRef idx="minor">
+            <a:schemeClr val="tx1"/>
+          </a:fontRef>
+        </p:style>
+      </p:cxnSp>
+      <p:sp>
+        <p:nvSpPr>
+          <p:cNvPr id="6" name="矩形 5"/>
+          <p:cNvSpPr/>
+          <p:nvPr/>
+        </p:nvSpPr>
+        <p:spPr>
+          <a:xfrm>
+            <a:off x="7818120" y="912444"/>
+            <a:ext cx="944880" cy="103556"/>
+          </a:xfrm>
+          <a:prstGeom prst="rect">
+            <a:avLst/>
+          </a:prstGeom>
+          <a:solidFill>
+            <a:schemeClr val="tx1">
+              <a:lumMod val="65000"/>
+              <a:lumOff val="35000"/>
+            </a:schemeClr>
+          </a:solidFill>
+          <a:ln>
+            <a:noFill/>
+          </a:ln>
+        </p:spPr>
+        <p:style>
+          <a:lnRef idx="2">
+            <a:schemeClr val="accent1">
+              <a:shade val="50000"/>
+            </a:schemeClr>
+          </a:lnRef>
+          <a:fillRef idx="1">
+            <a:schemeClr val="accent1"/>
+          </a:fillRef>
+          <a:effectRef idx="0">
+            <a:schemeClr val="accent1"/>
+          </a:effectRef>
+          <a:fontRef idx="minor">
+            <a:schemeClr val="lt1"/>
+          </a:fontRef>
+        </p:style>
+        <p:txBody>
+          <a:bodyPr rtlCol="0" anchor="ctr"/>
+          <a:lstStyle/>
+          <a:p>
+            <a:pPr algn="ctr"/>
+            <a:endParaRPr lang="zh-CN" altLang="en-US"/>
+          </a:p>
+        </p:txBody>
+      </p:sp>
+      <p:sp>
+        <p:nvSpPr>
+          <p:cNvPr id="7" name="矩形 6"/>
+          <p:cNvSpPr/>
+          <p:nvPr/>
+        </p:nvSpPr>
+        <p:spPr>
+          <a:xfrm>
+            <a:off x="8885357" y="912444"/>
+            <a:ext cx="944880" cy="103556"/>
+          </a:xfrm>
+          <a:prstGeom prst="rect">
+            <a:avLst/>
+          </a:prstGeom>
+          <a:solidFill>
+            <a:schemeClr val="tx1">
+              <a:lumMod val="65000"/>
+              <a:lumOff val="35000"/>
+            </a:schemeClr>
+          </a:solidFill>
+          <a:ln>
+            <a:noFill/>
+          </a:ln>
+        </p:spPr>
+        <p:style>
+          <a:lnRef idx="2">
+            <a:schemeClr val="accent1">
+              <a:shade val="50000"/>
+            </a:schemeClr>
+          </a:lnRef>
+          <a:fillRef idx="1">
+            <a:schemeClr val="accent1"/>
+          </a:fillRef>
+          <a:effectRef idx="0">
+            <a:schemeClr val="accent1"/>
+          </a:effectRef>
+          <a:fontRef idx="minor">
+            <a:schemeClr val="lt1"/>
+          </a:fontRef>
+        </p:style>
+        <p:txBody>
+          <a:bodyPr rtlCol="0" anchor="ctr"/>
+          <a:lstStyle/>
+          <a:p>
+            <a:pPr algn="ctr"/>
+            <a:endParaRPr lang="zh-CN" altLang="en-US"/>
+          </a:p>
+        </p:txBody>
+      </p:sp>
+      <p:sp>
+        <p:nvSpPr>
+          <p:cNvPr id="8" name="矩形 7"/>
+          <p:cNvSpPr/>
+          <p:nvPr/>
+        </p:nvSpPr>
+        <p:spPr>
+          <a:xfrm>
+            <a:off x="9952594" y="912444"/>
+            <a:ext cx="944880" cy="103556"/>
+          </a:xfrm>
+          <a:prstGeom prst="rect">
+            <a:avLst/>
+          </a:prstGeom>
+          <a:solidFill>
+            <a:schemeClr val="tx1">
+              <a:lumMod val="65000"/>
+              <a:lumOff val="35000"/>
+            </a:schemeClr>
+          </a:solidFill>
+          <a:ln>
+            <a:noFill/>
+          </a:ln>
+        </p:spPr>
+        <p:style>
+          <a:lnRef idx="2">
+            <a:schemeClr val="accent1">
+              <a:shade val="50000"/>
+            </a:schemeClr>
+          </a:lnRef>
+          <a:fillRef idx="1">
+            <a:schemeClr val="accent1"/>
+          </a:fillRef>
+          <a:effectRef idx="0">
+            <a:schemeClr val="accent1"/>
+          </a:effectRef>
+          <a:fontRef idx="minor">
+            <a:schemeClr val="lt1"/>
+          </a:fontRef>
+        </p:style>
+        <p:txBody>
+          <a:bodyPr rtlCol="0" anchor="ctr"/>
+          <a:lstStyle/>
+          <a:p>
+            <a:pPr algn="ctr"/>
+            <a:endParaRPr lang="zh-CN" altLang="en-US"/>
+          </a:p>
+        </p:txBody>
+      </p:sp>
+      <p:sp>
+        <p:nvSpPr>
+          <p:cNvPr id="9" name="矩形 8"/>
+          <p:cNvSpPr/>
+          <p:nvPr/>
+        </p:nvSpPr>
+        <p:spPr>
+          <a:xfrm>
+            <a:off x="11019831" y="912444"/>
+            <a:ext cx="944880" cy="103556"/>
+          </a:xfrm>
+          <a:prstGeom prst="rect">
+            <a:avLst/>
+          </a:prstGeom>
+          <a:solidFill>
+            <a:schemeClr val="tx1">
+              <a:lumMod val="65000"/>
+              <a:lumOff val="35000"/>
+            </a:schemeClr>
+          </a:solidFill>
+          <a:ln>
+            <a:noFill/>
+          </a:ln>
+        </p:spPr>
+        <p:style>
+          <a:lnRef idx="2">
+            <a:schemeClr val="accent1">
+              <a:shade val="50000"/>
+            </a:schemeClr>
+          </a:lnRef>
+          <a:fillRef idx="1">
+            <a:schemeClr val="accent1"/>
+          </a:fillRef>
+          <a:effectRef idx="0">
+            <a:schemeClr val="accent1"/>
+          </a:effectRef>
+          <a:fontRef idx="minor">
+            <a:schemeClr val="lt1"/>
+          </a:fontRef>
+        </p:style>
+        <p:txBody>
+          <a:bodyPr rtlCol="0" anchor="ctr"/>
+          <a:lstStyle/>
+          <a:p>
+            <a:pPr algn="ctr"/>
+            <a:endParaRPr lang="zh-CN" altLang="en-US"/>
+          </a:p>
+        </p:txBody>
+      </p:sp>
+      <p:sp>
+        <p:nvSpPr>
+          <p:cNvPr id="10" name="矩形 9"/>
+          <p:cNvSpPr/>
+          <p:nvPr/>
+        </p:nvSpPr>
+        <p:spPr>
+          <a:xfrm>
+            <a:off x="9958956" y="796875"/>
+            <a:ext cx="944880" cy="220253"/>
+          </a:xfrm>
+          <a:prstGeom prst="rect">
+            <a:avLst/>
+          </a:prstGeom>
+          <a:solidFill>
+            <a:srgbClr val="BE1007"/>
+          </a:solidFill>
+          <a:ln>
+            <a:noFill/>
+          </a:ln>
+        </p:spPr>
+        <p:style>
+          <a:lnRef idx="2">
+            <a:schemeClr val="accent1">
+              <a:shade val="50000"/>
+            </a:schemeClr>
+          </a:lnRef>
+          <a:fillRef idx="1">
+            <a:schemeClr val="accent1"/>
+          </a:fillRef>
+          <a:effectRef idx="0">
+            <a:schemeClr val="accent1"/>
+          </a:effectRef>
+          <a:fontRef idx="minor">
+            <a:schemeClr val="lt1"/>
+          </a:fontRef>
+        </p:style>
+        <p:txBody>
+          <a:bodyPr rtlCol="0" anchor="ctr"/>
+          <a:lstStyle/>
+          <a:p>
+            <a:pPr algn="ctr"/>
+            <a:endParaRPr lang="zh-CN" altLang="en-US"/>
+          </a:p>
+        </p:txBody>
+      </p:sp>
+      <p:grpSp>
+        <p:nvGrpSpPr>
+          <p:cNvPr id="11" name="组合 10"/>
+          <p:cNvGrpSpPr/>
+          <p:nvPr/>
+        </p:nvGrpSpPr>
+        <p:grpSpPr>
+          <a:xfrm>
+            <a:off x="6116740" y="633115"/>
+            <a:ext cx="491490" cy="318085"/>
+            <a:chOff x="3017520" y="601990"/>
+            <a:chExt cx="491490" cy="414010"/>
+          </a:xfrm>
+        </p:grpSpPr>
+        <p:sp>
+          <p:nvSpPr>
+            <p:cNvPr id="12" name="燕尾形 11"/>
+            <p:cNvSpPr/>
+            <p:nvPr/>
+          </p:nvSpPr>
+          <p:spPr>
+            <a:xfrm>
+              <a:off x="3017520" y="601990"/>
+              <a:ext cx="198120" cy="414010"/>
+            </a:xfrm>
+            <a:prstGeom prst="chevron">
+              <a:avLst/>
+            </a:prstGeom>
+            <a:solidFill>
+              <a:srgbClr val="F5715B"/>
+            </a:solidFill>
+            <a:ln>
+              <a:noFill/>
+            </a:ln>
+          </p:spPr>
+          <p:style>
+            <a:lnRef idx="2">
+              <a:schemeClr val="accent1">
+                <a:shade val="50000"/>
+              </a:schemeClr>
+            </a:lnRef>
+            <a:fillRef idx="1">
+              <a:schemeClr val="accent1"/>
+            </a:fillRef>
+            <a:effectRef idx="0">
+              <a:schemeClr val="accent1"/>
+            </a:effectRef>
+            <a:fontRef idx="minor">
+              <a:schemeClr val="lt1"/>
+            </a:fontRef>
+          </p:style>
+          <p:txBody>
+            <a:bodyPr rtlCol="0" anchor="ctr"/>
+            <a:lstStyle/>
+            <a:p>
+              <a:pPr algn="ctr"/>
+              <a:endParaRPr lang="zh-CN" altLang="en-US">
+                <a:solidFill>
+                  <a:schemeClr val="tx1"/>
+                </a:solidFill>
+              </a:endParaRPr>
+            </a:p>
+          </p:txBody>
+        </p:sp>
+        <p:sp>
+          <p:nvSpPr>
+            <p:cNvPr id="13" name="燕尾形 12"/>
+            <p:cNvSpPr/>
+            <p:nvPr/>
+          </p:nvSpPr>
+          <p:spPr>
+            <a:xfrm>
+              <a:off x="3164205" y="601990"/>
+              <a:ext cx="198120" cy="414010"/>
+            </a:xfrm>
+            <a:prstGeom prst="chevron">
+              <a:avLst/>
+            </a:prstGeom>
+            <a:solidFill>
+              <a:srgbClr val="F93D32"/>
+            </a:solidFill>
+            <a:ln>
+              <a:noFill/>
+            </a:ln>
+          </p:spPr>
+          <p:style>
+            <a:lnRef idx="2">
+              <a:schemeClr val="accent1">
+                <a:shade val="50000"/>
+              </a:schemeClr>
+            </a:lnRef>
+            <a:fillRef idx="1">
+              <a:schemeClr val="accent1"/>
+            </a:fillRef>
+            <a:effectRef idx="0">
+              <a:schemeClr val="accent1"/>
+            </a:effectRef>
+            <a:fontRef idx="minor">
+              <a:schemeClr val="lt1"/>
+            </a:fontRef>
+          </p:style>
+          <p:txBody>
+            <a:bodyPr rtlCol="0" anchor="ctr"/>
+            <a:lstStyle/>
+            <a:p>
+              <a:pPr algn="ctr"/>
+              <a:endParaRPr lang="zh-CN" altLang="en-US">
+                <a:solidFill>
+                  <a:schemeClr val="tx1"/>
+                </a:solidFill>
+              </a:endParaRPr>
+            </a:p>
+          </p:txBody>
+        </p:sp>
+        <p:sp>
+          <p:nvSpPr>
+            <p:cNvPr id="14" name="燕尾形 13"/>
+            <p:cNvSpPr/>
+            <p:nvPr/>
+          </p:nvSpPr>
+          <p:spPr>
+            <a:xfrm>
+              <a:off x="3310890" y="601990"/>
+              <a:ext cx="198120" cy="414010"/>
+            </a:xfrm>
+            <a:prstGeom prst="chevron">
+              <a:avLst/>
+            </a:prstGeom>
+            <a:solidFill>
+              <a:srgbClr val="B82E24"/>
+            </a:solidFill>
+            <a:ln>
+              <a:noFill/>
+            </a:ln>
+          </p:spPr>
+          <p:style>
+            <a:lnRef idx="2">
+              <a:schemeClr val="accent1">
+                <a:shade val="50000"/>
+              </a:schemeClr>
+            </a:lnRef>
+            <a:fillRef idx="1">
+              <a:schemeClr val="accent1"/>
+            </a:fillRef>
+            <a:effectRef idx="0">
+              <a:schemeClr val="accent1"/>
+            </a:effectRef>
+            <a:fontRef idx="minor">
+              <a:schemeClr val="lt1"/>
+            </a:fontRef>
+          </p:style>
+          <p:txBody>
+            <a:bodyPr rtlCol="0" anchor="ctr"/>
+            <a:lstStyle/>
+            <a:p>
+              <a:pPr algn="ctr"/>
+              <a:endParaRPr lang="zh-CN" altLang="en-US">
+                <a:solidFill>
+                  <a:schemeClr val="tx1"/>
+                </a:solidFill>
+              </a:endParaRPr>
+            </a:p>
+          </p:txBody>
+        </p:sp>
+      </p:grpSp>
+    </p:spTree>
+  </p:cSld>
+  <p:clrMapOvr>
+    <a:masterClrMapping/>
+  </p:clrMapOvr>
+</p:sld>
+</file>
+
+<file path=ppt/slides/slide36.xml><?xml version="1.0" encoding="utf-8"?>
+<p:sld xmlns:a="http://schemas.openxmlformats.org/drawingml/2006/main" xmlns:r="http://schemas.openxmlformats.org/officeDocument/2006/relationships" xmlns:p="http://schemas.openxmlformats.org/presentationml/2006/main">
+  <p:cSld>
+    <p:spTree>
+      <p:nvGrpSpPr>
+        <p:cNvPr id="1" name=""/>
+        <p:cNvGrpSpPr/>
+        <p:nvPr/>
+      </p:nvGrpSpPr>
+      <p:grpSpPr>
+        <a:xfrm>
+          <a:off x="0" y="0"/>
+          <a:ext cx="0" cy="0"/>
+          <a:chOff x="0" y="0"/>
+          <a:chExt cx="0" cy="0"/>
+        </a:xfrm>
+      </p:grpSpPr>
       <p:pic>
         <p:nvPicPr>
           <p:cNvPr id="1026" name="Picture 2"/>
@@ -31438,7 +31966,7 @@
         </p:blipFill>
         <p:spPr bwMode="auto">
           <a:xfrm>
-            <a:off x="2024034" y="1503934"/>
+            <a:off x="1957359" y="1202944"/>
             <a:ext cx="3286148" cy="2853760"/>
           </a:xfrm>
           <a:prstGeom prst="rect">
@@ -31471,7 +31999,7 @@
         </p:blipFill>
         <p:spPr bwMode="auto">
           <a:xfrm>
-            <a:off x="5738810" y="1428736"/>
+            <a:off x="5707060" y="1127111"/>
             <a:ext cx="3286148" cy="2853760"/>
           </a:xfrm>
           <a:prstGeom prst="rect">
@@ -31504,7 +32032,7 @@
         </p:blipFill>
         <p:spPr bwMode="auto">
           <a:xfrm>
-            <a:off x="3667108" y="4357694"/>
+            <a:off x="3635358" y="4056069"/>
             <a:ext cx="4143404" cy="2428892"/>
           </a:xfrm>
           <a:prstGeom prst="rect">
@@ -31520,146 +32048,6 @@
           <a:effectLst/>
         </p:spPr>
       </p:pic>
-      <p:cxnSp>
-        <p:nvCxnSpPr>
-          <p:cNvPr id="8" name="直接连接符 7"/>
-          <p:cNvCxnSpPr/>
-          <p:nvPr/>
-        </p:nvCxnSpPr>
-        <p:spPr>
-          <a:xfrm>
-            <a:off x="2666976" y="3070222"/>
-            <a:ext cx="785818" cy="1588"/>
-          </a:xfrm>
-          <a:prstGeom prst="line">
-            <a:avLst/>
-          </a:prstGeom>
-          <a:ln>
-            <a:solidFill>
-              <a:srgbClr val="FF0000"/>
-            </a:solidFill>
-          </a:ln>
-        </p:spPr>
-        <p:style>
-          <a:lnRef idx="3">
-            <a:schemeClr val="accent2"/>
-          </a:lnRef>
-          <a:fillRef idx="0">
-            <a:schemeClr val="accent2"/>
-          </a:fillRef>
-          <a:effectRef idx="2">
-            <a:schemeClr val="accent2"/>
-          </a:effectRef>
-          <a:fontRef idx="minor">
-            <a:schemeClr val="tx1"/>
-          </a:fontRef>
-        </p:style>
-      </p:cxnSp>
-      <p:cxnSp>
-        <p:nvCxnSpPr>
-          <p:cNvPr id="9" name="直接连接符 8"/>
-          <p:cNvCxnSpPr/>
-          <p:nvPr/>
-        </p:nvCxnSpPr>
-        <p:spPr>
-          <a:xfrm>
-            <a:off x="6381752" y="3355974"/>
-            <a:ext cx="785818" cy="1588"/>
-          </a:xfrm>
-          <a:prstGeom prst="line">
-            <a:avLst/>
-          </a:prstGeom>
-          <a:ln>
-            <a:solidFill>
-              <a:srgbClr val="FF0000"/>
-            </a:solidFill>
-          </a:ln>
-        </p:spPr>
-        <p:style>
-          <a:lnRef idx="3">
-            <a:schemeClr val="accent2"/>
-          </a:lnRef>
-          <a:fillRef idx="0">
-            <a:schemeClr val="accent2"/>
-          </a:fillRef>
-          <a:effectRef idx="2">
-            <a:schemeClr val="accent2"/>
-          </a:effectRef>
-          <a:fontRef idx="minor">
-            <a:schemeClr val="tx1"/>
-          </a:fontRef>
-        </p:style>
-      </p:cxnSp>
-      <p:cxnSp>
-        <p:nvCxnSpPr>
-          <p:cNvPr id="10" name="直接连接符 9"/>
-          <p:cNvCxnSpPr/>
-          <p:nvPr/>
-        </p:nvCxnSpPr>
-        <p:spPr>
-          <a:xfrm>
-            <a:off x="4167174" y="5572140"/>
-            <a:ext cx="785818" cy="1588"/>
-          </a:xfrm>
-          <a:prstGeom prst="line">
-            <a:avLst/>
-          </a:prstGeom>
-          <a:ln>
-            <a:solidFill>
-              <a:srgbClr val="FF0000"/>
-            </a:solidFill>
-          </a:ln>
-        </p:spPr>
-        <p:style>
-          <a:lnRef idx="3">
-            <a:schemeClr val="accent2"/>
-          </a:lnRef>
-          <a:fillRef idx="0">
-            <a:schemeClr val="accent2"/>
-          </a:fillRef>
-          <a:effectRef idx="2">
-            <a:schemeClr val="accent2"/>
-          </a:effectRef>
-          <a:fontRef idx="minor">
-            <a:schemeClr val="tx1"/>
-          </a:fontRef>
-        </p:style>
-      </p:cxnSp>
-      <p:cxnSp>
-        <p:nvCxnSpPr>
-          <p:cNvPr id="11" name="直接连接符 10"/>
-          <p:cNvCxnSpPr/>
-          <p:nvPr/>
-        </p:nvCxnSpPr>
-        <p:spPr>
-          <a:xfrm>
-            <a:off x="4167174" y="6572272"/>
-            <a:ext cx="785818" cy="1588"/>
-          </a:xfrm>
-          <a:prstGeom prst="line">
-            <a:avLst/>
-          </a:prstGeom>
-          <a:ln>
-            <a:solidFill>
-              <a:srgbClr val="FF0000"/>
-            </a:solidFill>
-          </a:ln>
-        </p:spPr>
-        <p:style>
-          <a:lnRef idx="3">
-            <a:schemeClr val="accent2"/>
-          </a:lnRef>
-          <a:fillRef idx="0">
-            <a:schemeClr val="accent2"/>
-          </a:fillRef>
-          <a:effectRef idx="2">
-            <a:schemeClr val="accent2"/>
-          </a:effectRef>
-          <a:fontRef idx="minor">
-            <a:schemeClr val="tx1"/>
-          </a:fontRef>
-        </p:style>
-      </p:cxnSp>
       <p:sp>
         <p:nvSpPr>
           <p:cNvPr id="12" name="文本框 11"/>
@@ -32145,15 +32533,254 @@
           </p:txBody>
         </p:sp>
       </p:grpSp>
+      <p:sp>
+        <p:nvSpPr>
+          <p:cNvPr id="4" name="椭圆 3"/>
+          <p:cNvSpPr/>
+          <p:nvPr/>
+        </p:nvSpPr>
+        <p:spPr bwMode="auto">
+          <a:xfrm>
+            <a:off x="6027420" y="2768600"/>
+            <a:ext cx="1303020" cy="391795"/>
+          </a:xfrm>
+          <a:prstGeom prst="ellipse">
+            <a:avLst/>
+          </a:prstGeom>
+          <a:noFill/>
+          <a:ln w="38100">
+            <a:solidFill>
+              <a:srgbClr val="FF0000"/>
+            </a:solidFill>
+            <a:headEnd type="none" w="med" len="med"/>
+            <a:tailEnd type="none" w="med" len="med"/>
+          </a:ln>
+        </p:spPr>
+        <p:style>
+          <a:lnRef idx="2">
+            <a:schemeClr val="accent2"/>
+          </a:lnRef>
+          <a:fillRef idx="1">
+            <a:schemeClr val="lt1"/>
+          </a:fillRef>
+          <a:effectRef idx="0">
+            <a:schemeClr val="accent2"/>
+          </a:effectRef>
+          <a:fontRef idx="minor">
+            <a:schemeClr val="dk1"/>
+          </a:fontRef>
+        </p:style>
+        <p:txBody>
+          <a:bodyPr vert="horz" wrap="square" lIns="91440" tIns="45720" rIns="91440" bIns="45720" numCol="1" rtlCol="0" anchor="t" anchorCtr="0" compatLnSpc="1"/>
+          <a:p>
+            <a:pPr fontAlgn="base">
+              <a:spcBef>
+                <a:spcPct val="0"/>
+              </a:spcBef>
+              <a:spcAft>
+                <a:spcPct val="0"/>
+              </a:spcAft>
+            </a:pPr>
+            <a:endParaRPr kumimoji="1" lang="zh-CN" altLang="en-US" sz="2400">
+              <a:solidFill>
+                <a:schemeClr val="tx1"/>
+              </a:solidFill>
+              <a:latin typeface="Times New Roman" panose="02020603050405020304" pitchFamily="18" charset="0"/>
+              <a:ea typeface="宋体" panose="02010600030101010101" pitchFamily="2" charset="-122"/>
+            </a:endParaRPr>
+          </a:p>
+        </p:txBody>
+      </p:sp>
+      <p:sp>
+        <p:nvSpPr>
+          <p:cNvPr id="6" name="椭圆 5"/>
+          <p:cNvSpPr/>
+          <p:nvPr/>
+        </p:nvSpPr>
+        <p:spPr bwMode="auto">
+          <a:xfrm>
+            <a:off x="2332355" y="2535555"/>
+            <a:ext cx="1303020" cy="391795"/>
+          </a:xfrm>
+          <a:prstGeom prst="ellipse">
+            <a:avLst/>
+          </a:prstGeom>
+          <a:noFill/>
+          <a:ln w="38100">
+            <a:solidFill>
+              <a:srgbClr val="FF0000"/>
+            </a:solidFill>
+            <a:headEnd type="none" w="med" len="med"/>
+            <a:tailEnd type="none" w="med" len="med"/>
+          </a:ln>
+        </p:spPr>
+        <p:style>
+          <a:lnRef idx="2">
+            <a:schemeClr val="accent2"/>
+          </a:lnRef>
+          <a:fillRef idx="1">
+            <a:schemeClr val="lt1"/>
+          </a:fillRef>
+          <a:effectRef idx="0">
+            <a:schemeClr val="accent2"/>
+          </a:effectRef>
+          <a:fontRef idx="minor">
+            <a:schemeClr val="dk1"/>
+          </a:fontRef>
+        </p:style>
+        <p:txBody>
+          <a:bodyPr vert="horz" wrap="square" lIns="91440" tIns="45720" rIns="91440" bIns="45720" numCol="1" rtlCol="0" anchor="t" anchorCtr="0" compatLnSpc="1"/>
+          <a:p>
+            <a:pPr fontAlgn="base">
+              <a:spcBef>
+                <a:spcPct val="0"/>
+              </a:spcBef>
+              <a:spcAft>
+                <a:spcPct val="0"/>
+              </a:spcAft>
+            </a:pPr>
+            <a:endParaRPr kumimoji="1" lang="zh-CN" altLang="en-US" sz="2400">
+              <a:solidFill>
+                <a:schemeClr val="tx1"/>
+              </a:solidFill>
+              <a:latin typeface="Times New Roman" panose="02020603050405020304" pitchFamily="18" charset="0"/>
+              <a:ea typeface="宋体" panose="02010600030101010101" pitchFamily="2" charset="-122"/>
+            </a:endParaRPr>
+          </a:p>
+        </p:txBody>
+      </p:sp>
+      <p:sp>
+        <p:nvSpPr>
+          <p:cNvPr id="7" name="椭圆 6"/>
+          <p:cNvSpPr/>
+          <p:nvPr/>
+        </p:nvSpPr>
+        <p:spPr bwMode="auto">
+          <a:xfrm>
+            <a:off x="3767455" y="5036820"/>
+            <a:ext cx="1303020" cy="391795"/>
+          </a:xfrm>
+          <a:prstGeom prst="ellipse">
+            <a:avLst/>
+          </a:prstGeom>
+          <a:noFill/>
+          <a:ln w="38100">
+            <a:solidFill>
+              <a:srgbClr val="FF0000"/>
+            </a:solidFill>
+            <a:headEnd type="none" w="med" len="med"/>
+            <a:tailEnd type="none" w="med" len="med"/>
+          </a:ln>
+        </p:spPr>
+        <p:style>
+          <a:lnRef idx="2">
+            <a:schemeClr val="accent2"/>
+          </a:lnRef>
+          <a:fillRef idx="1">
+            <a:schemeClr val="lt1"/>
+          </a:fillRef>
+          <a:effectRef idx="0">
+            <a:schemeClr val="accent2"/>
+          </a:effectRef>
+          <a:fontRef idx="minor">
+            <a:schemeClr val="dk1"/>
+          </a:fontRef>
+        </p:style>
+        <p:txBody>
+          <a:bodyPr vert="horz" wrap="square" lIns="91440" tIns="45720" rIns="91440" bIns="45720" numCol="1" rtlCol="0" anchor="t" anchorCtr="0" compatLnSpc="1"/>
+          <a:p>
+            <a:pPr fontAlgn="base">
+              <a:spcBef>
+                <a:spcPct val="0"/>
+              </a:spcBef>
+              <a:spcAft>
+                <a:spcPct val="0"/>
+              </a:spcAft>
+            </a:pPr>
+            <a:endParaRPr kumimoji="1" lang="zh-CN" altLang="en-US" sz="2400">
+              <a:solidFill>
+                <a:schemeClr val="tx1"/>
+              </a:solidFill>
+              <a:latin typeface="Times New Roman" panose="02020603050405020304" pitchFamily="18" charset="0"/>
+              <a:ea typeface="宋体" panose="02010600030101010101" pitchFamily="2" charset="-122"/>
+            </a:endParaRPr>
+          </a:p>
+        </p:txBody>
+      </p:sp>
+      <p:sp>
+        <p:nvSpPr>
+          <p:cNvPr id="23" name="椭圆 22"/>
+          <p:cNvSpPr/>
+          <p:nvPr/>
+        </p:nvSpPr>
+        <p:spPr bwMode="auto">
+          <a:xfrm>
+            <a:off x="3806190" y="5995035"/>
+            <a:ext cx="1303020" cy="391795"/>
+          </a:xfrm>
+          <a:prstGeom prst="ellipse">
+            <a:avLst/>
+          </a:prstGeom>
+          <a:noFill/>
+          <a:ln w="38100">
+            <a:solidFill>
+              <a:srgbClr val="FF0000"/>
+            </a:solidFill>
+            <a:headEnd type="none" w="med" len="med"/>
+            <a:tailEnd type="none" w="med" len="med"/>
+          </a:ln>
+        </p:spPr>
+        <p:style>
+          <a:lnRef idx="2">
+            <a:schemeClr val="accent2"/>
+          </a:lnRef>
+          <a:fillRef idx="1">
+            <a:schemeClr val="lt1"/>
+          </a:fillRef>
+          <a:effectRef idx="0">
+            <a:schemeClr val="accent2"/>
+          </a:effectRef>
+          <a:fontRef idx="minor">
+            <a:schemeClr val="dk1"/>
+          </a:fontRef>
+        </p:style>
+        <p:txBody>
+          <a:bodyPr vert="horz" wrap="square" lIns="91440" tIns="45720" rIns="91440" bIns="45720" numCol="1" rtlCol="0" anchor="t" anchorCtr="0" compatLnSpc="1"/>
+          <a:p>
+            <a:pPr fontAlgn="base">
+              <a:spcBef>
+                <a:spcPct val="0"/>
+              </a:spcBef>
+              <a:spcAft>
+                <a:spcPct val="0"/>
+              </a:spcAft>
+            </a:pPr>
+            <a:endParaRPr kumimoji="1" lang="zh-CN" altLang="en-US" sz="2400">
+              <a:solidFill>
+                <a:schemeClr val="tx1"/>
+              </a:solidFill>
+              <a:latin typeface="Times New Roman" panose="02020603050405020304" pitchFamily="18" charset="0"/>
+              <a:ea typeface="宋体" panose="02010600030101010101" pitchFamily="2" charset="-122"/>
+            </a:endParaRPr>
+          </a:p>
+        </p:txBody>
+      </p:sp>
     </p:spTree>
   </p:cSld>
   <p:clrMapOvr>
     <a:masterClrMapping/>
   </p:clrMapOvr>
+  <p:timing>
+    <p:tnLst>
+      <p:par>
+        <p:cTn id="1" dur="indefinite" restart="never" nodeType="tmRoot"/>
+      </p:par>
+    </p:tnLst>
+  </p:timing>
 </p:sld>
 </file>
 
-<file path=ppt/slides/slide36.xml><?xml version="1.0" encoding="utf-8"?>
+<file path=ppt/slides/slide37.xml><?xml version="1.0" encoding="utf-8"?>
 <p:sld xmlns:a="http://schemas.openxmlformats.org/drawingml/2006/main" xmlns:r="http://schemas.openxmlformats.org/officeDocument/2006/relationships" xmlns:p="http://schemas.openxmlformats.org/presentationml/2006/main">
   <p:cSld>
     <p:spTree>
@@ -32793,7 +33420,7 @@
 </p:sld>
 </file>
 
-<file path=ppt/slides/slide37.xml><?xml version="1.0" encoding="utf-8"?>
+<file path=ppt/slides/slide38.xml><?xml version="1.0" encoding="utf-8"?>
 <p:sld xmlns:a="http://schemas.openxmlformats.org/drawingml/2006/main" xmlns:r="http://schemas.openxmlformats.org/officeDocument/2006/relationships" xmlns:p="http://schemas.openxmlformats.org/presentationml/2006/main">
   <p:cSld>
     <p:spTree>
@@ -33435,7 +34062,7 @@
 </p:sld>
 </file>
 
-<file path=ppt/slides/slide38.xml><?xml version="1.0" encoding="utf-8"?>
+<file path=ppt/slides/slide39.xml><?xml version="1.0" encoding="utf-8"?>
 <p:sld xmlns:a="http://schemas.openxmlformats.org/drawingml/2006/main" xmlns:r="http://schemas.openxmlformats.org/officeDocument/2006/relationships" xmlns:p="http://schemas.openxmlformats.org/presentationml/2006/main">
   <p:cSld>
     <p:spTree>
@@ -34252,7 +34879,830 @@
 </p:sld>
 </file>
 
-<file path=ppt/slides/slide39.xml><?xml version="1.0" encoding="utf-8"?>
+<file path=ppt/slides/slide4.xml><?xml version="1.0" encoding="utf-8"?>
+<p:sld xmlns:a="http://schemas.openxmlformats.org/drawingml/2006/main" xmlns:r="http://schemas.openxmlformats.org/officeDocument/2006/relationships" xmlns:p="http://schemas.openxmlformats.org/presentationml/2006/main">
+  <p:cSld>
+    <p:spTree>
+      <p:nvGrpSpPr>
+        <p:cNvPr id="1" name=""/>
+        <p:cNvGrpSpPr/>
+        <p:nvPr/>
+      </p:nvGrpSpPr>
+      <p:grpSpPr>
+        <a:xfrm>
+          <a:off x="0" y="0"/>
+          <a:ext cx="0" cy="0"/>
+          <a:chOff x="0" y="0"/>
+          <a:chExt cx="0" cy="0"/>
+        </a:xfrm>
+      </p:grpSpPr>
+      <p:sp>
+        <p:nvSpPr>
+          <p:cNvPr id="3" name="内容占位符 2"/>
+          <p:cNvSpPr>
+            <a:spLocks noGrp="1"/>
+          </p:cNvSpPr>
+          <p:nvPr>
+            <p:ph idx="1"/>
+          </p:nvPr>
+        </p:nvSpPr>
+        <p:spPr>
+          <a:xfrm>
+            <a:off x="961450" y="1383755"/>
+            <a:ext cx="5543854" cy="4389120"/>
+          </a:xfrm>
+        </p:spPr>
+        <p:txBody>
+          <a:bodyPr/>
+          <a:lstStyle/>
+          <a:p>
+            <a:pPr>
+              <a:lnSpc>
+                <a:spcPct val="150000"/>
+              </a:lnSpc>
+            </a:pPr>
+            <a:r>
+              <a:rPr lang="zh-CN" altLang="en-US" dirty="0"/>
+              <a:t>健壮性分析中三种元素的交互规则：</a:t>
+            </a:r>
+            <a:endParaRPr lang="en-US" altLang="zh-CN" dirty="0"/>
+          </a:p>
+          <a:p>
+            <a:pPr lvl="1">
+              <a:lnSpc>
+                <a:spcPct val="150000"/>
+              </a:lnSpc>
+            </a:pPr>
+            <a:r>
+              <a:rPr lang="zh-CN" altLang="en-US" dirty="0">
+                <a:solidFill>
+                  <a:srgbClr val="FF0000"/>
+                </a:solidFill>
+              </a:rPr>
+              <a:t>执行者</a:t>
+            </a:r>
+            <a:r>
+              <a:rPr lang="zh-CN" altLang="en-US" dirty="0"/>
+              <a:t>只可以和</a:t>
+            </a:r>
+            <a:r>
+              <a:rPr lang="zh-CN" altLang="en-US" dirty="0">
+                <a:solidFill>
+                  <a:srgbClr val="FF0000"/>
+                </a:solidFill>
+              </a:rPr>
+              <a:t>边界</a:t>
+            </a:r>
+            <a:r>
+              <a:rPr lang="zh-CN" altLang="en-US" dirty="0"/>
+              <a:t>对象通话；</a:t>
+            </a:r>
+            <a:endParaRPr lang="en-US" altLang="zh-CN" dirty="0"/>
+          </a:p>
+          <a:p>
+            <a:pPr lvl="1">
+              <a:lnSpc>
+                <a:spcPct val="150000"/>
+              </a:lnSpc>
+            </a:pPr>
+            <a:r>
+              <a:rPr lang="zh-CN" altLang="en-US" dirty="0">
+                <a:solidFill>
+                  <a:srgbClr val="FF0000"/>
+                </a:solidFill>
+              </a:rPr>
+              <a:t>边界</a:t>
+            </a:r>
+            <a:r>
+              <a:rPr lang="zh-CN" altLang="en-US" dirty="0"/>
+              <a:t>对象和</a:t>
+            </a:r>
+            <a:r>
+              <a:rPr lang="zh-CN" altLang="en-US" dirty="0">
+                <a:solidFill>
+                  <a:srgbClr val="FF0000"/>
+                </a:solidFill>
+              </a:rPr>
+              <a:t>控制器</a:t>
+            </a:r>
+            <a:r>
+              <a:rPr lang="zh-CN" altLang="en-US" dirty="0"/>
+              <a:t>可以互相通话（</a:t>
+            </a:r>
+            <a:r>
+              <a:rPr lang="zh-CN" altLang="en-US" b="1" dirty="0">
+                <a:solidFill>
+                  <a:srgbClr val="FF0000"/>
+                </a:solidFill>
+              </a:rPr>
+              <a:t>名词</a:t>
+            </a:r>
+            <a:r>
+              <a:rPr lang="en-US" altLang="en-US" b="1" dirty="0">
+                <a:solidFill>
+                  <a:srgbClr val="FF0000"/>
+                </a:solidFill>
+              </a:rPr>
+              <a:t>&lt;-&gt;</a:t>
+            </a:r>
+            <a:r>
+              <a:rPr lang="zh-CN" altLang="en-US" b="1" dirty="0">
+                <a:solidFill>
+                  <a:srgbClr val="FF0000"/>
+                </a:solidFill>
+              </a:rPr>
+              <a:t>动词</a:t>
+            </a:r>
+            <a:r>
+              <a:rPr lang="zh-CN" altLang="en-US" dirty="0"/>
+              <a:t>）；</a:t>
+            </a:r>
+            <a:endParaRPr lang="en-US" altLang="zh-CN" dirty="0"/>
+          </a:p>
+          <a:p>
+            <a:pPr lvl="1">
+              <a:lnSpc>
+                <a:spcPct val="150000"/>
+              </a:lnSpc>
+            </a:pPr>
+            <a:r>
+              <a:rPr lang="zh-CN" altLang="en-US" dirty="0">
+                <a:solidFill>
+                  <a:srgbClr val="FF0000"/>
+                </a:solidFill>
+              </a:rPr>
+              <a:t>控制器</a:t>
+            </a:r>
+            <a:r>
+              <a:rPr lang="zh-CN" altLang="en-US" dirty="0"/>
+              <a:t>可以和另一个</a:t>
+            </a:r>
+            <a:r>
+              <a:rPr lang="zh-CN" altLang="en-US" dirty="0">
+                <a:solidFill>
+                  <a:srgbClr val="FF0000"/>
+                </a:solidFill>
+              </a:rPr>
+              <a:t>控制器</a:t>
+            </a:r>
+            <a:r>
+              <a:rPr lang="zh-CN" altLang="en-US" dirty="0"/>
+              <a:t>通话（</a:t>
+            </a:r>
+            <a:r>
+              <a:rPr lang="zh-CN" altLang="en-US" b="1" dirty="0">
+                <a:solidFill>
+                  <a:srgbClr val="FF0000"/>
+                </a:solidFill>
+              </a:rPr>
+              <a:t>动词</a:t>
+            </a:r>
+            <a:r>
+              <a:rPr lang="en-US" altLang="en-US" b="1" dirty="0">
+                <a:solidFill>
+                  <a:srgbClr val="FF0000"/>
+                </a:solidFill>
+              </a:rPr>
+              <a:t>&lt;-&gt;</a:t>
+            </a:r>
+            <a:r>
+              <a:rPr lang="zh-CN" altLang="en-US" b="1" dirty="0">
+                <a:solidFill>
+                  <a:srgbClr val="FF0000"/>
+                </a:solidFill>
+              </a:rPr>
+              <a:t>动词</a:t>
+            </a:r>
+            <a:r>
+              <a:rPr lang="zh-CN" altLang="en-US" dirty="0"/>
+              <a:t>）；</a:t>
+            </a:r>
+            <a:endParaRPr lang="zh-CN" altLang="en-US" dirty="0"/>
+          </a:p>
+          <a:p>
+            <a:pPr lvl="1">
+              <a:lnSpc>
+                <a:spcPct val="150000"/>
+              </a:lnSpc>
+            </a:pPr>
+            <a:r>
+              <a:rPr lang="zh-CN" altLang="en-US" dirty="0">
+                <a:solidFill>
+                  <a:srgbClr val="FF0000"/>
+                </a:solidFill>
+              </a:rPr>
+              <a:t>控制器</a:t>
+            </a:r>
+            <a:r>
+              <a:rPr lang="zh-CN" altLang="en-US" dirty="0"/>
+              <a:t>和</a:t>
+            </a:r>
+            <a:r>
+              <a:rPr lang="zh-CN" altLang="en-US" dirty="0">
+                <a:solidFill>
+                  <a:srgbClr val="FF0000"/>
+                </a:solidFill>
+              </a:rPr>
+              <a:t>实体</a:t>
+            </a:r>
+            <a:r>
+              <a:rPr lang="zh-CN" altLang="en-US" dirty="0"/>
+              <a:t>对象可以互相通话（</a:t>
+            </a:r>
+            <a:r>
+              <a:rPr lang="zh-CN" altLang="en-US" b="1" dirty="0">
+                <a:solidFill>
+                  <a:srgbClr val="FF0000"/>
+                </a:solidFill>
+              </a:rPr>
+              <a:t>动词</a:t>
+            </a:r>
+            <a:r>
+              <a:rPr lang="en-US" altLang="en-US" b="1" dirty="0">
+                <a:solidFill>
+                  <a:srgbClr val="FF0000"/>
+                </a:solidFill>
+              </a:rPr>
+              <a:t>&lt;-&gt;</a:t>
+            </a:r>
+            <a:r>
+              <a:rPr lang="zh-CN" altLang="en-US" b="1" dirty="0">
+                <a:solidFill>
+                  <a:srgbClr val="FF0000"/>
+                </a:solidFill>
+              </a:rPr>
+              <a:t>名词</a:t>
+            </a:r>
+            <a:r>
+              <a:rPr lang="zh-CN" altLang="en-US" dirty="0"/>
+              <a:t>）；</a:t>
+            </a:r>
+            <a:endParaRPr lang="zh-CN" altLang="en-US" dirty="0"/>
+          </a:p>
+          <a:p>
+            <a:pPr lvl="1">
+              <a:lnSpc>
+                <a:spcPct val="150000"/>
+              </a:lnSpc>
+            </a:pPr>
+            <a:endParaRPr lang="en-US" altLang="zh-CN" dirty="0"/>
+          </a:p>
+          <a:p>
+            <a:pPr>
+              <a:lnSpc>
+                <a:spcPct val="150000"/>
+              </a:lnSpc>
+            </a:pPr>
+            <a:endParaRPr lang="zh-CN" altLang="en-US" dirty="0"/>
+          </a:p>
+        </p:txBody>
+      </p:sp>
+      <p:pic>
+        <p:nvPicPr>
+          <p:cNvPr id="9" name="Picture 2"/>
+          <p:cNvPicPr>
+            <a:picLocks noChangeAspect="1" noChangeArrowheads="1"/>
+          </p:cNvPicPr>
+          <p:nvPr/>
+        </p:nvPicPr>
+        <p:blipFill>
+          <a:blip r:embed="rId1">
+            <a:clrChange>
+              <a:clrFrom>
+                <a:srgbClr val="FFFFFF"/>
+              </a:clrFrom>
+              <a:clrTo>
+                <a:srgbClr val="FFFFFF">
+                  <a:alpha val="0"/>
+                </a:srgbClr>
+              </a:clrTo>
+            </a:clrChange>
+          </a:blip>
+          <a:srcRect l="8106" t="3456" r="7068" b="3786"/>
+          <a:stretch>
+            <a:fillRect/>
+          </a:stretch>
+        </p:blipFill>
+        <p:spPr bwMode="auto">
+          <a:xfrm>
+            <a:off x="6900226" y="1697839"/>
+            <a:ext cx="5064485" cy="4135996"/>
+          </a:xfrm>
+          <a:prstGeom prst="rect">
+            <a:avLst/>
+          </a:prstGeom>
+          <a:solidFill>
+            <a:schemeClr val="bg1"/>
+          </a:solidFill>
+          <a:ln w="9525">
+            <a:noFill/>
+            <a:miter lim="800000"/>
+            <a:headEnd/>
+            <a:tailEnd/>
+          </a:ln>
+        </p:spPr>
+      </p:pic>
+      <p:sp>
+        <p:nvSpPr>
+          <p:cNvPr id="5" name="文本框 4"/>
+          <p:cNvSpPr txBox="1"/>
+          <p:nvPr/>
+        </p:nvSpPr>
+        <p:spPr>
+          <a:xfrm>
+            <a:off x="274320" y="449590"/>
+            <a:ext cx="4698722" cy="584775"/>
+          </a:xfrm>
+          <a:prstGeom prst="rect">
+            <a:avLst/>
+          </a:prstGeom>
+          <a:noFill/>
+        </p:spPr>
+        <p:txBody>
+          <a:bodyPr wrap="none" rtlCol="0">
+            <a:spAutoFit/>
+          </a:bodyPr>
+          <a:lstStyle/>
+          <a:p>
+            <a:r>
+              <a:rPr lang="zh-CN" altLang="en-US" sz="3200" b="1" dirty="0">
+                <a:solidFill>
+                  <a:srgbClr val="141316"/>
+                </a:solidFill>
+                <a:latin typeface="微软雅黑" panose="020B0503020204020204" pitchFamily="34" charset="-122"/>
+                <a:ea typeface="微软雅黑" panose="020B0503020204020204" pitchFamily="34" charset="-122"/>
+              </a:rPr>
+              <a:t>健壮性分析中的基本概念</a:t>
+            </a:r>
+            <a:endParaRPr lang="zh-CN" altLang="en-US" sz="3200" b="1" dirty="0">
+              <a:solidFill>
+                <a:srgbClr val="141316"/>
+              </a:solidFill>
+              <a:latin typeface="微软雅黑" panose="020B0503020204020204" pitchFamily="34" charset="-122"/>
+              <a:ea typeface="微软雅黑" panose="020B0503020204020204" pitchFamily="34" charset="-122"/>
+            </a:endParaRPr>
+          </a:p>
+        </p:txBody>
+      </p:sp>
+      <p:cxnSp>
+        <p:nvCxnSpPr>
+          <p:cNvPr id="6" name="直接连接符 5"/>
+          <p:cNvCxnSpPr/>
+          <p:nvPr/>
+        </p:nvCxnSpPr>
+        <p:spPr>
+          <a:xfrm>
+            <a:off x="0" y="1019125"/>
+            <a:ext cx="12192000" cy="0"/>
+          </a:xfrm>
+          <a:prstGeom prst="line">
+            <a:avLst/>
+          </a:prstGeom>
+          <a:ln>
+            <a:solidFill>
+              <a:srgbClr val="B82E24"/>
+            </a:solidFill>
+            <a:prstDash val="solid"/>
+          </a:ln>
+        </p:spPr>
+        <p:style>
+          <a:lnRef idx="1">
+            <a:schemeClr val="accent1"/>
+          </a:lnRef>
+          <a:fillRef idx="0">
+            <a:schemeClr val="accent1"/>
+          </a:fillRef>
+          <a:effectRef idx="0">
+            <a:schemeClr val="accent1"/>
+          </a:effectRef>
+          <a:fontRef idx="minor">
+            <a:schemeClr val="tx1"/>
+          </a:fontRef>
+        </p:style>
+      </p:cxnSp>
+      <p:grpSp>
+        <p:nvGrpSpPr>
+          <p:cNvPr id="7" name="组合 6"/>
+          <p:cNvGrpSpPr/>
+          <p:nvPr/>
+        </p:nvGrpSpPr>
+        <p:grpSpPr>
+          <a:xfrm>
+            <a:off x="4954158" y="618055"/>
+            <a:ext cx="491490" cy="318085"/>
+            <a:chOff x="3017520" y="601990"/>
+            <a:chExt cx="491490" cy="414010"/>
+          </a:xfrm>
+        </p:grpSpPr>
+        <p:sp>
+          <p:nvSpPr>
+            <p:cNvPr id="8" name="燕尾形 7"/>
+            <p:cNvSpPr/>
+            <p:nvPr/>
+          </p:nvSpPr>
+          <p:spPr>
+            <a:xfrm>
+              <a:off x="3017520" y="601990"/>
+              <a:ext cx="198120" cy="414010"/>
+            </a:xfrm>
+            <a:prstGeom prst="chevron">
+              <a:avLst/>
+            </a:prstGeom>
+            <a:solidFill>
+              <a:srgbClr val="F5715B"/>
+            </a:solidFill>
+            <a:ln>
+              <a:noFill/>
+            </a:ln>
+          </p:spPr>
+          <p:style>
+            <a:lnRef idx="2">
+              <a:schemeClr val="accent1">
+                <a:shade val="50000"/>
+              </a:schemeClr>
+            </a:lnRef>
+            <a:fillRef idx="1">
+              <a:schemeClr val="accent1"/>
+            </a:fillRef>
+            <a:effectRef idx="0">
+              <a:schemeClr val="accent1"/>
+            </a:effectRef>
+            <a:fontRef idx="minor">
+              <a:schemeClr val="lt1"/>
+            </a:fontRef>
+          </p:style>
+          <p:txBody>
+            <a:bodyPr rtlCol="0" anchor="ctr"/>
+            <a:lstStyle/>
+            <a:p>
+              <a:pPr algn="ctr"/>
+              <a:endParaRPr lang="zh-CN" altLang="en-US">
+                <a:solidFill>
+                  <a:schemeClr val="tx1"/>
+                </a:solidFill>
+              </a:endParaRPr>
+            </a:p>
+          </p:txBody>
+        </p:sp>
+        <p:sp>
+          <p:nvSpPr>
+            <p:cNvPr id="10" name="燕尾形 9"/>
+            <p:cNvSpPr/>
+            <p:nvPr/>
+          </p:nvSpPr>
+          <p:spPr>
+            <a:xfrm>
+              <a:off x="3164205" y="601990"/>
+              <a:ext cx="198120" cy="414010"/>
+            </a:xfrm>
+            <a:prstGeom prst="chevron">
+              <a:avLst/>
+            </a:prstGeom>
+            <a:solidFill>
+              <a:srgbClr val="F93D32"/>
+            </a:solidFill>
+            <a:ln>
+              <a:noFill/>
+            </a:ln>
+          </p:spPr>
+          <p:style>
+            <a:lnRef idx="2">
+              <a:schemeClr val="accent1">
+                <a:shade val="50000"/>
+              </a:schemeClr>
+            </a:lnRef>
+            <a:fillRef idx="1">
+              <a:schemeClr val="accent1"/>
+            </a:fillRef>
+            <a:effectRef idx="0">
+              <a:schemeClr val="accent1"/>
+            </a:effectRef>
+            <a:fontRef idx="minor">
+              <a:schemeClr val="lt1"/>
+            </a:fontRef>
+          </p:style>
+          <p:txBody>
+            <a:bodyPr rtlCol="0" anchor="ctr"/>
+            <a:lstStyle/>
+            <a:p>
+              <a:pPr algn="ctr"/>
+              <a:endParaRPr lang="zh-CN" altLang="en-US">
+                <a:solidFill>
+                  <a:schemeClr val="tx1"/>
+                </a:solidFill>
+              </a:endParaRPr>
+            </a:p>
+          </p:txBody>
+        </p:sp>
+        <p:sp>
+          <p:nvSpPr>
+            <p:cNvPr id="11" name="燕尾形 10"/>
+            <p:cNvSpPr/>
+            <p:nvPr/>
+          </p:nvSpPr>
+          <p:spPr>
+            <a:xfrm>
+              <a:off x="3310890" y="601990"/>
+              <a:ext cx="198120" cy="414010"/>
+            </a:xfrm>
+            <a:prstGeom prst="chevron">
+              <a:avLst/>
+            </a:prstGeom>
+            <a:solidFill>
+              <a:srgbClr val="B82E24"/>
+            </a:solidFill>
+            <a:ln>
+              <a:noFill/>
+            </a:ln>
+          </p:spPr>
+          <p:style>
+            <a:lnRef idx="2">
+              <a:schemeClr val="accent1">
+                <a:shade val="50000"/>
+              </a:schemeClr>
+            </a:lnRef>
+            <a:fillRef idx="1">
+              <a:schemeClr val="accent1"/>
+            </a:fillRef>
+            <a:effectRef idx="0">
+              <a:schemeClr val="accent1"/>
+            </a:effectRef>
+            <a:fontRef idx="minor">
+              <a:schemeClr val="lt1"/>
+            </a:fontRef>
+          </p:style>
+          <p:txBody>
+            <a:bodyPr rtlCol="0" anchor="ctr"/>
+            <a:lstStyle/>
+            <a:p>
+              <a:pPr algn="ctr"/>
+              <a:endParaRPr lang="zh-CN" altLang="en-US">
+                <a:solidFill>
+                  <a:schemeClr val="tx1"/>
+                </a:solidFill>
+              </a:endParaRPr>
+            </a:p>
+          </p:txBody>
+        </p:sp>
+      </p:grpSp>
+      <p:sp>
+        <p:nvSpPr>
+          <p:cNvPr id="12" name="矩形 11"/>
+          <p:cNvSpPr/>
+          <p:nvPr/>
+        </p:nvSpPr>
+        <p:spPr>
+          <a:xfrm>
+            <a:off x="7818120" y="912444"/>
+            <a:ext cx="944880" cy="103556"/>
+          </a:xfrm>
+          <a:prstGeom prst="rect">
+            <a:avLst/>
+          </a:prstGeom>
+          <a:solidFill>
+            <a:schemeClr val="tx1">
+              <a:lumMod val="65000"/>
+              <a:lumOff val="35000"/>
+            </a:schemeClr>
+          </a:solidFill>
+          <a:ln>
+            <a:noFill/>
+          </a:ln>
+        </p:spPr>
+        <p:style>
+          <a:lnRef idx="2">
+            <a:schemeClr val="accent1">
+              <a:shade val="50000"/>
+            </a:schemeClr>
+          </a:lnRef>
+          <a:fillRef idx="1">
+            <a:schemeClr val="accent1"/>
+          </a:fillRef>
+          <a:effectRef idx="0">
+            <a:schemeClr val="accent1"/>
+          </a:effectRef>
+          <a:fontRef idx="minor">
+            <a:schemeClr val="lt1"/>
+          </a:fontRef>
+        </p:style>
+        <p:txBody>
+          <a:bodyPr rtlCol="0" anchor="ctr"/>
+          <a:lstStyle/>
+          <a:p>
+            <a:pPr algn="ctr"/>
+            <a:endParaRPr lang="zh-CN" altLang="en-US"/>
+          </a:p>
+        </p:txBody>
+      </p:sp>
+      <p:sp>
+        <p:nvSpPr>
+          <p:cNvPr id="13" name="矩形 12"/>
+          <p:cNvSpPr/>
+          <p:nvPr/>
+        </p:nvSpPr>
+        <p:spPr>
+          <a:xfrm>
+            <a:off x="8885357" y="912444"/>
+            <a:ext cx="944880" cy="103556"/>
+          </a:xfrm>
+          <a:prstGeom prst="rect">
+            <a:avLst/>
+          </a:prstGeom>
+          <a:solidFill>
+            <a:schemeClr val="tx1">
+              <a:lumMod val="65000"/>
+              <a:lumOff val="35000"/>
+            </a:schemeClr>
+          </a:solidFill>
+          <a:ln>
+            <a:noFill/>
+          </a:ln>
+        </p:spPr>
+        <p:style>
+          <a:lnRef idx="2">
+            <a:schemeClr val="accent1">
+              <a:shade val="50000"/>
+            </a:schemeClr>
+          </a:lnRef>
+          <a:fillRef idx="1">
+            <a:schemeClr val="accent1"/>
+          </a:fillRef>
+          <a:effectRef idx="0">
+            <a:schemeClr val="accent1"/>
+          </a:effectRef>
+          <a:fontRef idx="minor">
+            <a:schemeClr val="lt1"/>
+          </a:fontRef>
+        </p:style>
+        <p:txBody>
+          <a:bodyPr rtlCol="0" anchor="ctr"/>
+          <a:lstStyle/>
+          <a:p>
+            <a:pPr algn="ctr"/>
+            <a:endParaRPr lang="zh-CN" altLang="en-US"/>
+          </a:p>
+        </p:txBody>
+      </p:sp>
+      <p:sp>
+        <p:nvSpPr>
+          <p:cNvPr id="14" name="矩形 13"/>
+          <p:cNvSpPr/>
+          <p:nvPr/>
+        </p:nvSpPr>
+        <p:spPr>
+          <a:xfrm>
+            <a:off x="9952594" y="912444"/>
+            <a:ext cx="944880" cy="103556"/>
+          </a:xfrm>
+          <a:prstGeom prst="rect">
+            <a:avLst/>
+          </a:prstGeom>
+          <a:solidFill>
+            <a:schemeClr val="tx1">
+              <a:lumMod val="65000"/>
+              <a:lumOff val="35000"/>
+            </a:schemeClr>
+          </a:solidFill>
+          <a:ln>
+            <a:noFill/>
+          </a:ln>
+        </p:spPr>
+        <p:style>
+          <a:lnRef idx="2">
+            <a:schemeClr val="accent1">
+              <a:shade val="50000"/>
+            </a:schemeClr>
+          </a:lnRef>
+          <a:fillRef idx="1">
+            <a:schemeClr val="accent1"/>
+          </a:fillRef>
+          <a:effectRef idx="0">
+            <a:schemeClr val="accent1"/>
+          </a:effectRef>
+          <a:fontRef idx="minor">
+            <a:schemeClr val="lt1"/>
+          </a:fontRef>
+        </p:style>
+        <p:txBody>
+          <a:bodyPr rtlCol="0" anchor="ctr"/>
+          <a:lstStyle/>
+          <a:p>
+            <a:pPr algn="ctr"/>
+            <a:endParaRPr lang="zh-CN" altLang="en-US"/>
+          </a:p>
+        </p:txBody>
+      </p:sp>
+      <p:sp>
+        <p:nvSpPr>
+          <p:cNvPr id="15" name="矩形 14"/>
+          <p:cNvSpPr/>
+          <p:nvPr/>
+        </p:nvSpPr>
+        <p:spPr>
+          <a:xfrm>
+            <a:off x="11019831" y="912444"/>
+            <a:ext cx="944880" cy="103556"/>
+          </a:xfrm>
+          <a:prstGeom prst="rect">
+            <a:avLst/>
+          </a:prstGeom>
+          <a:solidFill>
+            <a:schemeClr val="tx1">
+              <a:lumMod val="65000"/>
+              <a:lumOff val="35000"/>
+            </a:schemeClr>
+          </a:solidFill>
+          <a:ln>
+            <a:noFill/>
+          </a:ln>
+        </p:spPr>
+        <p:style>
+          <a:lnRef idx="2">
+            <a:schemeClr val="accent1">
+              <a:shade val="50000"/>
+            </a:schemeClr>
+          </a:lnRef>
+          <a:fillRef idx="1">
+            <a:schemeClr val="accent1"/>
+          </a:fillRef>
+          <a:effectRef idx="0">
+            <a:schemeClr val="accent1"/>
+          </a:effectRef>
+          <a:fontRef idx="minor">
+            <a:schemeClr val="lt1"/>
+          </a:fontRef>
+        </p:style>
+        <p:txBody>
+          <a:bodyPr rtlCol="0" anchor="ctr"/>
+          <a:lstStyle/>
+          <a:p>
+            <a:pPr algn="ctr"/>
+            <a:endParaRPr lang="zh-CN" altLang="en-US"/>
+          </a:p>
+        </p:txBody>
+      </p:sp>
+      <p:sp>
+        <p:nvSpPr>
+          <p:cNvPr id="16" name="矩形 15"/>
+          <p:cNvSpPr/>
+          <p:nvPr/>
+        </p:nvSpPr>
+        <p:spPr>
+          <a:xfrm>
+            <a:off x="7818120" y="796875"/>
+            <a:ext cx="944880" cy="220253"/>
+          </a:xfrm>
+          <a:prstGeom prst="rect">
+            <a:avLst/>
+          </a:prstGeom>
+          <a:solidFill>
+            <a:srgbClr val="BE1007"/>
+          </a:solidFill>
+          <a:ln>
+            <a:noFill/>
+          </a:ln>
+        </p:spPr>
+        <p:style>
+          <a:lnRef idx="2">
+            <a:schemeClr val="accent1">
+              <a:shade val="50000"/>
+            </a:schemeClr>
+          </a:lnRef>
+          <a:fillRef idx="1">
+            <a:schemeClr val="accent1"/>
+          </a:fillRef>
+          <a:effectRef idx="0">
+            <a:schemeClr val="accent1"/>
+          </a:effectRef>
+          <a:fontRef idx="minor">
+            <a:schemeClr val="lt1"/>
+          </a:fontRef>
+        </p:style>
+        <p:txBody>
+          <a:bodyPr rtlCol="0" anchor="ctr"/>
+          <a:lstStyle/>
+          <a:p>
+            <a:pPr algn="ctr"/>
+            <a:endParaRPr lang="zh-CN" altLang="en-US"/>
+          </a:p>
+        </p:txBody>
+      </p:sp>
+    </p:spTree>
+  </p:cSld>
+  <p:clrMapOvr>
+    <a:masterClrMapping/>
+  </p:clrMapOvr>
+  <p:timing>
+    <p:tnLst>
+      <p:par>
+        <p:cTn id="1" dur="indefinite" restart="never" nodeType="tmRoot"/>
+      </p:par>
+    </p:tnLst>
+  </p:timing>
+</p:sld>
+</file>
+
+<file path=ppt/slides/slide40.xml><?xml version="1.0" encoding="utf-8"?>
 <p:sld xmlns:a="http://schemas.openxmlformats.org/drawingml/2006/main" xmlns:r="http://schemas.openxmlformats.org/officeDocument/2006/relationships" xmlns:p="http://schemas.openxmlformats.org/presentationml/2006/main">
   <p:cSld>
     <p:spTree>
@@ -34612,7 +36062,7 @@
 </p:sld>
 </file>
 
-<file path=ppt/slides/slide4.xml><?xml version="1.0" encoding="utf-8"?>
+<file path=ppt/slides/slide5.xml><?xml version="1.0" encoding="utf-8"?>
 <p:sld xmlns:a="http://schemas.openxmlformats.org/drawingml/2006/main" xmlns:r="http://schemas.openxmlformats.org/officeDocument/2006/relationships" xmlns:p="http://schemas.openxmlformats.org/presentationml/2006/main">
   <p:cSld>
     <p:spTree>
@@ -36304,484 +37754,14 @@
   <p:timing>
     <p:tnLst>
       <p:par>
-        <p:cTn id="1" dur="indefinite" restart="never" nodeType="tmRoot">
-          <p:childTnLst>
-            <p:seq concurrent="1" nextAc="seek">
-              <p:cTn id="2" dur="indefinite" nodeType="mainSeq">
-                <p:childTnLst>
-                  <p:par>
-                    <p:cTn id="3" fill="hold">
-                      <p:stCondLst>
-                        <p:cond delay="indefinite"/>
-                      </p:stCondLst>
-                      <p:childTnLst>
-                        <p:par>
-                          <p:cTn id="4" fill="hold">
-                            <p:stCondLst>
-                              <p:cond delay="0"/>
-                            </p:stCondLst>
-                            <p:childTnLst>
-                              <p:par>
-                                <p:cTn id="5" presetID="10" presetClass="entr" presetSubtype="0" fill="hold" nodeType="clickEffect">
-                                  <p:stCondLst>
-                                    <p:cond delay="0"/>
-                                  </p:stCondLst>
-                                  <p:childTnLst>
-                                    <p:set>
-                                      <p:cBhvr>
-                                        <p:cTn id="6" dur="1" fill="hold">
-                                          <p:stCondLst>
-                                            <p:cond delay="0"/>
-                                          </p:stCondLst>
-                                        </p:cTn>
-                                        <p:tgtEl>
-                                          <p:spTgt spid="60"/>
-                                        </p:tgtEl>
-                                        <p:attrNameLst>
-                                          <p:attrName>style.visibility</p:attrName>
-                                        </p:attrNameLst>
-                                      </p:cBhvr>
-                                      <p:to>
-                                        <p:strVal val="visible"/>
-                                      </p:to>
-                                    </p:set>
-                                    <p:animEffect transition="in" filter="fade">
-                                      <p:cBhvr>
-                                        <p:cTn id="7" dur="2000"/>
-                                        <p:tgtEl>
-                                          <p:spTgt spid="60"/>
-                                        </p:tgtEl>
-                                      </p:cBhvr>
-                                    </p:animEffect>
-                                  </p:childTnLst>
-                                </p:cTn>
-                              </p:par>
-                              <p:par>
-                                <p:cTn id="8" presetID="10" presetClass="entr" presetSubtype="0" fill="hold" grpId="0" nodeType="withEffect">
-                                  <p:stCondLst>
-                                    <p:cond delay="0"/>
-                                  </p:stCondLst>
-                                  <p:childTnLst>
-                                    <p:set>
-                                      <p:cBhvr>
-                                        <p:cTn id="9" dur="1" fill="hold">
-                                          <p:stCondLst>
-                                            <p:cond delay="0"/>
-                                          </p:stCondLst>
-                                        </p:cTn>
-                                        <p:tgtEl>
-                                          <p:spTgt spid="51"/>
-                                        </p:tgtEl>
-                                        <p:attrNameLst>
-                                          <p:attrName>style.visibility</p:attrName>
-                                        </p:attrNameLst>
-                                      </p:cBhvr>
-                                      <p:to>
-                                        <p:strVal val="visible"/>
-                                      </p:to>
-                                    </p:set>
-                                    <p:animEffect transition="in" filter="fade">
-                                      <p:cBhvr>
-                                        <p:cTn id="10" dur="2000"/>
-                                        <p:tgtEl>
-                                          <p:spTgt spid="51"/>
-                                        </p:tgtEl>
-                                      </p:cBhvr>
-                                    </p:animEffect>
-                                  </p:childTnLst>
-                                </p:cTn>
-                              </p:par>
-                            </p:childTnLst>
-                          </p:cTn>
-                        </p:par>
-                      </p:childTnLst>
-                    </p:cTn>
-                  </p:par>
-                  <p:par>
-                    <p:cTn id="11" fill="hold">
-                      <p:stCondLst>
-                        <p:cond delay="indefinite"/>
-                      </p:stCondLst>
-                      <p:childTnLst>
-                        <p:par>
-                          <p:cTn id="12" fill="hold">
-                            <p:stCondLst>
-                              <p:cond delay="0"/>
-                            </p:stCondLst>
-                            <p:childTnLst>
-                              <p:par>
-                                <p:cTn id="13" presetID="10" presetClass="entr" presetSubtype="0" fill="hold" nodeType="clickEffect">
-                                  <p:stCondLst>
-                                    <p:cond delay="0"/>
-                                  </p:stCondLst>
-                                  <p:childTnLst>
-                                    <p:set>
-                                      <p:cBhvr>
-                                        <p:cTn id="14" dur="1" fill="hold">
-                                          <p:stCondLst>
-                                            <p:cond delay="0"/>
-                                          </p:stCondLst>
-                                        </p:cTn>
-                                        <p:tgtEl>
-                                          <p:spTgt spid="63"/>
-                                        </p:tgtEl>
-                                        <p:attrNameLst>
-                                          <p:attrName>style.visibility</p:attrName>
-                                        </p:attrNameLst>
-                                      </p:cBhvr>
-                                      <p:to>
-                                        <p:strVal val="visible"/>
-                                      </p:to>
-                                    </p:set>
-                                    <p:animEffect transition="in" filter="fade">
-                                      <p:cBhvr>
-                                        <p:cTn id="15" dur="2000"/>
-                                        <p:tgtEl>
-                                          <p:spTgt spid="63"/>
-                                        </p:tgtEl>
-                                      </p:cBhvr>
-                                    </p:animEffect>
-                                  </p:childTnLst>
-                                </p:cTn>
-                              </p:par>
-                              <p:par>
-                                <p:cTn id="16" presetID="10" presetClass="entr" presetSubtype="0" fill="hold" grpId="0" nodeType="withEffect">
-                                  <p:stCondLst>
-                                    <p:cond delay="0"/>
-                                  </p:stCondLst>
-                                  <p:childTnLst>
-                                    <p:set>
-                                      <p:cBhvr>
-                                        <p:cTn id="17" dur="1" fill="hold">
-                                          <p:stCondLst>
-                                            <p:cond delay="0"/>
-                                          </p:stCondLst>
-                                        </p:cTn>
-                                        <p:tgtEl>
-                                          <p:spTgt spid="57"/>
-                                        </p:tgtEl>
-                                        <p:attrNameLst>
-                                          <p:attrName>style.visibility</p:attrName>
-                                        </p:attrNameLst>
-                                      </p:cBhvr>
-                                      <p:to>
-                                        <p:strVal val="visible"/>
-                                      </p:to>
-                                    </p:set>
-                                    <p:animEffect transition="in" filter="fade">
-                                      <p:cBhvr>
-                                        <p:cTn id="18" dur="2000"/>
-                                        <p:tgtEl>
-                                          <p:spTgt spid="57"/>
-                                        </p:tgtEl>
-                                      </p:cBhvr>
-                                    </p:animEffect>
-                                  </p:childTnLst>
-                                </p:cTn>
-                              </p:par>
-                            </p:childTnLst>
-                          </p:cTn>
-                        </p:par>
-                      </p:childTnLst>
-                    </p:cTn>
-                  </p:par>
-                  <p:par>
-                    <p:cTn id="19" fill="hold">
-                      <p:stCondLst>
-                        <p:cond delay="indefinite"/>
-                      </p:stCondLst>
-                      <p:childTnLst>
-                        <p:par>
-                          <p:cTn id="20" fill="hold">
-                            <p:stCondLst>
-                              <p:cond delay="0"/>
-                            </p:stCondLst>
-                            <p:childTnLst>
-                              <p:par>
-                                <p:cTn id="21" presetID="10" presetClass="entr" presetSubtype="0" fill="hold" nodeType="clickEffect">
-                                  <p:stCondLst>
-                                    <p:cond delay="0"/>
-                                  </p:stCondLst>
-                                  <p:childTnLst>
-                                    <p:set>
-                                      <p:cBhvr>
-                                        <p:cTn id="22" dur="1" fill="hold">
-                                          <p:stCondLst>
-                                            <p:cond delay="0"/>
-                                          </p:stCondLst>
-                                        </p:cTn>
-                                        <p:tgtEl>
-                                          <p:spTgt spid="66"/>
-                                        </p:tgtEl>
-                                        <p:attrNameLst>
-                                          <p:attrName>style.visibility</p:attrName>
-                                        </p:attrNameLst>
-                                      </p:cBhvr>
-                                      <p:to>
-                                        <p:strVal val="visible"/>
-                                      </p:to>
-                                    </p:set>
-                                    <p:animEffect transition="in" filter="fade">
-                                      <p:cBhvr>
-                                        <p:cTn id="23" dur="2000"/>
-                                        <p:tgtEl>
-                                          <p:spTgt spid="66"/>
-                                        </p:tgtEl>
-                                      </p:cBhvr>
-                                    </p:animEffect>
-                                  </p:childTnLst>
-                                </p:cTn>
-                              </p:par>
-                              <p:par>
-                                <p:cTn id="24" presetID="10" presetClass="entr" presetSubtype="0" fill="hold" grpId="0" nodeType="withEffect">
-                                  <p:stCondLst>
-                                    <p:cond delay="0"/>
-                                  </p:stCondLst>
-                                  <p:childTnLst>
-                                    <p:set>
-                                      <p:cBhvr>
-                                        <p:cTn id="25" dur="1" fill="hold">
-                                          <p:stCondLst>
-                                            <p:cond delay="0"/>
-                                          </p:stCondLst>
-                                        </p:cTn>
-                                        <p:tgtEl>
-                                          <p:spTgt spid="55"/>
-                                        </p:tgtEl>
-                                        <p:attrNameLst>
-                                          <p:attrName>style.visibility</p:attrName>
-                                        </p:attrNameLst>
-                                      </p:cBhvr>
-                                      <p:to>
-                                        <p:strVal val="visible"/>
-                                      </p:to>
-                                    </p:set>
-                                    <p:animEffect transition="in" filter="fade">
-                                      <p:cBhvr>
-                                        <p:cTn id="26" dur="2000"/>
-                                        <p:tgtEl>
-                                          <p:spTgt spid="55"/>
-                                        </p:tgtEl>
-                                      </p:cBhvr>
-                                    </p:animEffect>
-                                  </p:childTnLst>
-                                </p:cTn>
-                              </p:par>
-                            </p:childTnLst>
-                          </p:cTn>
-                        </p:par>
-                      </p:childTnLst>
-                    </p:cTn>
-                  </p:par>
-                  <p:par>
-                    <p:cTn id="27" fill="hold">
-                      <p:stCondLst>
-                        <p:cond delay="indefinite"/>
-                      </p:stCondLst>
-                      <p:childTnLst>
-                        <p:par>
-                          <p:cTn id="28" fill="hold">
-                            <p:stCondLst>
-                              <p:cond delay="0"/>
-                            </p:stCondLst>
-                            <p:childTnLst>
-                              <p:par>
-                                <p:cTn id="29" presetID="10" presetClass="entr" presetSubtype="0" fill="hold" nodeType="clickEffect">
-                                  <p:stCondLst>
-                                    <p:cond delay="0"/>
-                                  </p:stCondLst>
-                                  <p:childTnLst>
-                                    <p:set>
-                                      <p:cBhvr>
-                                        <p:cTn id="30" dur="1" fill="hold">
-                                          <p:stCondLst>
-                                            <p:cond delay="0"/>
-                                          </p:stCondLst>
-                                        </p:cTn>
-                                        <p:tgtEl>
-                                          <p:spTgt spid="69"/>
-                                        </p:tgtEl>
-                                        <p:attrNameLst>
-                                          <p:attrName>style.visibility</p:attrName>
-                                        </p:attrNameLst>
-                                      </p:cBhvr>
-                                      <p:to>
-                                        <p:strVal val="visible"/>
-                                      </p:to>
-                                    </p:set>
-                                    <p:animEffect transition="in" filter="fade">
-                                      <p:cBhvr>
-                                        <p:cTn id="31" dur="2000"/>
-                                        <p:tgtEl>
-                                          <p:spTgt spid="69"/>
-                                        </p:tgtEl>
-                                      </p:cBhvr>
-                                    </p:animEffect>
-                                  </p:childTnLst>
-                                </p:cTn>
-                              </p:par>
-                              <p:par>
-                                <p:cTn id="32" presetID="10" presetClass="entr" presetSubtype="0" fill="hold" grpId="0" nodeType="withEffect">
-                                  <p:stCondLst>
-                                    <p:cond delay="0"/>
-                                  </p:stCondLst>
-                                  <p:childTnLst>
-                                    <p:set>
-                                      <p:cBhvr>
-                                        <p:cTn id="33" dur="1" fill="hold">
-                                          <p:stCondLst>
-                                            <p:cond delay="0"/>
-                                          </p:stCondLst>
-                                        </p:cTn>
-                                        <p:tgtEl>
-                                          <p:spTgt spid="58"/>
-                                        </p:tgtEl>
-                                        <p:attrNameLst>
-                                          <p:attrName>style.visibility</p:attrName>
-                                        </p:attrNameLst>
-                                      </p:cBhvr>
-                                      <p:to>
-                                        <p:strVal val="visible"/>
-                                      </p:to>
-                                    </p:set>
-                                    <p:animEffect transition="in" filter="fade">
-                                      <p:cBhvr>
-                                        <p:cTn id="34" dur="2000"/>
-                                        <p:tgtEl>
-                                          <p:spTgt spid="58"/>
-                                        </p:tgtEl>
-                                      </p:cBhvr>
-                                    </p:animEffect>
-                                  </p:childTnLst>
-                                </p:cTn>
-                              </p:par>
-                            </p:childTnLst>
-                          </p:cTn>
-                        </p:par>
-                      </p:childTnLst>
-                    </p:cTn>
-                  </p:par>
-                  <p:par>
-                    <p:cTn id="35" fill="hold">
-                      <p:stCondLst>
-                        <p:cond delay="indefinite"/>
-                      </p:stCondLst>
-                      <p:childTnLst>
-                        <p:par>
-                          <p:cTn id="36" fill="hold">
-                            <p:stCondLst>
-                              <p:cond delay="0"/>
-                            </p:stCondLst>
-                            <p:childTnLst>
-                              <p:par>
-                                <p:cTn id="37" presetID="10" presetClass="entr" presetSubtype="0" fill="hold" nodeType="clickEffect">
-                                  <p:stCondLst>
-                                    <p:cond delay="0"/>
-                                  </p:stCondLst>
-                                  <p:childTnLst>
-                                    <p:set>
-                                      <p:cBhvr>
-                                        <p:cTn id="38" dur="1" fill="hold">
-                                          <p:stCondLst>
-                                            <p:cond delay="0"/>
-                                          </p:stCondLst>
-                                        </p:cTn>
-                                        <p:tgtEl>
-                                          <p:spTgt spid="72"/>
-                                        </p:tgtEl>
-                                        <p:attrNameLst>
-                                          <p:attrName>style.visibility</p:attrName>
-                                        </p:attrNameLst>
-                                      </p:cBhvr>
-                                      <p:to>
-                                        <p:strVal val="visible"/>
-                                      </p:to>
-                                    </p:set>
-                                    <p:animEffect transition="in" filter="fade">
-                                      <p:cBhvr>
-                                        <p:cTn id="39" dur="2000"/>
-                                        <p:tgtEl>
-                                          <p:spTgt spid="72"/>
-                                        </p:tgtEl>
-                                      </p:cBhvr>
-                                    </p:animEffect>
-                                  </p:childTnLst>
-                                </p:cTn>
-                              </p:par>
-                              <p:par>
-                                <p:cTn id="40" presetID="10" presetClass="entr" presetSubtype="0" fill="hold" grpId="0" nodeType="withEffect">
-                                  <p:stCondLst>
-                                    <p:cond delay="0"/>
-                                  </p:stCondLst>
-                                  <p:childTnLst>
-                                    <p:set>
-                                      <p:cBhvr>
-                                        <p:cTn id="41" dur="1" fill="hold">
-                                          <p:stCondLst>
-                                            <p:cond delay="0"/>
-                                          </p:stCondLst>
-                                        </p:cTn>
-                                        <p:tgtEl>
-                                          <p:spTgt spid="59"/>
-                                        </p:tgtEl>
-                                        <p:attrNameLst>
-                                          <p:attrName>style.visibility</p:attrName>
-                                        </p:attrNameLst>
-                                      </p:cBhvr>
-                                      <p:to>
-                                        <p:strVal val="visible"/>
-                                      </p:to>
-                                    </p:set>
-                                    <p:animEffect transition="in" filter="fade">
-                                      <p:cBhvr>
-                                        <p:cTn id="42" dur="2000"/>
-                                        <p:tgtEl>
-                                          <p:spTgt spid="59"/>
-                                        </p:tgtEl>
-                                      </p:cBhvr>
-                                    </p:animEffect>
-                                  </p:childTnLst>
-                                </p:cTn>
-                              </p:par>
-                            </p:childTnLst>
-                          </p:cTn>
-                        </p:par>
-                      </p:childTnLst>
-                    </p:cTn>
-                  </p:par>
-                </p:childTnLst>
-              </p:cTn>
-              <p:prevCondLst>
-                <p:cond evt="onPrev" delay="0">
-                  <p:tgtEl>
-                    <p:sldTgt/>
-                  </p:tgtEl>
-                </p:cond>
-              </p:prevCondLst>
-              <p:nextCondLst>
-                <p:cond evt="onNext" delay="0">
-                  <p:tgtEl>
-                    <p:sldTgt/>
-                  </p:tgtEl>
-                </p:cond>
-              </p:nextCondLst>
-            </p:seq>
-          </p:childTnLst>
-        </p:cTn>
+        <p:cTn id="1" dur="indefinite" restart="never" nodeType="tmRoot"/>
       </p:par>
     </p:tnLst>
-    <p:bldLst>
-      <p:bldP spid="51" grpId="0"/>
-      <p:bldP spid="55" grpId="0"/>
-      <p:bldP spid="57" grpId="0"/>
-      <p:bldP spid="58" grpId="0"/>
-      <p:bldP spid="59" grpId="0"/>
-    </p:bldLst>
   </p:timing>
 </p:sld>
 </file>
 
-<file path=ppt/slides/slide5.xml><?xml version="1.0" encoding="utf-8"?>
+<file path=ppt/slides/slide6.xml><?xml version="1.0" encoding="utf-8"?>
 <p:sld xmlns:a="http://schemas.openxmlformats.org/drawingml/2006/main" xmlns:r="http://schemas.openxmlformats.org/officeDocument/2006/relationships" xmlns:p="http://schemas.openxmlformats.org/presentationml/2006/main">
   <p:cSld>
     <p:spTree>
@@ -38006,7 +38986,7 @@
 </p:sld>
 </file>
 
-<file path=ppt/slides/slide6.xml><?xml version="1.0" encoding="utf-8"?>
+<file path=ppt/slides/slide7.xml><?xml version="1.0" encoding="utf-8"?>
 <p:sld xmlns:a="http://schemas.openxmlformats.org/drawingml/2006/main" xmlns:r="http://schemas.openxmlformats.org/officeDocument/2006/relationships" xmlns:p="http://schemas.openxmlformats.org/presentationml/2006/main">
   <p:cSld>
     <p:spTree>
@@ -40101,7 +41081,7 @@
 </p:sld>
 </file>
 
-<file path=ppt/slides/slide7.xml><?xml version="1.0" encoding="utf-8"?>
+<file path=ppt/slides/slide8.xml><?xml version="1.0" encoding="utf-8"?>
 <p:sld xmlns:a="http://schemas.openxmlformats.org/drawingml/2006/main" xmlns:r="http://schemas.openxmlformats.org/officeDocument/2006/relationships" xmlns:p="http://schemas.openxmlformats.org/presentationml/2006/main">
   <p:cSld>
     <p:spTree>
@@ -42326,7 +43306,7 @@
 </p:sld>
 </file>
 
-<file path=ppt/slides/slide8.xml><?xml version="1.0" encoding="utf-8"?>
+<file path=ppt/slides/slide9.xml><?xml version="1.0" encoding="utf-8"?>
 <p:sld xmlns:a="http://schemas.openxmlformats.org/drawingml/2006/main" xmlns:r="http://schemas.openxmlformats.org/officeDocument/2006/relationships" xmlns:p="http://schemas.openxmlformats.org/presentationml/2006/main">
   <p:cSld>
     <p:spTree>
@@ -42359,7 +43339,7 @@
         </p:blipFill>
         <p:spPr bwMode="auto">
           <a:xfrm>
-            <a:off x="1568214" y="2628486"/>
+            <a:off x="1568214" y="2582766"/>
             <a:ext cx="9099819" cy="3235491"/>
           </a:xfrm>
           <a:prstGeom prst="rect">
@@ -42384,7 +43364,7 @@
         </p:nvSpPr>
         <p:spPr bwMode="gray">
           <a:xfrm>
-            <a:off x="2809852" y="5843196"/>
+            <a:off x="2809852" y="5904156"/>
             <a:ext cx="1870364" cy="527763"/>
           </a:xfrm>
           <a:prstGeom prst="roundRect">
@@ -42452,7 +43432,7 @@
         </p:nvSpPr>
         <p:spPr bwMode="gray">
           <a:xfrm>
-            <a:off x="7667636" y="5843196"/>
+            <a:off x="7667636" y="5904156"/>
             <a:ext cx="1870364" cy="527763"/>
           </a:xfrm>
           <a:prstGeom prst="roundRect">
@@ -42518,7 +43498,7 @@
         </p:nvCxnSpPr>
         <p:spPr>
           <a:xfrm rot="5400000">
-            <a:off x="3702033" y="4450154"/>
+            <a:off x="3702033" y="4267274"/>
             <a:ext cx="4214842" cy="1588"/>
           </a:xfrm>
           <a:prstGeom prst="line">
@@ -42551,7 +43531,7 @@
         </p:nvGrpSpPr>
         <p:grpSpPr>
           <a:xfrm>
-            <a:off x="3102668" y="1401897"/>
+            <a:off x="3102668" y="1219017"/>
             <a:ext cx="1207382" cy="1512340"/>
             <a:chOff x="785786" y="1857364"/>
             <a:chExt cx="1207382" cy="1512340"/>
@@ -42625,6 +43605,9 @@
             <a:p>
               <a:r>
                 <a:rPr lang="zh-CN" altLang="en-US" dirty="0">
+                  <a:solidFill>
+                    <a:srgbClr val="FF0000"/>
+                  </a:solidFill>
                   <a:latin typeface="微软雅黑" panose="020B0503020204020204" pitchFamily="34" charset="-122"/>
                   <a:ea typeface="微软雅黑" panose="020B0503020204020204" pitchFamily="34" charset="-122"/>
                 </a:rPr>
@@ -42632,6 +43615,9 @@
               </a:r>
               <a:r>
                 <a:rPr lang="en-US" altLang="zh-CN" dirty="0">
+                  <a:solidFill>
+                    <a:srgbClr val="FF0000"/>
+                  </a:solidFill>
                   <a:latin typeface="微软雅黑" panose="020B0503020204020204" pitchFamily="34" charset="-122"/>
                   <a:ea typeface="微软雅黑" panose="020B0503020204020204" pitchFamily="34" charset="-122"/>
                 </a:rPr>
@@ -42639,12 +43625,18 @@
               </a:r>
               <a:r>
                 <a:rPr lang="zh-CN" altLang="en-US" dirty="0">
+                  <a:solidFill>
+                    <a:srgbClr val="FF0000"/>
+                  </a:solidFill>
                   <a:latin typeface="微软雅黑" panose="020B0503020204020204" pitchFamily="34" charset="-122"/>
                   <a:ea typeface="微软雅黑" panose="020B0503020204020204" pitchFamily="34" charset="-122"/>
                 </a:rPr>
                 <a:t>用户</a:t>
               </a:r>
               <a:endParaRPr lang="zh-CN" altLang="en-US" dirty="0">
+                <a:solidFill>
+                  <a:srgbClr val="FF0000"/>
+                </a:solidFill>
                 <a:latin typeface="微软雅黑" panose="020B0503020204020204" pitchFamily="34" charset="-122"/>
                 <a:ea typeface="微软雅黑" panose="020B0503020204020204" pitchFamily="34" charset="-122"/>
               </a:endParaRPr>
@@ -42660,7 +43652,7 @@
         </p:nvGrpSpPr>
         <p:grpSpPr>
           <a:xfrm>
-            <a:off x="8024826" y="1401897"/>
+            <a:off x="8024826" y="1219017"/>
             <a:ext cx="1107996" cy="1512340"/>
             <a:chOff x="7643834" y="4143380"/>
             <a:chExt cx="1107996" cy="1512340"/>
@@ -43528,642 +44520,10 @@
       </p:par>
     </p:tnLst>
     <p:bldLst>
-      <p:bldP spid="5" grpId="0" animBg="1"/>
-      <p:bldP spid="6" grpId="0" animBg="1"/>
+      <p:bldP spid="5" grpId="0" bldLvl="0" animBg="1" uiExpand="1"/>
+      <p:bldP spid="6" grpId="0" bldLvl="0" animBg="1"/>
     </p:bldLst>
   </p:timing>
-</p:sld>
-</file>
-
-<file path=ppt/slides/slide9.xml><?xml version="1.0" encoding="utf-8"?>
-<p:sld xmlns:a="http://schemas.openxmlformats.org/drawingml/2006/main" xmlns:r="http://schemas.openxmlformats.org/officeDocument/2006/relationships" xmlns:p="http://schemas.openxmlformats.org/presentationml/2006/main">
-  <p:cSld>
-    <p:spTree>
-      <p:nvGrpSpPr>
-        <p:cNvPr id="1" name=""/>
-        <p:cNvGrpSpPr/>
-        <p:nvPr/>
-      </p:nvGrpSpPr>
-      <p:grpSpPr>
-        <a:xfrm>
-          <a:off x="0" y="0"/>
-          <a:ext cx="0" cy="0"/>
-          <a:chOff x="0" y="0"/>
-          <a:chExt cx="0" cy="0"/>
-        </a:xfrm>
-      </p:grpSpPr>
-      <p:pic>
-        <p:nvPicPr>
-          <p:cNvPr id="8" name="Picture 3"/>
-          <p:cNvPicPr>
-            <a:picLocks noChangeAspect="1" noChangeArrowheads="1"/>
-          </p:cNvPicPr>
-          <p:nvPr/>
-        </p:nvPicPr>
-        <p:blipFill>
-          <a:blip r:embed="rId1">
-            <a:clrChange>
-              <a:clrFrom>
-                <a:srgbClr val="FFFFFF"/>
-              </a:clrFrom>
-              <a:clrTo>
-                <a:srgbClr val="FFFFFF">
-                  <a:alpha val="0"/>
-                </a:srgbClr>
-              </a:clrTo>
-            </a:clrChange>
-          </a:blip>
-          <a:srcRect b="6557"/>
-          <a:stretch>
-            <a:fillRect/>
-          </a:stretch>
-        </p:blipFill>
-        <p:spPr bwMode="auto">
-          <a:xfrm>
-            <a:off x="3430627" y="1276476"/>
-            <a:ext cx="5100184" cy="3782703"/>
-          </a:xfrm>
-          <a:prstGeom prst="rect">
-            <a:avLst/>
-          </a:prstGeom>
-          <a:solidFill>
-            <a:schemeClr val="bg1"/>
-          </a:solidFill>
-          <a:ln w="9525">
-            <a:noFill/>
-            <a:miter lim="800000"/>
-            <a:headEnd/>
-            <a:tailEnd/>
-          </a:ln>
-          <a:effectLst/>
-        </p:spPr>
-      </p:pic>
-      <p:sp>
-        <p:nvSpPr>
-          <p:cNvPr id="7" name="矩形标注 6"/>
-          <p:cNvSpPr/>
-          <p:nvPr/>
-        </p:nvSpPr>
-        <p:spPr>
-          <a:xfrm>
-            <a:off x="3134761" y="5511318"/>
-            <a:ext cx="7572428" cy="857256"/>
-          </a:xfrm>
-          <a:prstGeom prst="wedgeRectCallout">
-            <a:avLst>
-              <a:gd name="adj1" fmla="val -38467"/>
-              <a:gd name="adj2" fmla="val -96652"/>
-            </a:avLst>
-          </a:prstGeom>
-        </p:spPr>
-        <p:style>
-          <a:lnRef idx="2">
-            <a:schemeClr val="accent1">
-              <a:shade val="50000"/>
-            </a:schemeClr>
-          </a:lnRef>
-          <a:fillRef idx="1">
-            <a:schemeClr val="accent1"/>
-          </a:fillRef>
-          <a:effectRef idx="0">
-            <a:schemeClr val="accent1"/>
-          </a:effectRef>
-          <a:fontRef idx="minor">
-            <a:schemeClr val="lt1"/>
-          </a:fontRef>
-        </p:style>
-        <p:txBody>
-          <a:bodyPr rtlCol="0" anchor="ctr"/>
-          <a:lstStyle/>
-          <a:p>
-            <a:r>
-              <a:rPr lang="zh-CN" altLang="en-US" sz="2800" dirty="0">
-                <a:latin typeface="微软雅黑" panose="020B0503020204020204" pitchFamily="34" charset="-122"/>
-                <a:ea typeface="微软雅黑" panose="020B0503020204020204" pitchFamily="34" charset="-122"/>
-              </a:rPr>
-              <a:t>基于用例图、用例描述和健壮性图，采用</a:t>
-            </a:r>
-            <a:r>
-              <a:rPr lang="zh-CN" altLang="en-US" sz="2800" dirty="0">
-                <a:solidFill>
-                  <a:srgbClr val="FF0000"/>
-                </a:solidFill>
-                <a:latin typeface="微软雅黑" panose="020B0503020204020204" pitchFamily="34" charset="-122"/>
-                <a:ea typeface="微软雅黑" panose="020B0503020204020204" pitchFamily="34" charset="-122"/>
-              </a:rPr>
-              <a:t>序列图</a:t>
-            </a:r>
-            <a:r>
-              <a:rPr lang="zh-CN" altLang="en-US" sz="2800" dirty="0">
-                <a:latin typeface="微软雅黑" panose="020B0503020204020204" pitchFamily="34" charset="-122"/>
-                <a:ea typeface="微软雅黑" panose="020B0503020204020204" pitchFamily="34" charset="-122"/>
-              </a:rPr>
-              <a:t>来描述参与者、边界、实体之间的交互</a:t>
-            </a:r>
-            <a:r>
-              <a:rPr lang="en-US" altLang="zh-CN" sz="2800" dirty="0">
-                <a:latin typeface="微软雅黑" panose="020B0503020204020204" pitchFamily="34" charset="-122"/>
-                <a:ea typeface="微软雅黑" panose="020B0503020204020204" pitchFamily="34" charset="-122"/>
-              </a:rPr>
-              <a:t>.</a:t>
-            </a:r>
-            <a:endParaRPr lang="en-US" altLang="zh-CN" sz="2800" dirty="0">
-              <a:latin typeface="微软雅黑" panose="020B0503020204020204" pitchFamily="34" charset="-122"/>
-              <a:ea typeface="微软雅黑" panose="020B0503020204020204" pitchFamily="34" charset="-122"/>
-            </a:endParaRPr>
-          </a:p>
-        </p:txBody>
-      </p:sp>
-      <p:sp>
-        <p:nvSpPr>
-          <p:cNvPr id="5" name="文本框 4"/>
-          <p:cNvSpPr txBox="1"/>
-          <p:nvPr/>
-        </p:nvSpPr>
-        <p:spPr>
-          <a:xfrm>
-            <a:off x="274320" y="449590"/>
-            <a:ext cx="3057247" cy="584775"/>
-          </a:xfrm>
-          <a:prstGeom prst="rect">
-            <a:avLst/>
-          </a:prstGeom>
-          <a:noFill/>
-        </p:spPr>
-        <p:txBody>
-          <a:bodyPr wrap="none" rtlCol="0">
-            <a:spAutoFit/>
-          </a:bodyPr>
-          <a:lstStyle/>
-          <a:p>
-            <a:r>
-              <a:rPr lang="zh-CN" altLang="en-US" sz="3200" b="1" dirty="0">
-                <a:solidFill>
-                  <a:srgbClr val="141316"/>
-                </a:solidFill>
-                <a:latin typeface="微软雅黑" panose="020B0503020204020204" pitchFamily="34" charset="-122"/>
-                <a:ea typeface="微软雅黑" panose="020B0503020204020204" pitchFamily="34" charset="-122"/>
-              </a:rPr>
-              <a:t>关键设计的方法</a:t>
-            </a:r>
-            <a:endParaRPr lang="zh-CN" altLang="en-US" sz="3200" b="1" dirty="0">
-              <a:solidFill>
-                <a:srgbClr val="141316"/>
-              </a:solidFill>
-              <a:latin typeface="微软雅黑" panose="020B0503020204020204" pitchFamily="34" charset="-122"/>
-              <a:ea typeface="微软雅黑" panose="020B0503020204020204" pitchFamily="34" charset="-122"/>
-            </a:endParaRPr>
-          </a:p>
-        </p:txBody>
-      </p:sp>
-      <p:cxnSp>
-        <p:nvCxnSpPr>
-          <p:cNvPr id="6" name="直接连接符 5"/>
-          <p:cNvCxnSpPr/>
-          <p:nvPr/>
-        </p:nvCxnSpPr>
-        <p:spPr>
-          <a:xfrm>
-            <a:off x="0" y="1019125"/>
-            <a:ext cx="12192000" cy="0"/>
-          </a:xfrm>
-          <a:prstGeom prst="line">
-            <a:avLst/>
-          </a:prstGeom>
-          <a:ln>
-            <a:solidFill>
-              <a:srgbClr val="B82E24"/>
-            </a:solidFill>
-            <a:prstDash val="solid"/>
-          </a:ln>
-        </p:spPr>
-        <p:style>
-          <a:lnRef idx="1">
-            <a:schemeClr val="accent1"/>
-          </a:lnRef>
-          <a:fillRef idx="0">
-            <a:schemeClr val="accent1"/>
-          </a:fillRef>
-          <a:effectRef idx="0">
-            <a:schemeClr val="accent1"/>
-          </a:effectRef>
-          <a:fontRef idx="minor">
-            <a:schemeClr val="tx1"/>
-          </a:fontRef>
-        </p:style>
-      </p:cxnSp>
-      <p:grpSp>
-        <p:nvGrpSpPr>
-          <p:cNvPr id="9" name="组合 8"/>
-          <p:cNvGrpSpPr/>
-          <p:nvPr/>
-        </p:nvGrpSpPr>
-        <p:grpSpPr>
-          <a:xfrm>
-            <a:off x="3331567" y="646178"/>
-            <a:ext cx="491490" cy="318085"/>
-            <a:chOff x="3017520" y="601990"/>
-            <a:chExt cx="491490" cy="414010"/>
-          </a:xfrm>
-        </p:grpSpPr>
-        <p:sp>
-          <p:nvSpPr>
-            <p:cNvPr id="10" name="燕尾形 9"/>
-            <p:cNvSpPr/>
-            <p:nvPr/>
-          </p:nvSpPr>
-          <p:spPr>
-            <a:xfrm>
-              <a:off x="3017520" y="601990"/>
-              <a:ext cx="198120" cy="414010"/>
-            </a:xfrm>
-            <a:prstGeom prst="chevron">
-              <a:avLst/>
-            </a:prstGeom>
-            <a:solidFill>
-              <a:srgbClr val="F5715B"/>
-            </a:solidFill>
-            <a:ln>
-              <a:noFill/>
-            </a:ln>
-          </p:spPr>
-          <p:style>
-            <a:lnRef idx="2">
-              <a:schemeClr val="accent1">
-                <a:shade val="50000"/>
-              </a:schemeClr>
-            </a:lnRef>
-            <a:fillRef idx="1">
-              <a:schemeClr val="accent1"/>
-            </a:fillRef>
-            <a:effectRef idx="0">
-              <a:schemeClr val="accent1"/>
-            </a:effectRef>
-            <a:fontRef idx="minor">
-              <a:schemeClr val="lt1"/>
-            </a:fontRef>
-          </p:style>
-          <p:txBody>
-            <a:bodyPr rtlCol="0" anchor="ctr"/>
-            <a:lstStyle/>
-            <a:p>
-              <a:pPr algn="ctr"/>
-              <a:endParaRPr lang="zh-CN" altLang="en-US">
-                <a:solidFill>
-                  <a:schemeClr val="tx1"/>
-                </a:solidFill>
-              </a:endParaRPr>
-            </a:p>
-          </p:txBody>
-        </p:sp>
-        <p:sp>
-          <p:nvSpPr>
-            <p:cNvPr id="11" name="燕尾形 10"/>
-            <p:cNvSpPr/>
-            <p:nvPr/>
-          </p:nvSpPr>
-          <p:spPr>
-            <a:xfrm>
-              <a:off x="3164205" y="601990"/>
-              <a:ext cx="198120" cy="414010"/>
-            </a:xfrm>
-            <a:prstGeom prst="chevron">
-              <a:avLst/>
-            </a:prstGeom>
-            <a:solidFill>
-              <a:srgbClr val="F93D32"/>
-            </a:solidFill>
-            <a:ln>
-              <a:noFill/>
-            </a:ln>
-          </p:spPr>
-          <p:style>
-            <a:lnRef idx="2">
-              <a:schemeClr val="accent1">
-                <a:shade val="50000"/>
-              </a:schemeClr>
-            </a:lnRef>
-            <a:fillRef idx="1">
-              <a:schemeClr val="accent1"/>
-            </a:fillRef>
-            <a:effectRef idx="0">
-              <a:schemeClr val="accent1"/>
-            </a:effectRef>
-            <a:fontRef idx="minor">
-              <a:schemeClr val="lt1"/>
-            </a:fontRef>
-          </p:style>
-          <p:txBody>
-            <a:bodyPr rtlCol="0" anchor="ctr"/>
-            <a:lstStyle/>
-            <a:p>
-              <a:pPr algn="ctr"/>
-              <a:endParaRPr lang="zh-CN" altLang="en-US">
-                <a:solidFill>
-                  <a:schemeClr val="tx1"/>
-                </a:solidFill>
-              </a:endParaRPr>
-            </a:p>
-          </p:txBody>
-        </p:sp>
-        <p:sp>
-          <p:nvSpPr>
-            <p:cNvPr id="12" name="燕尾形 11"/>
-            <p:cNvSpPr/>
-            <p:nvPr/>
-          </p:nvSpPr>
-          <p:spPr>
-            <a:xfrm>
-              <a:off x="3310890" y="601990"/>
-              <a:ext cx="198120" cy="414010"/>
-            </a:xfrm>
-            <a:prstGeom prst="chevron">
-              <a:avLst/>
-            </a:prstGeom>
-            <a:solidFill>
-              <a:srgbClr val="B82E24"/>
-            </a:solidFill>
-            <a:ln>
-              <a:noFill/>
-            </a:ln>
-          </p:spPr>
-          <p:style>
-            <a:lnRef idx="2">
-              <a:schemeClr val="accent1">
-                <a:shade val="50000"/>
-              </a:schemeClr>
-            </a:lnRef>
-            <a:fillRef idx="1">
-              <a:schemeClr val="accent1"/>
-            </a:fillRef>
-            <a:effectRef idx="0">
-              <a:schemeClr val="accent1"/>
-            </a:effectRef>
-            <a:fontRef idx="minor">
-              <a:schemeClr val="lt1"/>
-            </a:fontRef>
-          </p:style>
-          <p:txBody>
-            <a:bodyPr rtlCol="0" anchor="ctr"/>
-            <a:lstStyle/>
-            <a:p>
-              <a:pPr algn="ctr"/>
-              <a:endParaRPr lang="zh-CN" altLang="en-US">
-                <a:solidFill>
-                  <a:schemeClr val="tx1"/>
-                </a:solidFill>
-              </a:endParaRPr>
-            </a:p>
-          </p:txBody>
-        </p:sp>
-      </p:grpSp>
-      <p:sp>
-        <p:nvSpPr>
-          <p:cNvPr id="13" name="矩形 12"/>
-          <p:cNvSpPr/>
-          <p:nvPr/>
-        </p:nvSpPr>
-        <p:spPr>
-          <a:xfrm>
-            <a:off x="7818120" y="912444"/>
-            <a:ext cx="944880" cy="103556"/>
-          </a:xfrm>
-          <a:prstGeom prst="rect">
-            <a:avLst/>
-          </a:prstGeom>
-          <a:solidFill>
-            <a:schemeClr val="tx1">
-              <a:lumMod val="65000"/>
-              <a:lumOff val="35000"/>
-            </a:schemeClr>
-          </a:solidFill>
-          <a:ln>
-            <a:noFill/>
-          </a:ln>
-        </p:spPr>
-        <p:style>
-          <a:lnRef idx="2">
-            <a:schemeClr val="accent1">
-              <a:shade val="50000"/>
-            </a:schemeClr>
-          </a:lnRef>
-          <a:fillRef idx="1">
-            <a:schemeClr val="accent1"/>
-          </a:fillRef>
-          <a:effectRef idx="0">
-            <a:schemeClr val="accent1"/>
-          </a:effectRef>
-          <a:fontRef idx="minor">
-            <a:schemeClr val="lt1"/>
-          </a:fontRef>
-        </p:style>
-        <p:txBody>
-          <a:bodyPr rtlCol="0" anchor="ctr"/>
-          <a:lstStyle/>
-          <a:p>
-            <a:pPr algn="ctr"/>
-            <a:endParaRPr lang="zh-CN" altLang="en-US"/>
-          </a:p>
-        </p:txBody>
-      </p:sp>
-      <p:sp>
-        <p:nvSpPr>
-          <p:cNvPr id="14" name="矩形 13"/>
-          <p:cNvSpPr/>
-          <p:nvPr/>
-        </p:nvSpPr>
-        <p:spPr>
-          <a:xfrm>
-            <a:off x="8885357" y="912444"/>
-            <a:ext cx="944880" cy="103556"/>
-          </a:xfrm>
-          <a:prstGeom prst="rect">
-            <a:avLst/>
-          </a:prstGeom>
-          <a:solidFill>
-            <a:schemeClr val="tx1">
-              <a:lumMod val="65000"/>
-              <a:lumOff val="35000"/>
-            </a:schemeClr>
-          </a:solidFill>
-          <a:ln>
-            <a:noFill/>
-          </a:ln>
-        </p:spPr>
-        <p:style>
-          <a:lnRef idx="2">
-            <a:schemeClr val="accent1">
-              <a:shade val="50000"/>
-            </a:schemeClr>
-          </a:lnRef>
-          <a:fillRef idx="1">
-            <a:schemeClr val="accent1"/>
-          </a:fillRef>
-          <a:effectRef idx="0">
-            <a:schemeClr val="accent1"/>
-          </a:effectRef>
-          <a:fontRef idx="minor">
-            <a:schemeClr val="lt1"/>
-          </a:fontRef>
-        </p:style>
-        <p:txBody>
-          <a:bodyPr rtlCol="0" anchor="ctr"/>
-          <a:lstStyle/>
-          <a:p>
-            <a:pPr algn="ctr"/>
-            <a:endParaRPr lang="zh-CN" altLang="en-US"/>
-          </a:p>
-        </p:txBody>
-      </p:sp>
-      <p:sp>
-        <p:nvSpPr>
-          <p:cNvPr id="15" name="矩形 14"/>
-          <p:cNvSpPr/>
-          <p:nvPr/>
-        </p:nvSpPr>
-        <p:spPr>
-          <a:xfrm>
-            <a:off x="9952594" y="912444"/>
-            <a:ext cx="944880" cy="103556"/>
-          </a:xfrm>
-          <a:prstGeom prst="rect">
-            <a:avLst/>
-          </a:prstGeom>
-          <a:solidFill>
-            <a:schemeClr val="tx1">
-              <a:lumMod val="65000"/>
-              <a:lumOff val="35000"/>
-            </a:schemeClr>
-          </a:solidFill>
-          <a:ln>
-            <a:noFill/>
-          </a:ln>
-        </p:spPr>
-        <p:style>
-          <a:lnRef idx="2">
-            <a:schemeClr val="accent1">
-              <a:shade val="50000"/>
-            </a:schemeClr>
-          </a:lnRef>
-          <a:fillRef idx="1">
-            <a:schemeClr val="accent1"/>
-          </a:fillRef>
-          <a:effectRef idx="0">
-            <a:schemeClr val="accent1"/>
-          </a:effectRef>
-          <a:fontRef idx="minor">
-            <a:schemeClr val="lt1"/>
-          </a:fontRef>
-        </p:style>
-        <p:txBody>
-          <a:bodyPr rtlCol="0" anchor="ctr"/>
-          <a:lstStyle/>
-          <a:p>
-            <a:pPr algn="ctr"/>
-            <a:endParaRPr lang="zh-CN" altLang="en-US"/>
-          </a:p>
-        </p:txBody>
-      </p:sp>
-      <p:sp>
-        <p:nvSpPr>
-          <p:cNvPr id="16" name="矩形 15"/>
-          <p:cNvSpPr/>
-          <p:nvPr/>
-        </p:nvSpPr>
-        <p:spPr>
-          <a:xfrm>
-            <a:off x="11019831" y="912444"/>
-            <a:ext cx="944880" cy="103556"/>
-          </a:xfrm>
-          <a:prstGeom prst="rect">
-            <a:avLst/>
-          </a:prstGeom>
-          <a:solidFill>
-            <a:schemeClr val="tx1">
-              <a:lumMod val="65000"/>
-              <a:lumOff val="35000"/>
-            </a:schemeClr>
-          </a:solidFill>
-          <a:ln>
-            <a:noFill/>
-          </a:ln>
-        </p:spPr>
-        <p:style>
-          <a:lnRef idx="2">
-            <a:schemeClr val="accent1">
-              <a:shade val="50000"/>
-            </a:schemeClr>
-          </a:lnRef>
-          <a:fillRef idx="1">
-            <a:schemeClr val="accent1"/>
-          </a:fillRef>
-          <a:effectRef idx="0">
-            <a:schemeClr val="accent1"/>
-          </a:effectRef>
-          <a:fontRef idx="minor">
-            <a:schemeClr val="lt1"/>
-          </a:fontRef>
-        </p:style>
-        <p:txBody>
-          <a:bodyPr rtlCol="0" anchor="ctr"/>
-          <a:lstStyle/>
-          <a:p>
-            <a:pPr algn="ctr"/>
-            <a:endParaRPr lang="zh-CN" altLang="en-US"/>
-          </a:p>
-        </p:txBody>
-      </p:sp>
-      <p:sp>
-        <p:nvSpPr>
-          <p:cNvPr id="17" name="矩形 16"/>
-          <p:cNvSpPr/>
-          <p:nvPr/>
-        </p:nvSpPr>
-        <p:spPr>
-          <a:xfrm>
-            <a:off x="7818120" y="796875"/>
-            <a:ext cx="944880" cy="220253"/>
-          </a:xfrm>
-          <a:prstGeom prst="rect">
-            <a:avLst/>
-          </a:prstGeom>
-          <a:solidFill>
-            <a:srgbClr val="BE1007"/>
-          </a:solidFill>
-          <a:ln>
-            <a:noFill/>
-          </a:ln>
-        </p:spPr>
-        <p:style>
-          <a:lnRef idx="2">
-            <a:schemeClr val="accent1">
-              <a:shade val="50000"/>
-            </a:schemeClr>
-          </a:lnRef>
-          <a:fillRef idx="1">
-            <a:schemeClr val="accent1"/>
-          </a:fillRef>
-          <a:effectRef idx="0">
-            <a:schemeClr val="accent1"/>
-          </a:effectRef>
-          <a:fontRef idx="minor">
-            <a:schemeClr val="lt1"/>
-          </a:fontRef>
-        </p:style>
-        <p:txBody>
-          <a:bodyPr rtlCol="0" anchor="ctr"/>
-          <a:lstStyle/>
-          <a:p>
-            <a:pPr algn="ctr"/>
-            <a:endParaRPr lang="zh-CN" altLang="en-US"/>
-          </a:p>
-        </p:txBody>
-      </p:sp>
-    </p:spTree>
-  </p:cSld>
-  <p:clrMapOvr>
-    <a:masterClrMapping/>
-  </p:clrMapOvr>
 </p:sld>
 </file>
 

--- a/materials/slides/ch06.pptx
+++ b/materials/slides/ch06.pptx
@@ -17951,7 +17951,15 @@
                   <a:srgbClr val="FF0000"/>
                 </a:solidFill>
               </a:rPr>
-              <a:t>注意：边界类不添加到类图中</a:t>
+              <a:t>一般</a:t>
+            </a:r>
+            <a:r>
+              <a:rPr lang="zh-CN" altLang="en-US" b="1" dirty="0">
+                <a:solidFill>
+                  <a:srgbClr val="FF0000"/>
+                </a:solidFill>
+              </a:rPr>
+              <a:t>边界类不添加到类图中</a:t>
             </a:r>
             <a:r>
               <a:rPr lang="zh-CN" altLang="en-US" dirty="0"/>
